--- a/reference/DataPipeline.pptx
+++ b/reference/DataPipeline.pptx
@@ -6,6 +6,7 @@
   </p:sldMasterIdLst>
   <p:sldIdLst>
     <p:sldId id="256" r:id="rId2"/>
+    <p:sldId id="257" r:id="rId3"/>
   </p:sldIdLst>
   <p:sldSz cx="12192000" cy="6858000"/>
   <p:notesSz cx="6858000" cy="9144000"/>
@@ -104,6 +105,11 @@
       </a:defRPr>
     </a:lvl9pPr>
   </p:defaultTextStyle>
+  <p:extLst>
+    <p:ext uri="{EFAFB233-063F-42B5-8137-9DF3F51BA10A}">
+      <p15:sldGuideLst xmlns:p15="http://schemas.microsoft.com/office/powerpoint/2012/main"/>
+    </p:ext>
+  </p:extLst>
 </p:presentation>
 </file>
 
@@ -238,7 +244,7 @@
           <a:p>
             <a:fld id="{7A236CAE-59D8-44F9-8C65-99D4FF9A1B44}" type="datetimeFigureOut">
               <a:rPr lang="en-SG" smtClean="0"/>
-              <a:t>9/10/2018</a:t>
+              <a:t>23/11/2018</a:t>
             </a:fld>
             <a:endParaRPr lang="en-SG"/>
           </a:p>
@@ -408,7 +414,7 @@
           <a:p>
             <a:fld id="{7A236CAE-59D8-44F9-8C65-99D4FF9A1B44}" type="datetimeFigureOut">
               <a:rPr lang="en-SG" smtClean="0"/>
-              <a:t>9/10/2018</a:t>
+              <a:t>23/11/2018</a:t>
             </a:fld>
             <a:endParaRPr lang="en-SG"/>
           </a:p>
@@ -588,7 +594,7 @@
           <a:p>
             <a:fld id="{7A236CAE-59D8-44F9-8C65-99D4FF9A1B44}" type="datetimeFigureOut">
               <a:rPr lang="en-SG" smtClean="0"/>
-              <a:t>9/10/2018</a:t>
+              <a:t>23/11/2018</a:t>
             </a:fld>
             <a:endParaRPr lang="en-SG"/>
           </a:p>
@@ -758,7 +764,7 @@
           <a:p>
             <a:fld id="{7A236CAE-59D8-44F9-8C65-99D4FF9A1B44}" type="datetimeFigureOut">
               <a:rPr lang="en-SG" smtClean="0"/>
-              <a:t>9/10/2018</a:t>
+              <a:t>23/11/2018</a:t>
             </a:fld>
             <a:endParaRPr lang="en-SG"/>
           </a:p>
@@ -1004,7 +1010,7 @@
           <a:p>
             <a:fld id="{7A236CAE-59D8-44F9-8C65-99D4FF9A1B44}" type="datetimeFigureOut">
               <a:rPr lang="en-SG" smtClean="0"/>
-              <a:t>9/10/2018</a:t>
+              <a:t>23/11/2018</a:t>
             </a:fld>
             <a:endParaRPr lang="en-SG"/>
           </a:p>
@@ -1236,7 +1242,7 @@
           <a:p>
             <a:fld id="{7A236CAE-59D8-44F9-8C65-99D4FF9A1B44}" type="datetimeFigureOut">
               <a:rPr lang="en-SG" smtClean="0"/>
-              <a:t>9/10/2018</a:t>
+              <a:t>23/11/2018</a:t>
             </a:fld>
             <a:endParaRPr lang="en-SG"/>
           </a:p>
@@ -1603,7 +1609,7 @@
           <a:p>
             <a:fld id="{7A236CAE-59D8-44F9-8C65-99D4FF9A1B44}" type="datetimeFigureOut">
               <a:rPr lang="en-SG" smtClean="0"/>
-              <a:t>9/10/2018</a:t>
+              <a:t>23/11/2018</a:t>
             </a:fld>
             <a:endParaRPr lang="en-SG"/>
           </a:p>
@@ -1721,7 +1727,7 @@
           <a:p>
             <a:fld id="{7A236CAE-59D8-44F9-8C65-99D4FF9A1B44}" type="datetimeFigureOut">
               <a:rPr lang="en-SG" smtClean="0"/>
-              <a:t>9/10/2018</a:t>
+              <a:t>23/11/2018</a:t>
             </a:fld>
             <a:endParaRPr lang="en-SG"/>
           </a:p>
@@ -1816,7 +1822,7 @@
           <a:p>
             <a:fld id="{7A236CAE-59D8-44F9-8C65-99D4FF9A1B44}" type="datetimeFigureOut">
               <a:rPr lang="en-SG" smtClean="0"/>
-              <a:t>9/10/2018</a:t>
+              <a:t>23/11/2018</a:t>
             </a:fld>
             <a:endParaRPr lang="en-SG"/>
           </a:p>
@@ -2093,7 +2099,7 @@
           <a:p>
             <a:fld id="{7A236CAE-59D8-44F9-8C65-99D4FF9A1B44}" type="datetimeFigureOut">
               <a:rPr lang="en-SG" smtClean="0"/>
-              <a:t>9/10/2018</a:t>
+              <a:t>23/11/2018</a:t>
             </a:fld>
             <a:endParaRPr lang="en-SG"/>
           </a:p>
@@ -2346,7 +2352,7 @@
           <a:p>
             <a:fld id="{7A236CAE-59D8-44F9-8C65-99D4FF9A1B44}" type="datetimeFigureOut">
               <a:rPr lang="en-SG" smtClean="0"/>
-              <a:t>9/10/2018</a:t>
+              <a:t>23/11/2018</a:t>
             </a:fld>
             <a:endParaRPr lang="en-SG"/>
           </a:p>
@@ -2559,7 +2565,7 @@
           <a:p>
             <a:fld id="{7A236CAE-59D8-44F9-8C65-99D4FF9A1B44}" type="datetimeFigureOut">
               <a:rPr lang="en-SG" smtClean="0"/>
-              <a:t>9/10/2018</a:t>
+              <a:t>23/11/2018</a:t>
             </a:fld>
             <a:endParaRPr lang="en-SG"/>
           </a:p>
@@ -4501,6 +4507,5630 @@
 </p:sld>
 </file>
 
+<file path=ppt/slides/slide2.xml><?xml version="1.0" encoding="utf-8"?>
+<p:sld xmlns:a="http://schemas.openxmlformats.org/drawingml/2006/main" xmlns:r="http://schemas.openxmlformats.org/officeDocument/2006/relationships" xmlns:p="http://schemas.openxmlformats.org/presentationml/2006/main">
+  <p:cSld>
+    <p:spTree>
+      <p:nvGrpSpPr>
+        <p:cNvPr id="1" name=""/>
+        <p:cNvGrpSpPr/>
+        <p:nvPr/>
+      </p:nvGrpSpPr>
+      <p:grpSpPr>
+        <a:xfrm>
+          <a:off x="0" y="0"/>
+          <a:ext cx="0" cy="0"/>
+          <a:chOff x="0" y="0"/>
+          <a:chExt cx="0" cy="0"/>
+        </a:xfrm>
+      </p:grpSpPr>
+      <p:sp>
+        <p:nvSpPr>
+          <p:cNvPr id="4" name="Rectangle 3"/>
+          <p:cNvSpPr/>
+          <p:nvPr/>
+        </p:nvSpPr>
+        <p:spPr>
+          <a:xfrm>
+            <a:off x="8010414" y="1329604"/>
+            <a:ext cx="1111450" cy="285649"/>
+          </a:xfrm>
+          <a:prstGeom prst="rect">
+            <a:avLst/>
+          </a:prstGeom>
+          <a:noFill/>
+          <a:ln w="19050">
+            <a:solidFill>
+              <a:schemeClr val="tx1"/>
+            </a:solidFill>
+          </a:ln>
+        </p:spPr>
+        <p:style>
+          <a:lnRef idx="2">
+            <a:schemeClr val="accent1">
+              <a:shade val="50000"/>
+            </a:schemeClr>
+          </a:lnRef>
+          <a:fillRef idx="1">
+            <a:schemeClr val="accent1"/>
+          </a:fillRef>
+          <a:effectRef idx="0">
+            <a:schemeClr val="accent1"/>
+          </a:effectRef>
+          <a:fontRef idx="minor">
+            <a:schemeClr val="lt1"/>
+          </a:fontRef>
+        </p:style>
+        <p:txBody>
+          <a:bodyPr rtlCol="0" anchor="ctr"/>
+          <a:lstStyle/>
+          <a:p>
+            <a:pPr algn="ctr"/>
+            <a:r>
+              <a:rPr lang="en-US" sz="1400" dirty="0">
+                <a:solidFill>
+                  <a:schemeClr val="tx1"/>
+                </a:solidFill>
+              </a:rPr>
+              <a:t>consumer_1</a:t>
+            </a:r>
+            <a:endParaRPr lang="en-SG" sz="1400" dirty="0">
+              <a:solidFill>
+                <a:schemeClr val="tx1"/>
+              </a:solidFill>
+            </a:endParaRPr>
+          </a:p>
+        </p:txBody>
+      </p:sp>
+      <p:sp>
+        <p:nvSpPr>
+          <p:cNvPr id="7" name="Rectangle 6"/>
+          <p:cNvSpPr/>
+          <p:nvPr/>
+        </p:nvSpPr>
+        <p:spPr>
+          <a:xfrm>
+            <a:off x="738190" y="4549860"/>
+            <a:ext cx="4425993" cy="2143099"/>
+          </a:xfrm>
+          <a:prstGeom prst="rect">
+            <a:avLst/>
+          </a:prstGeom>
+          <a:noFill/>
+          <a:ln w="19050">
+            <a:solidFill>
+              <a:schemeClr val="tx1"/>
+            </a:solidFill>
+          </a:ln>
+        </p:spPr>
+        <p:style>
+          <a:lnRef idx="2">
+            <a:schemeClr val="accent1">
+              <a:shade val="50000"/>
+            </a:schemeClr>
+          </a:lnRef>
+          <a:fillRef idx="1">
+            <a:schemeClr val="accent1"/>
+          </a:fillRef>
+          <a:effectRef idx="0">
+            <a:schemeClr val="accent1"/>
+          </a:effectRef>
+          <a:fontRef idx="minor">
+            <a:schemeClr val="lt1"/>
+          </a:fontRef>
+        </p:style>
+        <p:txBody>
+          <a:bodyPr rtlCol="0" anchor="b" anchorCtr="0"/>
+          <a:lstStyle/>
+          <a:p>
+            <a:pPr algn="ctr"/>
+            <a:r>
+              <a:rPr lang="en-US" sz="1400" dirty="0">
+                <a:solidFill>
+                  <a:schemeClr val="tx1"/>
+                </a:solidFill>
+              </a:rPr>
+              <a:t>rtsp://184.72.239.149/vod/mp4:BigBuckBunny_175k.mov</a:t>
+            </a:r>
+            <a:endParaRPr lang="en-SG" sz="1400" dirty="0">
+              <a:solidFill>
+                <a:schemeClr val="tx1"/>
+              </a:solidFill>
+            </a:endParaRPr>
+          </a:p>
+        </p:txBody>
+      </p:sp>
+      <p:sp>
+        <p:nvSpPr>
+          <p:cNvPr id="9" name="Rectangle 8"/>
+          <p:cNvSpPr/>
+          <p:nvPr/>
+        </p:nvSpPr>
+        <p:spPr>
+          <a:xfrm>
+            <a:off x="4232826" y="1235488"/>
+            <a:ext cx="2758524" cy="1612545"/>
+          </a:xfrm>
+          <a:prstGeom prst="rect">
+            <a:avLst/>
+          </a:prstGeom>
+          <a:noFill/>
+          <a:ln w="19050">
+            <a:solidFill>
+              <a:schemeClr val="tx1"/>
+            </a:solidFill>
+          </a:ln>
+        </p:spPr>
+        <p:style>
+          <a:lnRef idx="2">
+            <a:schemeClr val="accent1">
+              <a:shade val="50000"/>
+            </a:schemeClr>
+          </a:lnRef>
+          <a:fillRef idx="1">
+            <a:schemeClr val="accent1"/>
+          </a:fillRef>
+          <a:effectRef idx="0">
+            <a:schemeClr val="accent1"/>
+          </a:effectRef>
+          <a:fontRef idx="minor">
+            <a:schemeClr val="lt1"/>
+          </a:fontRef>
+        </p:style>
+        <p:txBody>
+          <a:bodyPr rtlCol="0" anchor="t" anchorCtr="0"/>
+          <a:lstStyle/>
+          <a:p>
+            <a:pPr algn="ctr"/>
+            <a:r>
+              <a:rPr lang="en-US" sz="1400" dirty="0">
+                <a:solidFill>
+                  <a:schemeClr val="tx1"/>
+                </a:solidFill>
+              </a:rPr>
+              <a:t>Topic: timeseries_1</a:t>
+            </a:r>
+          </a:p>
+          <a:p>
+            <a:pPr algn="ctr"/>
+            <a:r>
+              <a:rPr lang="en-US" sz="1400" dirty="0">
+                <a:solidFill>
+                  <a:schemeClr val="tx1"/>
+                </a:solidFill>
+              </a:rPr>
+              <a:t>Partitions: 1</a:t>
+            </a:r>
+            <a:endParaRPr lang="en-SG" sz="1400" dirty="0">
+              <a:solidFill>
+                <a:schemeClr val="tx1"/>
+              </a:solidFill>
+            </a:endParaRPr>
+          </a:p>
+        </p:txBody>
+      </p:sp>
+      <p:cxnSp>
+        <p:nvCxnSpPr>
+          <p:cNvPr id="70" name="Straight Arrow Connector 69"/>
+          <p:cNvCxnSpPr/>
+          <p:nvPr/>
+        </p:nvCxnSpPr>
+        <p:spPr>
+          <a:xfrm>
+            <a:off x="7670188" y="5624006"/>
+            <a:ext cx="845572" cy="0"/>
+          </a:xfrm>
+          <a:prstGeom prst="straightConnector1">
+            <a:avLst/>
+          </a:prstGeom>
+          <a:ln w="15875">
+            <a:solidFill>
+              <a:schemeClr val="accent6"/>
+            </a:solidFill>
+            <a:tailEnd type="triangle"/>
+          </a:ln>
+        </p:spPr>
+        <p:style>
+          <a:lnRef idx="1">
+            <a:schemeClr val="accent1"/>
+          </a:lnRef>
+          <a:fillRef idx="0">
+            <a:schemeClr val="accent1"/>
+          </a:fillRef>
+          <a:effectRef idx="0">
+            <a:schemeClr val="accent1"/>
+          </a:effectRef>
+          <a:fontRef idx="minor">
+            <a:schemeClr val="tx1"/>
+          </a:fontRef>
+        </p:style>
+      </p:cxnSp>
+      <p:sp>
+        <p:nvSpPr>
+          <p:cNvPr id="71" name="TextBox 70"/>
+          <p:cNvSpPr txBox="1"/>
+          <p:nvPr/>
+        </p:nvSpPr>
+        <p:spPr>
+          <a:xfrm>
+            <a:off x="8652094" y="5431728"/>
+            <a:ext cx="3122843" cy="369332"/>
+          </a:xfrm>
+          <a:prstGeom prst="rect">
+            <a:avLst/>
+          </a:prstGeom>
+          <a:noFill/>
+        </p:spPr>
+        <p:txBody>
+          <a:bodyPr wrap="none" rtlCol="0">
+            <a:spAutoFit/>
+          </a:bodyPr>
+          <a:lstStyle/>
+          <a:p>
+            <a:r>
+              <a:rPr lang="en-US" dirty="0"/>
+              <a:t>Communication flow in </a:t>
+            </a:r>
+            <a:r>
+              <a:rPr lang="en-US" dirty="0" err="1"/>
+              <a:t>GoLang</a:t>
+            </a:r>
+            <a:endParaRPr lang="en-SG" dirty="0"/>
+          </a:p>
+        </p:txBody>
+      </p:sp>
+      <p:cxnSp>
+        <p:nvCxnSpPr>
+          <p:cNvPr id="72" name="Straight Arrow Connector 71"/>
+          <p:cNvCxnSpPr/>
+          <p:nvPr/>
+        </p:nvCxnSpPr>
+        <p:spPr>
+          <a:xfrm>
+            <a:off x="7670188" y="6063025"/>
+            <a:ext cx="845572" cy="0"/>
+          </a:xfrm>
+          <a:prstGeom prst="straightConnector1">
+            <a:avLst/>
+          </a:prstGeom>
+          <a:ln w="15875">
+            <a:solidFill>
+              <a:schemeClr val="accent1"/>
+            </a:solidFill>
+            <a:tailEnd type="triangle"/>
+          </a:ln>
+        </p:spPr>
+        <p:style>
+          <a:lnRef idx="1">
+            <a:schemeClr val="accent1"/>
+          </a:lnRef>
+          <a:fillRef idx="0">
+            <a:schemeClr val="accent1"/>
+          </a:fillRef>
+          <a:effectRef idx="0">
+            <a:schemeClr val="accent1"/>
+          </a:effectRef>
+          <a:fontRef idx="minor">
+            <a:schemeClr val="tx1"/>
+          </a:fontRef>
+        </p:style>
+      </p:cxnSp>
+      <p:sp>
+        <p:nvSpPr>
+          <p:cNvPr id="73" name="TextBox 72"/>
+          <p:cNvSpPr txBox="1"/>
+          <p:nvPr/>
+        </p:nvSpPr>
+        <p:spPr>
+          <a:xfrm>
+            <a:off x="8652094" y="5874861"/>
+            <a:ext cx="3083665" cy="369332"/>
+          </a:xfrm>
+          <a:prstGeom prst="rect">
+            <a:avLst/>
+          </a:prstGeom>
+          <a:noFill/>
+        </p:spPr>
+        <p:txBody>
+          <a:bodyPr wrap="none" rtlCol="0">
+            <a:spAutoFit/>
+          </a:bodyPr>
+          <a:lstStyle/>
+          <a:p>
+            <a:r>
+              <a:rPr lang="en-US" dirty="0"/>
+              <a:t>Communication flow in Python</a:t>
+            </a:r>
+            <a:endParaRPr lang="en-SG" dirty="0"/>
+          </a:p>
+        </p:txBody>
+      </p:sp>
+      <p:sp>
+        <p:nvSpPr>
+          <p:cNvPr id="90" name="Rectangle 89"/>
+          <p:cNvSpPr/>
+          <p:nvPr/>
+        </p:nvSpPr>
+        <p:spPr>
+          <a:xfrm>
+            <a:off x="7670188" y="6330594"/>
+            <a:ext cx="822562" cy="344129"/>
+          </a:xfrm>
+          <a:prstGeom prst="rect">
+            <a:avLst/>
+          </a:prstGeom>
+          <a:noFill/>
+          <a:ln w="19050">
+            <a:solidFill>
+              <a:schemeClr val="tx1"/>
+            </a:solidFill>
+            <a:prstDash val="dash"/>
+          </a:ln>
+        </p:spPr>
+        <p:style>
+          <a:lnRef idx="2">
+            <a:schemeClr val="accent1">
+              <a:shade val="50000"/>
+            </a:schemeClr>
+          </a:lnRef>
+          <a:fillRef idx="1">
+            <a:schemeClr val="accent1"/>
+          </a:fillRef>
+          <a:effectRef idx="0">
+            <a:schemeClr val="accent1"/>
+          </a:effectRef>
+          <a:fontRef idx="minor">
+            <a:schemeClr val="lt1"/>
+          </a:fontRef>
+        </p:style>
+        <p:txBody>
+          <a:bodyPr rtlCol="0" anchor="ctr"/>
+          <a:lstStyle/>
+          <a:p>
+            <a:pPr algn="ctr"/>
+            <a:endParaRPr lang="en-SG"/>
+          </a:p>
+        </p:txBody>
+      </p:sp>
+      <p:sp>
+        <p:nvSpPr>
+          <p:cNvPr id="91" name="TextBox 90"/>
+          <p:cNvSpPr txBox="1"/>
+          <p:nvPr/>
+        </p:nvSpPr>
+        <p:spPr>
+          <a:xfrm>
+            <a:off x="8652094" y="6317993"/>
+            <a:ext cx="839269" cy="369332"/>
+          </a:xfrm>
+          <a:prstGeom prst="rect">
+            <a:avLst/>
+          </a:prstGeom>
+          <a:noFill/>
+        </p:spPr>
+        <p:txBody>
+          <a:bodyPr wrap="none" rtlCol="0">
+            <a:spAutoFit/>
+          </a:bodyPr>
+          <a:lstStyle/>
+          <a:p>
+            <a:r>
+              <a:rPr lang="en-US" dirty="0"/>
+              <a:t>Docker</a:t>
+            </a:r>
+            <a:endParaRPr lang="en-SG" dirty="0"/>
+          </a:p>
+        </p:txBody>
+      </p:sp>
+      <p:sp>
+        <p:nvSpPr>
+          <p:cNvPr id="92" name="Rectangle 91"/>
+          <p:cNvSpPr/>
+          <p:nvPr/>
+        </p:nvSpPr>
+        <p:spPr>
+          <a:xfrm>
+            <a:off x="766353" y="522169"/>
+            <a:ext cx="11111321" cy="3520380"/>
+          </a:xfrm>
+          <a:prstGeom prst="rect">
+            <a:avLst/>
+          </a:prstGeom>
+          <a:noFill/>
+          <a:ln w="19050">
+            <a:solidFill>
+              <a:schemeClr val="tx1"/>
+            </a:solidFill>
+            <a:prstDash val="solid"/>
+          </a:ln>
+        </p:spPr>
+        <p:style>
+          <a:lnRef idx="2">
+            <a:schemeClr val="accent1">
+              <a:shade val="50000"/>
+            </a:schemeClr>
+          </a:lnRef>
+          <a:fillRef idx="1">
+            <a:schemeClr val="accent1"/>
+          </a:fillRef>
+          <a:effectRef idx="0">
+            <a:schemeClr val="accent1"/>
+          </a:effectRef>
+          <a:fontRef idx="minor">
+            <a:schemeClr val="lt1"/>
+          </a:fontRef>
+        </p:style>
+        <p:txBody>
+          <a:bodyPr rtlCol="0" anchor="ctr"/>
+          <a:lstStyle/>
+          <a:p>
+            <a:pPr algn="ctr"/>
+            <a:endParaRPr lang="en-SG"/>
+          </a:p>
+        </p:txBody>
+      </p:sp>
+      <p:sp>
+        <p:nvSpPr>
+          <p:cNvPr id="93" name="Rectangle 92"/>
+          <p:cNvSpPr/>
+          <p:nvPr/>
+        </p:nvSpPr>
+        <p:spPr>
+          <a:xfrm>
+            <a:off x="962026" y="888327"/>
+            <a:ext cx="6186626" cy="2954167"/>
+          </a:xfrm>
+          <a:prstGeom prst="rect">
+            <a:avLst/>
+          </a:prstGeom>
+          <a:noFill/>
+          <a:ln w="19050">
+            <a:solidFill>
+              <a:schemeClr val="tx1"/>
+            </a:solidFill>
+            <a:prstDash val="dash"/>
+          </a:ln>
+        </p:spPr>
+        <p:style>
+          <a:lnRef idx="2">
+            <a:schemeClr val="accent1">
+              <a:shade val="50000"/>
+            </a:schemeClr>
+          </a:lnRef>
+          <a:fillRef idx="1">
+            <a:schemeClr val="accent1"/>
+          </a:fillRef>
+          <a:effectRef idx="0">
+            <a:schemeClr val="accent1"/>
+          </a:effectRef>
+          <a:fontRef idx="minor">
+            <a:schemeClr val="lt1"/>
+          </a:fontRef>
+        </p:style>
+        <p:txBody>
+          <a:bodyPr rtlCol="0" anchor="ctr"/>
+          <a:lstStyle/>
+          <a:p>
+            <a:pPr algn="ctr"/>
+            <a:endParaRPr lang="en-SG"/>
+          </a:p>
+        </p:txBody>
+      </p:sp>
+      <p:sp>
+        <p:nvSpPr>
+          <p:cNvPr id="80" name="TextBox 79"/>
+          <p:cNvSpPr txBox="1"/>
+          <p:nvPr/>
+        </p:nvSpPr>
+        <p:spPr>
+          <a:xfrm>
+            <a:off x="1788740" y="4233199"/>
+            <a:ext cx="2129710" cy="369332"/>
+          </a:xfrm>
+          <a:prstGeom prst="rect">
+            <a:avLst/>
+          </a:prstGeom>
+          <a:noFill/>
+        </p:spPr>
+        <p:txBody>
+          <a:bodyPr wrap="square" rtlCol="0">
+            <a:spAutoFit/>
+          </a:bodyPr>
+          <a:lstStyle/>
+          <a:p>
+            <a:pPr algn="ctr"/>
+            <a:r>
+              <a:rPr lang="en-US" dirty="0"/>
+              <a:t>Website : RTSP video</a:t>
+            </a:r>
+            <a:endParaRPr lang="en-SG" dirty="0"/>
+          </a:p>
+        </p:txBody>
+      </p:sp>
+      <p:sp>
+        <p:nvSpPr>
+          <p:cNvPr id="62" name="TextBox 61"/>
+          <p:cNvSpPr txBox="1"/>
+          <p:nvPr/>
+        </p:nvSpPr>
+        <p:spPr>
+          <a:xfrm>
+            <a:off x="3749313" y="187673"/>
+            <a:ext cx="4513608" cy="369332"/>
+          </a:xfrm>
+          <a:prstGeom prst="rect">
+            <a:avLst/>
+          </a:prstGeom>
+          <a:noFill/>
+        </p:spPr>
+        <p:txBody>
+          <a:bodyPr wrap="none" rtlCol="0">
+            <a:spAutoFit/>
+          </a:bodyPr>
+          <a:lstStyle/>
+          <a:p>
+            <a:r>
+              <a:rPr lang="en-US" dirty="0"/>
+              <a:t>Docker Host (i.e., machine hosting the </a:t>
+            </a:r>
+            <a:r>
+              <a:rPr lang="en-US" dirty="0" err="1"/>
+              <a:t>docker</a:t>
+            </a:r>
+            <a:r>
+              <a:rPr lang="en-US" dirty="0"/>
+              <a:t>)</a:t>
+            </a:r>
+            <a:endParaRPr lang="en-SG" dirty="0"/>
+          </a:p>
+        </p:txBody>
+      </p:sp>
+      <p:sp>
+        <p:nvSpPr>
+          <p:cNvPr id="63" name="TextBox 62"/>
+          <p:cNvSpPr txBox="1"/>
+          <p:nvPr/>
+        </p:nvSpPr>
+        <p:spPr>
+          <a:xfrm>
+            <a:off x="5316797" y="912524"/>
+            <a:ext cx="675506" cy="369332"/>
+          </a:xfrm>
+          <a:prstGeom prst="rect">
+            <a:avLst/>
+          </a:prstGeom>
+          <a:noFill/>
+        </p:spPr>
+        <p:txBody>
+          <a:bodyPr wrap="none" rtlCol="0">
+            <a:spAutoFit/>
+          </a:bodyPr>
+          <a:lstStyle/>
+          <a:p>
+            <a:r>
+              <a:rPr lang="en-US" dirty="0" err="1"/>
+              <a:t>kafka</a:t>
+            </a:r>
+            <a:endParaRPr lang="en-SG" dirty="0"/>
+          </a:p>
+        </p:txBody>
+      </p:sp>
+      <p:sp>
+        <p:nvSpPr>
+          <p:cNvPr id="83" name="TextBox 82"/>
+          <p:cNvSpPr txBox="1"/>
+          <p:nvPr/>
+        </p:nvSpPr>
+        <p:spPr>
+          <a:xfrm>
+            <a:off x="2066015" y="571250"/>
+            <a:ext cx="3313728" cy="369332"/>
+          </a:xfrm>
+          <a:prstGeom prst="rect">
+            <a:avLst/>
+          </a:prstGeom>
+          <a:noFill/>
+        </p:spPr>
+        <p:txBody>
+          <a:bodyPr wrap="none" rtlCol="0">
+            <a:spAutoFit/>
+          </a:bodyPr>
+          <a:lstStyle/>
+          <a:p>
+            <a:r>
+              <a:rPr lang="en-US" dirty="0"/>
+              <a:t>Docker (i.e., contains containers)</a:t>
+            </a:r>
+            <a:endParaRPr lang="en-SG" dirty="0"/>
+          </a:p>
+        </p:txBody>
+      </p:sp>
+      <p:sp>
+        <p:nvSpPr>
+          <p:cNvPr id="84" name="Rectangle 83"/>
+          <p:cNvSpPr/>
+          <p:nvPr/>
+        </p:nvSpPr>
+        <p:spPr>
+          <a:xfrm>
+            <a:off x="4379667" y="2046660"/>
+            <a:ext cx="266292" cy="303182"/>
+          </a:xfrm>
+          <a:prstGeom prst="rect">
+            <a:avLst/>
+          </a:prstGeom>
+          <a:noFill/>
+          <a:ln w="25400">
+            <a:solidFill>
+              <a:schemeClr val="tx1"/>
+            </a:solidFill>
+          </a:ln>
+        </p:spPr>
+        <p:style>
+          <a:lnRef idx="2">
+            <a:schemeClr val="accent1">
+              <a:shade val="50000"/>
+            </a:schemeClr>
+          </a:lnRef>
+          <a:fillRef idx="1">
+            <a:schemeClr val="accent1"/>
+          </a:fillRef>
+          <a:effectRef idx="0">
+            <a:schemeClr val="accent1"/>
+          </a:effectRef>
+          <a:fontRef idx="minor">
+            <a:schemeClr val="lt1"/>
+          </a:fontRef>
+        </p:style>
+        <p:txBody>
+          <a:bodyPr rtlCol="0" anchor="ctr"/>
+          <a:lstStyle/>
+          <a:p>
+            <a:pPr algn="ctr"/>
+            <a:r>
+              <a:rPr lang="en-US" sz="1600" dirty="0">
+                <a:solidFill>
+                  <a:schemeClr val="tx1"/>
+                </a:solidFill>
+              </a:rPr>
+              <a:t>0</a:t>
+            </a:r>
+            <a:endParaRPr lang="en-SG" sz="1600" dirty="0">
+              <a:solidFill>
+                <a:schemeClr val="tx1"/>
+              </a:solidFill>
+            </a:endParaRPr>
+          </a:p>
+        </p:txBody>
+      </p:sp>
+      <p:sp>
+        <p:nvSpPr>
+          <p:cNvPr id="86" name="Rectangle 85"/>
+          <p:cNvSpPr/>
+          <p:nvPr/>
+        </p:nvSpPr>
+        <p:spPr>
+          <a:xfrm>
+            <a:off x="4649936" y="2046660"/>
+            <a:ext cx="266292" cy="303182"/>
+          </a:xfrm>
+          <a:prstGeom prst="rect">
+            <a:avLst/>
+          </a:prstGeom>
+          <a:noFill/>
+          <a:ln w="25400">
+            <a:solidFill>
+              <a:schemeClr val="tx1"/>
+            </a:solidFill>
+          </a:ln>
+        </p:spPr>
+        <p:style>
+          <a:lnRef idx="2">
+            <a:schemeClr val="accent1">
+              <a:shade val="50000"/>
+            </a:schemeClr>
+          </a:lnRef>
+          <a:fillRef idx="1">
+            <a:schemeClr val="accent1"/>
+          </a:fillRef>
+          <a:effectRef idx="0">
+            <a:schemeClr val="accent1"/>
+          </a:effectRef>
+          <a:fontRef idx="minor">
+            <a:schemeClr val="lt1"/>
+          </a:fontRef>
+        </p:style>
+        <p:txBody>
+          <a:bodyPr rtlCol="0" anchor="ctr"/>
+          <a:lstStyle/>
+          <a:p>
+            <a:pPr algn="ctr"/>
+            <a:r>
+              <a:rPr lang="en-US" sz="1600" dirty="0">
+                <a:solidFill>
+                  <a:schemeClr val="tx1"/>
+                </a:solidFill>
+              </a:rPr>
+              <a:t>1</a:t>
+            </a:r>
+            <a:endParaRPr lang="en-SG" sz="1600" dirty="0">
+              <a:solidFill>
+                <a:schemeClr val="tx1"/>
+              </a:solidFill>
+            </a:endParaRPr>
+          </a:p>
+        </p:txBody>
+      </p:sp>
+      <p:sp>
+        <p:nvSpPr>
+          <p:cNvPr id="87" name="Rectangle 86"/>
+          <p:cNvSpPr/>
+          <p:nvPr/>
+        </p:nvSpPr>
+        <p:spPr>
+          <a:xfrm>
+            <a:off x="4920461" y="2046660"/>
+            <a:ext cx="266292" cy="303182"/>
+          </a:xfrm>
+          <a:prstGeom prst="rect">
+            <a:avLst/>
+          </a:prstGeom>
+          <a:noFill/>
+          <a:ln w="25400">
+            <a:solidFill>
+              <a:schemeClr val="tx1"/>
+            </a:solidFill>
+          </a:ln>
+        </p:spPr>
+        <p:style>
+          <a:lnRef idx="2">
+            <a:schemeClr val="accent1">
+              <a:shade val="50000"/>
+            </a:schemeClr>
+          </a:lnRef>
+          <a:fillRef idx="1">
+            <a:schemeClr val="accent1"/>
+          </a:fillRef>
+          <a:effectRef idx="0">
+            <a:schemeClr val="accent1"/>
+          </a:effectRef>
+          <a:fontRef idx="minor">
+            <a:schemeClr val="lt1"/>
+          </a:fontRef>
+        </p:style>
+        <p:txBody>
+          <a:bodyPr rtlCol="0" anchor="ctr"/>
+          <a:lstStyle/>
+          <a:p>
+            <a:pPr algn="ctr"/>
+            <a:r>
+              <a:rPr lang="en-US" sz="1600" dirty="0">
+                <a:solidFill>
+                  <a:schemeClr val="tx1"/>
+                </a:solidFill>
+              </a:rPr>
+              <a:t>2</a:t>
+            </a:r>
+            <a:endParaRPr lang="en-SG" sz="1600" dirty="0">
+              <a:solidFill>
+                <a:schemeClr val="tx1"/>
+              </a:solidFill>
+            </a:endParaRPr>
+          </a:p>
+        </p:txBody>
+      </p:sp>
+      <p:sp>
+        <p:nvSpPr>
+          <p:cNvPr id="96" name="Rectangle 95"/>
+          <p:cNvSpPr/>
+          <p:nvPr/>
+        </p:nvSpPr>
+        <p:spPr>
+          <a:xfrm>
+            <a:off x="5190986" y="2046660"/>
+            <a:ext cx="266292" cy="303182"/>
+          </a:xfrm>
+          <a:prstGeom prst="rect">
+            <a:avLst/>
+          </a:prstGeom>
+          <a:noFill/>
+          <a:ln w="25400">
+            <a:solidFill>
+              <a:schemeClr val="tx1"/>
+            </a:solidFill>
+          </a:ln>
+        </p:spPr>
+        <p:style>
+          <a:lnRef idx="2">
+            <a:schemeClr val="accent1">
+              <a:shade val="50000"/>
+            </a:schemeClr>
+          </a:lnRef>
+          <a:fillRef idx="1">
+            <a:schemeClr val="accent1"/>
+          </a:fillRef>
+          <a:effectRef idx="0">
+            <a:schemeClr val="accent1"/>
+          </a:effectRef>
+          <a:fontRef idx="minor">
+            <a:schemeClr val="lt1"/>
+          </a:fontRef>
+        </p:style>
+        <p:txBody>
+          <a:bodyPr rtlCol="0" anchor="ctr"/>
+          <a:lstStyle/>
+          <a:p>
+            <a:pPr algn="ctr"/>
+            <a:r>
+              <a:rPr lang="en-US" sz="1600" dirty="0">
+                <a:solidFill>
+                  <a:schemeClr val="tx1"/>
+                </a:solidFill>
+              </a:rPr>
+              <a:t>3</a:t>
+            </a:r>
+            <a:endParaRPr lang="en-SG" sz="1600" dirty="0">
+              <a:solidFill>
+                <a:schemeClr val="tx1"/>
+              </a:solidFill>
+            </a:endParaRPr>
+          </a:p>
+        </p:txBody>
+      </p:sp>
+      <p:sp>
+        <p:nvSpPr>
+          <p:cNvPr id="97" name="Rectangle 96"/>
+          <p:cNvSpPr/>
+          <p:nvPr/>
+        </p:nvSpPr>
+        <p:spPr>
+          <a:xfrm>
+            <a:off x="5461511" y="2046660"/>
+            <a:ext cx="266292" cy="303182"/>
+          </a:xfrm>
+          <a:prstGeom prst="rect">
+            <a:avLst/>
+          </a:prstGeom>
+          <a:noFill/>
+          <a:ln w="25400">
+            <a:solidFill>
+              <a:schemeClr val="tx1"/>
+            </a:solidFill>
+          </a:ln>
+        </p:spPr>
+        <p:style>
+          <a:lnRef idx="2">
+            <a:schemeClr val="accent1">
+              <a:shade val="50000"/>
+            </a:schemeClr>
+          </a:lnRef>
+          <a:fillRef idx="1">
+            <a:schemeClr val="accent1"/>
+          </a:fillRef>
+          <a:effectRef idx="0">
+            <a:schemeClr val="accent1"/>
+          </a:effectRef>
+          <a:fontRef idx="minor">
+            <a:schemeClr val="lt1"/>
+          </a:fontRef>
+        </p:style>
+        <p:txBody>
+          <a:bodyPr rtlCol="0" anchor="ctr"/>
+          <a:lstStyle/>
+          <a:p>
+            <a:pPr algn="ctr"/>
+            <a:r>
+              <a:rPr lang="en-US" sz="1600" dirty="0">
+                <a:solidFill>
+                  <a:schemeClr val="tx1"/>
+                </a:solidFill>
+              </a:rPr>
+              <a:t>4</a:t>
+            </a:r>
+            <a:endParaRPr lang="en-SG" sz="1600" dirty="0">
+              <a:solidFill>
+                <a:schemeClr val="tx1"/>
+              </a:solidFill>
+            </a:endParaRPr>
+          </a:p>
+        </p:txBody>
+      </p:sp>
+      <p:sp>
+        <p:nvSpPr>
+          <p:cNvPr id="98" name="Rectangle 97"/>
+          <p:cNvSpPr/>
+          <p:nvPr/>
+        </p:nvSpPr>
+        <p:spPr>
+          <a:xfrm>
+            <a:off x="5723071" y="2046660"/>
+            <a:ext cx="266292" cy="303182"/>
+          </a:xfrm>
+          <a:prstGeom prst="rect">
+            <a:avLst/>
+          </a:prstGeom>
+          <a:noFill/>
+          <a:ln w="25400">
+            <a:solidFill>
+              <a:schemeClr val="tx1"/>
+            </a:solidFill>
+          </a:ln>
+        </p:spPr>
+        <p:style>
+          <a:lnRef idx="2">
+            <a:schemeClr val="accent1">
+              <a:shade val="50000"/>
+            </a:schemeClr>
+          </a:lnRef>
+          <a:fillRef idx="1">
+            <a:schemeClr val="accent1"/>
+          </a:fillRef>
+          <a:effectRef idx="0">
+            <a:schemeClr val="accent1"/>
+          </a:effectRef>
+          <a:fontRef idx="minor">
+            <a:schemeClr val="lt1"/>
+          </a:fontRef>
+        </p:style>
+        <p:txBody>
+          <a:bodyPr rtlCol="0" anchor="ctr"/>
+          <a:lstStyle/>
+          <a:p>
+            <a:pPr algn="ctr"/>
+            <a:r>
+              <a:rPr lang="en-US" sz="1600" dirty="0">
+                <a:solidFill>
+                  <a:schemeClr val="tx1"/>
+                </a:solidFill>
+              </a:rPr>
+              <a:t>5</a:t>
+            </a:r>
+            <a:endParaRPr lang="en-SG" sz="1600" dirty="0">
+              <a:solidFill>
+                <a:schemeClr val="tx1"/>
+              </a:solidFill>
+            </a:endParaRPr>
+          </a:p>
+        </p:txBody>
+      </p:sp>
+      <p:sp>
+        <p:nvSpPr>
+          <p:cNvPr id="99" name="Rectangle 98"/>
+          <p:cNvSpPr/>
+          <p:nvPr/>
+        </p:nvSpPr>
+        <p:spPr>
+          <a:xfrm>
+            <a:off x="5984631" y="2046660"/>
+            <a:ext cx="266292" cy="303182"/>
+          </a:xfrm>
+          <a:prstGeom prst="rect">
+            <a:avLst/>
+          </a:prstGeom>
+          <a:noFill/>
+          <a:ln w="25400">
+            <a:solidFill>
+              <a:schemeClr val="tx1"/>
+            </a:solidFill>
+          </a:ln>
+        </p:spPr>
+        <p:style>
+          <a:lnRef idx="2">
+            <a:schemeClr val="accent1">
+              <a:shade val="50000"/>
+            </a:schemeClr>
+          </a:lnRef>
+          <a:fillRef idx="1">
+            <a:schemeClr val="accent1"/>
+          </a:fillRef>
+          <a:effectRef idx="0">
+            <a:schemeClr val="accent1"/>
+          </a:effectRef>
+          <a:fontRef idx="minor">
+            <a:schemeClr val="lt1"/>
+          </a:fontRef>
+        </p:style>
+        <p:txBody>
+          <a:bodyPr rtlCol="0" anchor="ctr"/>
+          <a:lstStyle/>
+          <a:p>
+            <a:pPr algn="ctr"/>
+            <a:r>
+              <a:rPr lang="en-US" sz="1600" dirty="0">
+                <a:solidFill>
+                  <a:schemeClr val="tx1"/>
+                </a:solidFill>
+              </a:rPr>
+              <a:t>6</a:t>
+            </a:r>
+            <a:endParaRPr lang="en-SG" sz="1600" dirty="0">
+              <a:solidFill>
+                <a:schemeClr val="tx1"/>
+              </a:solidFill>
+            </a:endParaRPr>
+          </a:p>
+        </p:txBody>
+      </p:sp>
+      <p:sp>
+        <p:nvSpPr>
+          <p:cNvPr id="103" name="Rectangle 102"/>
+          <p:cNvSpPr/>
+          <p:nvPr/>
+        </p:nvSpPr>
+        <p:spPr>
+          <a:xfrm>
+            <a:off x="6255156" y="2046660"/>
+            <a:ext cx="266292" cy="303182"/>
+          </a:xfrm>
+          <a:prstGeom prst="rect">
+            <a:avLst/>
+          </a:prstGeom>
+          <a:noFill/>
+          <a:ln w="25400">
+            <a:solidFill>
+              <a:schemeClr val="tx1"/>
+            </a:solidFill>
+          </a:ln>
+        </p:spPr>
+        <p:style>
+          <a:lnRef idx="2">
+            <a:schemeClr val="accent1">
+              <a:shade val="50000"/>
+            </a:schemeClr>
+          </a:lnRef>
+          <a:fillRef idx="1">
+            <a:schemeClr val="accent1"/>
+          </a:fillRef>
+          <a:effectRef idx="0">
+            <a:schemeClr val="accent1"/>
+          </a:effectRef>
+          <a:fontRef idx="minor">
+            <a:schemeClr val="lt1"/>
+          </a:fontRef>
+        </p:style>
+        <p:txBody>
+          <a:bodyPr rtlCol="0" anchor="ctr"/>
+          <a:lstStyle/>
+          <a:p>
+            <a:pPr algn="ctr"/>
+            <a:r>
+              <a:rPr lang="en-US" sz="1600" dirty="0">
+                <a:solidFill>
+                  <a:schemeClr val="tx1"/>
+                </a:solidFill>
+              </a:rPr>
+              <a:t>7</a:t>
+            </a:r>
+            <a:endParaRPr lang="en-SG" sz="1600" dirty="0">
+              <a:solidFill>
+                <a:schemeClr val="tx1"/>
+              </a:solidFill>
+            </a:endParaRPr>
+          </a:p>
+        </p:txBody>
+      </p:sp>
+      <mc:AlternateContent xmlns:mc="http://schemas.openxmlformats.org/markup-compatibility/2006">
+        <mc:Choice xmlns:a14="http://schemas.microsoft.com/office/drawing/2010/main" Requires="a14">
+          <p:sp>
+            <p:nvSpPr>
+              <p:cNvPr id="107" name="Rectangle 106"/>
+              <p:cNvSpPr/>
+              <p:nvPr/>
+            </p:nvSpPr>
+            <p:spPr>
+              <a:xfrm>
+                <a:off x="6533616" y="2046640"/>
+                <a:ext cx="266292" cy="303182"/>
+              </a:xfrm>
+              <a:prstGeom prst="rect">
+                <a:avLst/>
+              </a:prstGeom>
+              <a:noFill/>
+              <a:ln w="25400">
+                <a:solidFill>
+                  <a:schemeClr val="tx1"/>
+                </a:solidFill>
+              </a:ln>
+            </p:spPr>
+            <p:style>
+              <a:lnRef idx="2">
+                <a:schemeClr val="accent1">
+                  <a:shade val="50000"/>
+                </a:schemeClr>
+              </a:lnRef>
+              <a:fillRef idx="1">
+                <a:schemeClr val="accent1"/>
+              </a:fillRef>
+              <a:effectRef idx="0">
+                <a:schemeClr val="accent1"/>
+              </a:effectRef>
+              <a:fontRef idx="minor">
+                <a:schemeClr val="lt1"/>
+              </a:fontRef>
+            </p:style>
+            <p:txBody>
+              <a:bodyPr rtlCol="0" anchor="ctr"/>
+              <a:lstStyle/>
+              <a:p>
+                <a:pPr algn="ctr"/>
+                <a14:m>
+                  <m:oMathPara xmlns:m="http://schemas.openxmlformats.org/officeDocument/2006/math">
+                    <m:oMathParaPr>
+                      <m:jc m:val="center"/>
+                    </m:oMathParaPr>
+                    <m:oMath xmlns:m="http://schemas.openxmlformats.org/officeDocument/2006/math">
+                      <m:r>
+                        <a:rPr lang="en-US" sz="1600" b="0" i="1" smtClean="0">
+                          <a:solidFill>
+                            <a:schemeClr val="tx1"/>
+                          </a:solidFill>
+                          <a:latin typeface="Cambria Math" panose="02040503050406030204" pitchFamily="18" charset="0"/>
+                          <a:ea typeface="Cambria Math" panose="02040503050406030204" pitchFamily="18" charset="0"/>
+                        </a:rPr>
+                        <m:t> </m:t>
+                      </m:r>
+                      <m:r>
+                        <a:rPr lang="en-SG" sz="1600" i="1" smtClean="0">
+                          <a:solidFill>
+                            <a:schemeClr val="tx1"/>
+                          </a:solidFill>
+                          <a:latin typeface="Cambria Math" panose="02040503050406030204" pitchFamily="18" charset="0"/>
+                          <a:ea typeface="Cambria Math" panose="02040503050406030204" pitchFamily="18" charset="0"/>
+                        </a:rPr>
+                        <m:t>⋯</m:t>
+                      </m:r>
+                    </m:oMath>
+                  </m:oMathPara>
+                </a14:m>
+                <a:endParaRPr lang="en-SG" sz="1600" dirty="0">
+                  <a:solidFill>
+                    <a:schemeClr val="tx1"/>
+                  </a:solidFill>
+                </a:endParaRPr>
+              </a:p>
+            </p:txBody>
+          </p:sp>
+        </mc:Choice>
+        <mc:Fallback>
+          <p:sp>
+            <p:nvSpPr>
+              <p:cNvPr id="107" name="Rectangle 106"/>
+              <p:cNvSpPr>
+                <a:spLocks noRot="1" noChangeAspect="1" noMove="1" noResize="1" noEditPoints="1" noAdjustHandles="1" noChangeArrowheads="1" noChangeShapeType="1" noTextEdit="1"/>
+              </p:cNvSpPr>
+              <p:nvPr/>
+            </p:nvSpPr>
+            <p:spPr>
+              <a:xfrm>
+                <a:off x="6533616" y="2046640"/>
+                <a:ext cx="266292" cy="303182"/>
+              </a:xfrm>
+              <a:prstGeom prst="rect">
+                <a:avLst/>
+              </a:prstGeom>
+              <a:blipFill>
+                <a:blip r:embed="rId2"/>
+                <a:stretch>
+                  <a:fillRect/>
+                </a:stretch>
+              </a:blipFill>
+              <a:ln w="25400">
+                <a:solidFill>
+                  <a:schemeClr val="tx1"/>
+                </a:solidFill>
+              </a:ln>
+            </p:spPr>
+            <p:txBody>
+              <a:bodyPr/>
+              <a:lstStyle/>
+              <a:p>
+                <a:r>
+                  <a:rPr lang="en-SG">
+                    <a:noFill/>
+                  </a:rPr>
+                  <a:t> </a:t>
+                </a:r>
+              </a:p>
+            </p:txBody>
+          </p:sp>
+        </mc:Fallback>
+      </mc:AlternateContent>
+      <p:sp>
+        <p:nvSpPr>
+          <p:cNvPr id="113" name="Rectangle 112"/>
+          <p:cNvSpPr/>
+          <p:nvPr/>
+        </p:nvSpPr>
+        <p:spPr>
+          <a:xfrm>
+            <a:off x="7652885" y="1175920"/>
+            <a:ext cx="1804966" cy="1141566"/>
+          </a:xfrm>
+          <a:prstGeom prst="rect">
+            <a:avLst/>
+          </a:prstGeom>
+          <a:noFill/>
+          <a:ln w="19050">
+            <a:solidFill>
+              <a:schemeClr val="tx1"/>
+            </a:solidFill>
+          </a:ln>
+        </p:spPr>
+        <p:style>
+          <a:lnRef idx="2">
+            <a:schemeClr val="accent1">
+              <a:shade val="50000"/>
+            </a:schemeClr>
+          </a:lnRef>
+          <a:fillRef idx="1">
+            <a:schemeClr val="accent1"/>
+          </a:fillRef>
+          <a:effectRef idx="0">
+            <a:schemeClr val="accent1"/>
+          </a:effectRef>
+          <a:fontRef idx="minor">
+            <a:schemeClr val="lt1"/>
+          </a:fontRef>
+        </p:style>
+        <p:txBody>
+          <a:bodyPr rtlCol="0" anchor="ctr"/>
+          <a:lstStyle/>
+          <a:p>
+            <a:pPr algn="ctr"/>
+            <a:endParaRPr lang="en-SG" dirty="0">
+              <a:solidFill>
+                <a:schemeClr val="tx1"/>
+              </a:solidFill>
+            </a:endParaRPr>
+          </a:p>
+        </p:txBody>
+      </p:sp>
+      <p:sp>
+        <p:nvSpPr>
+          <p:cNvPr id="114" name="TextBox 113"/>
+          <p:cNvSpPr txBox="1"/>
+          <p:nvPr/>
+        </p:nvSpPr>
+        <p:spPr>
+          <a:xfrm>
+            <a:off x="7612671" y="832233"/>
+            <a:ext cx="1963486" cy="369332"/>
+          </a:xfrm>
+          <a:prstGeom prst="rect">
+            <a:avLst/>
+          </a:prstGeom>
+          <a:noFill/>
+        </p:spPr>
+        <p:txBody>
+          <a:bodyPr wrap="none" rtlCol="0">
+            <a:spAutoFit/>
+          </a:bodyPr>
+          <a:lstStyle/>
+          <a:p>
+            <a:r>
+              <a:rPr lang="en-US" dirty="0"/>
+              <a:t>consumerGroup_1</a:t>
+            </a:r>
+            <a:endParaRPr lang="en-SG" dirty="0"/>
+          </a:p>
+        </p:txBody>
+      </p:sp>
+      <p:sp>
+        <p:nvSpPr>
+          <p:cNvPr id="117" name="Rectangle 116"/>
+          <p:cNvSpPr/>
+          <p:nvPr/>
+        </p:nvSpPr>
+        <p:spPr>
+          <a:xfrm>
+            <a:off x="1093727" y="1244102"/>
+            <a:ext cx="1547512" cy="1603931"/>
+          </a:xfrm>
+          <a:prstGeom prst="rect">
+            <a:avLst/>
+          </a:prstGeom>
+          <a:noFill/>
+          <a:ln w="19050">
+            <a:solidFill>
+              <a:schemeClr val="tx1"/>
+            </a:solidFill>
+          </a:ln>
+        </p:spPr>
+        <p:style>
+          <a:lnRef idx="2">
+            <a:schemeClr val="accent1">
+              <a:shade val="50000"/>
+            </a:schemeClr>
+          </a:lnRef>
+          <a:fillRef idx="1">
+            <a:schemeClr val="accent1"/>
+          </a:fillRef>
+          <a:effectRef idx="0">
+            <a:schemeClr val="accent1"/>
+          </a:effectRef>
+          <a:fontRef idx="minor">
+            <a:schemeClr val="lt1"/>
+          </a:fontRef>
+        </p:style>
+        <p:txBody>
+          <a:bodyPr rtlCol="0" anchor="ctr"/>
+          <a:lstStyle/>
+          <a:p>
+            <a:pPr algn="ctr"/>
+            <a:r>
+              <a:rPr lang="en-US" sz="1400" dirty="0">
+                <a:solidFill>
+                  <a:schemeClr val="tx1"/>
+                </a:solidFill>
+              </a:rPr>
+              <a:t>Producer grabs frames from RTSP video site and enqueues frames in </a:t>
+            </a:r>
+            <a:r>
+              <a:rPr lang="en-US" sz="1400" dirty="0" err="1">
+                <a:solidFill>
+                  <a:schemeClr val="tx1"/>
+                </a:solidFill>
+              </a:rPr>
+              <a:t>kafka</a:t>
+            </a:r>
+            <a:r>
+              <a:rPr lang="en-US" sz="1400" dirty="0">
+                <a:solidFill>
+                  <a:schemeClr val="tx1"/>
+                </a:solidFill>
+              </a:rPr>
+              <a:t> for data processing</a:t>
+            </a:r>
+            <a:endParaRPr lang="en-SG" sz="1400" dirty="0">
+              <a:solidFill>
+                <a:schemeClr val="tx1"/>
+              </a:solidFill>
+            </a:endParaRPr>
+          </a:p>
+        </p:txBody>
+      </p:sp>
+      <p:sp>
+        <p:nvSpPr>
+          <p:cNvPr id="118" name="TextBox 117"/>
+          <p:cNvSpPr txBox="1"/>
+          <p:nvPr/>
+        </p:nvSpPr>
+        <p:spPr>
+          <a:xfrm>
+            <a:off x="1080539" y="912524"/>
+            <a:ext cx="1687895" cy="369332"/>
+          </a:xfrm>
+          <a:prstGeom prst="rect">
+            <a:avLst/>
+          </a:prstGeom>
+          <a:noFill/>
+        </p:spPr>
+        <p:txBody>
+          <a:bodyPr wrap="square" rtlCol="0">
+            <a:spAutoFit/>
+          </a:bodyPr>
+          <a:lstStyle/>
+          <a:p>
+            <a:r>
+              <a:rPr lang="en-US" dirty="0" err="1"/>
+              <a:t>goproducerrtsp</a:t>
+            </a:r>
+            <a:endParaRPr lang="en-SG" dirty="0"/>
+          </a:p>
+        </p:txBody>
+      </p:sp>
+      <p:sp>
+        <p:nvSpPr>
+          <p:cNvPr id="119" name="Rectangle 118"/>
+          <p:cNvSpPr/>
+          <p:nvPr/>
+        </p:nvSpPr>
+        <p:spPr>
+          <a:xfrm>
+            <a:off x="4788510" y="2774795"/>
+            <a:ext cx="131419" cy="139267"/>
+          </a:xfrm>
+          <a:prstGeom prst="rect">
+            <a:avLst/>
+          </a:prstGeom>
+          <a:solidFill>
+            <a:srgbClr val="7030A0"/>
+          </a:solidFill>
+          <a:ln w="25400">
+            <a:solidFill>
+              <a:srgbClr val="7030A0"/>
+            </a:solidFill>
+          </a:ln>
+        </p:spPr>
+        <p:style>
+          <a:lnRef idx="2">
+            <a:schemeClr val="accent1">
+              <a:shade val="50000"/>
+            </a:schemeClr>
+          </a:lnRef>
+          <a:fillRef idx="1">
+            <a:schemeClr val="accent1"/>
+          </a:fillRef>
+          <a:effectRef idx="0">
+            <a:schemeClr val="accent1"/>
+          </a:effectRef>
+          <a:fontRef idx="minor">
+            <a:schemeClr val="lt1"/>
+          </a:fontRef>
+        </p:style>
+        <p:txBody>
+          <a:bodyPr rtlCol="0" anchor="ctr"/>
+          <a:lstStyle/>
+          <a:p>
+            <a:pPr algn="ctr"/>
+            <a:endParaRPr lang="en-SG" dirty="0">
+              <a:solidFill>
+                <a:schemeClr val="tx1"/>
+              </a:solidFill>
+            </a:endParaRPr>
+          </a:p>
+        </p:txBody>
+      </p:sp>
+      <p:sp>
+        <p:nvSpPr>
+          <p:cNvPr id="120" name="Rectangle 119"/>
+          <p:cNvSpPr/>
+          <p:nvPr/>
+        </p:nvSpPr>
+        <p:spPr>
+          <a:xfrm>
+            <a:off x="4785509" y="2934832"/>
+            <a:ext cx="1135044" cy="266901"/>
+          </a:xfrm>
+          <a:prstGeom prst="rect">
+            <a:avLst/>
+          </a:prstGeom>
+          <a:noFill/>
+          <a:ln w="25400">
+            <a:noFill/>
+          </a:ln>
+        </p:spPr>
+        <p:style>
+          <a:lnRef idx="2">
+            <a:schemeClr val="accent1">
+              <a:shade val="50000"/>
+            </a:schemeClr>
+          </a:lnRef>
+          <a:fillRef idx="1">
+            <a:schemeClr val="accent1"/>
+          </a:fillRef>
+          <a:effectRef idx="0">
+            <a:schemeClr val="accent1"/>
+          </a:effectRef>
+          <a:fontRef idx="minor">
+            <a:schemeClr val="lt1"/>
+          </a:fontRef>
+        </p:style>
+        <p:txBody>
+          <a:bodyPr rtlCol="0" anchor="ctr"/>
+          <a:lstStyle/>
+          <a:p>
+            <a:pPr algn="ctr"/>
+            <a:r>
+              <a:rPr lang="en-US" sz="1400" dirty="0">
+                <a:solidFill>
+                  <a:schemeClr val="tx1"/>
+                </a:solidFill>
+              </a:rPr>
+              <a:t>kafka:29092</a:t>
+            </a:r>
+            <a:endParaRPr lang="en-SG" sz="1400" dirty="0">
+              <a:solidFill>
+                <a:schemeClr val="tx1"/>
+              </a:solidFill>
+            </a:endParaRPr>
+          </a:p>
+        </p:txBody>
+      </p:sp>
+      <p:sp>
+        <p:nvSpPr>
+          <p:cNvPr id="49" name="Freeform: Shape 48"/>
+          <p:cNvSpPr/>
+          <p:nvPr/>
+        </p:nvSpPr>
+        <p:spPr>
+          <a:xfrm>
+            <a:off x="243419" y="2020390"/>
+            <a:ext cx="846076" cy="3696422"/>
+          </a:xfrm>
+          <a:custGeom>
+            <a:avLst/>
+            <a:gdLst>
+              <a:gd name="connsiteX0" fmla="*/ 515673 w 1107856"/>
+              <a:gd name="connsiteY0" fmla="*/ 3884023 h 3884023"/>
+              <a:gd name="connsiteX1" fmla="*/ 19285 w 1107856"/>
+              <a:gd name="connsiteY1" fmla="*/ 1628503 h 3884023"/>
+              <a:gd name="connsiteX2" fmla="*/ 1107856 w 1107856"/>
+              <a:gd name="connsiteY2" fmla="*/ 0 h 3884023"/>
+              <a:gd name="connsiteX0" fmla="*/ 570705 w 1102638"/>
+              <a:gd name="connsiteY0" fmla="*/ 3884023 h 3884023"/>
+              <a:gd name="connsiteX1" fmla="*/ 14067 w 1102638"/>
+              <a:gd name="connsiteY1" fmla="*/ 1628503 h 3884023"/>
+              <a:gd name="connsiteX2" fmla="*/ 1102638 w 1102638"/>
+              <a:gd name="connsiteY2" fmla="*/ 0 h 3884023"/>
+              <a:gd name="connsiteX0" fmla="*/ 537488 w 1069421"/>
+              <a:gd name="connsiteY0" fmla="*/ 3884023 h 3884023"/>
+              <a:gd name="connsiteX1" fmla="*/ 15280 w 1069421"/>
+              <a:gd name="connsiteY1" fmla="*/ 1901992 h 3884023"/>
+              <a:gd name="connsiteX2" fmla="*/ 1069421 w 1069421"/>
+              <a:gd name="connsiteY2" fmla="*/ 0 h 3884023"/>
+              <a:gd name="connsiteX0" fmla="*/ 523332 w 1055265"/>
+              <a:gd name="connsiteY0" fmla="*/ 3884023 h 3884023"/>
+              <a:gd name="connsiteX1" fmla="*/ 1124 w 1055265"/>
+              <a:gd name="connsiteY1" fmla="*/ 1901992 h 3884023"/>
+              <a:gd name="connsiteX2" fmla="*/ 1055265 w 1055265"/>
+              <a:gd name="connsiteY2" fmla="*/ 0 h 3884023"/>
+              <a:gd name="connsiteX0" fmla="*/ 523332 w 1055265"/>
+              <a:gd name="connsiteY0" fmla="*/ 3884023 h 3884023"/>
+              <a:gd name="connsiteX1" fmla="*/ 1124 w 1055265"/>
+              <a:gd name="connsiteY1" fmla="*/ 1961818 h 3884023"/>
+              <a:gd name="connsiteX2" fmla="*/ 1055265 w 1055265"/>
+              <a:gd name="connsiteY2" fmla="*/ 0 h 3884023"/>
+              <a:gd name="connsiteX0" fmla="*/ 506196 w 1038129"/>
+              <a:gd name="connsiteY0" fmla="*/ 3884023 h 3884023"/>
+              <a:gd name="connsiteX1" fmla="*/ 1202 w 1038129"/>
+              <a:gd name="connsiteY1" fmla="*/ 2312225 h 3884023"/>
+              <a:gd name="connsiteX2" fmla="*/ 1038129 w 1038129"/>
+              <a:gd name="connsiteY2" fmla="*/ 0 h 3884023"/>
+              <a:gd name="connsiteX0" fmla="*/ 505018 w 1036951"/>
+              <a:gd name="connsiteY0" fmla="*/ 3884023 h 3884023"/>
+              <a:gd name="connsiteX1" fmla="*/ 24 w 1036951"/>
+              <a:gd name="connsiteY1" fmla="*/ 2312225 h 3884023"/>
+              <a:gd name="connsiteX2" fmla="*/ 1036951 w 1036951"/>
+              <a:gd name="connsiteY2" fmla="*/ 0 h 3884023"/>
+              <a:gd name="connsiteX0" fmla="*/ 632030 w 1044820"/>
+              <a:gd name="connsiteY0" fmla="*/ 3884023 h 3884023"/>
+              <a:gd name="connsiteX1" fmla="*/ 7893 w 1044820"/>
+              <a:gd name="connsiteY1" fmla="*/ 2312225 h 3884023"/>
+              <a:gd name="connsiteX2" fmla="*/ 1044820 w 1044820"/>
+              <a:gd name="connsiteY2" fmla="*/ 0 h 3884023"/>
+              <a:gd name="connsiteX0" fmla="*/ 636830 w 1049620"/>
+              <a:gd name="connsiteY0" fmla="*/ 3884023 h 3884023"/>
+              <a:gd name="connsiteX1" fmla="*/ 12693 w 1049620"/>
+              <a:gd name="connsiteY1" fmla="*/ 2312225 h 3884023"/>
+              <a:gd name="connsiteX2" fmla="*/ 1049620 w 1049620"/>
+              <a:gd name="connsiteY2" fmla="*/ 0 h 3884023"/>
+              <a:gd name="connsiteX0" fmla="*/ 617389 w 1051654"/>
+              <a:gd name="connsiteY0" fmla="*/ 3968162 h 3968162"/>
+              <a:gd name="connsiteX1" fmla="*/ 14727 w 1051654"/>
+              <a:gd name="connsiteY1" fmla="*/ 2312225 h 3968162"/>
+              <a:gd name="connsiteX2" fmla="*/ 1051654 w 1051654"/>
+              <a:gd name="connsiteY2" fmla="*/ 0 h 3968162"/>
+              <a:gd name="connsiteX0" fmla="*/ 617389 w 1051654"/>
+              <a:gd name="connsiteY0" fmla="*/ 3968162 h 3968162"/>
+              <a:gd name="connsiteX1" fmla="*/ 14727 w 1051654"/>
+              <a:gd name="connsiteY1" fmla="*/ 2312225 h 3968162"/>
+              <a:gd name="connsiteX2" fmla="*/ 1051654 w 1051654"/>
+              <a:gd name="connsiteY2" fmla="*/ 0 h 3968162"/>
+              <a:gd name="connsiteX0" fmla="*/ 602673 w 1036938"/>
+              <a:gd name="connsiteY0" fmla="*/ 3968162 h 3968162"/>
+              <a:gd name="connsiteX1" fmla="*/ 11 w 1036938"/>
+              <a:gd name="connsiteY1" fmla="*/ 2312225 h 3968162"/>
+              <a:gd name="connsiteX2" fmla="*/ 1036938 w 1036938"/>
+              <a:gd name="connsiteY2" fmla="*/ 0 h 3968162"/>
+              <a:gd name="connsiteX0" fmla="*/ 602673 w 1036938"/>
+              <a:gd name="connsiteY0" fmla="*/ 3968162 h 3968162"/>
+              <a:gd name="connsiteX1" fmla="*/ 11 w 1036938"/>
+              <a:gd name="connsiteY1" fmla="*/ 2022413 h 3968162"/>
+              <a:gd name="connsiteX2" fmla="*/ 1036938 w 1036938"/>
+              <a:gd name="connsiteY2" fmla="*/ 0 h 3968162"/>
+              <a:gd name="connsiteX0" fmla="*/ 602673 w 1036938"/>
+              <a:gd name="connsiteY0" fmla="*/ 3968162 h 3968162"/>
+              <a:gd name="connsiteX1" fmla="*/ 11 w 1036938"/>
+              <a:gd name="connsiteY1" fmla="*/ 1816739 h 3968162"/>
+              <a:gd name="connsiteX2" fmla="*/ 1036938 w 1036938"/>
+              <a:gd name="connsiteY2" fmla="*/ 0 h 3968162"/>
+              <a:gd name="connsiteX0" fmla="*/ 602673 w 1036938"/>
+              <a:gd name="connsiteY0" fmla="*/ 3968162 h 3968162"/>
+              <a:gd name="connsiteX1" fmla="*/ 11 w 1036938"/>
+              <a:gd name="connsiteY1" fmla="*/ 1910228 h 3968162"/>
+              <a:gd name="connsiteX2" fmla="*/ 1036938 w 1036938"/>
+              <a:gd name="connsiteY2" fmla="*/ 0 h 3968162"/>
+              <a:gd name="connsiteX0" fmla="*/ 606194 w 1040459"/>
+              <a:gd name="connsiteY0" fmla="*/ 3968162 h 3968162"/>
+              <a:gd name="connsiteX1" fmla="*/ 3532 w 1040459"/>
+              <a:gd name="connsiteY1" fmla="*/ 1910228 h 3968162"/>
+              <a:gd name="connsiteX2" fmla="*/ 1040459 w 1040459"/>
+              <a:gd name="connsiteY2" fmla="*/ 0 h 3968162"/>
+              <a:gd name="connsiteX0" fmla="*/ 606194 w 1040459"/>
+              <a:gd name="connsiteY0" fmla="*/ 3968162 h 3968162"/>
+              <a:gd name="connsiteX1" fmla="*/ 3532 w 1040459"/>
+              <a:gd name="connsiteY1" fmla="*/ 1910228 h 3968162"/>
+              <a:gd name="connsiteX2" fmla="*/ 1040459 w 1040459"/>
+              <a:gd name="connsiteY2" fmla="*/ 0 h 3968162"/>
+              <a:gd name="connsiteX0" fmla="*/ 608951 w 1043216"/>
+              <a:gd name="connsiteY0" fmla="*/ 3968162 h 3968162"/>
+              <a:gd name="connsiteX1" fmla="*/ 6289 w 1043216"/>
+              <a:gd name="connsiteY1" fmla="*/ 1910228 h 3968162"/>
+              <a:gd name="connsiteX2" fmla="*/ 1043216 w 1043216"/>
+              <a:gd name="connsiteY2" fmla="*/ 0 h 3968162"/>
+            </a:gdLst>
+            <a:ahLst/>
+            <a:cxnLst>
+              <a:cxn ang="0">
+                <a:pos x="connsiteX0" y="connsiteY0"/>
+              </a:cxn>
+              <a:cxn ang="0">
+                <a:pos x="connsiteX1" y="connsiteY1"/>
+              </a:cxn>
+              <a:cxn ang="0">
+                <a:pos x="connsiteX2" y="connsiteY2"/>
+              </a:cxn>
+            </a:cxnLst>
+            <a:rect l="l" t="t" r="r" b="b"/>
+            <a:pathLst>
+              <a:path w="1043216" h="3968162">
+                <a:moveTo>
+                  <a:pt x="608951" y="3968162"/>
+                </a:moveTo>
+                <a:cubicBezTo>
+                  <a:pt x="30636" y="3421158"/>
+                  <a:pt x="-23138" y="2571588"/>
+                  <a:pt x="6289" y="1910228"/>
+                </a:cubicBezTo>
+                <a:cubicBezTo>
+                  <a:pt x="35716" y="1248868"/>
+                  <a:pt x="516066" y="303607"/>
+                  <a:pt x="1043216" y="0"/>
+                </a:cubicBezTo>
+              </a:path>
+            </a:pathLst>
+          </a:custGeom>
+          <a:noFill/>
+          <a:ln w="15875">
+            <a:solidFill>
+              <a:schemeClr val="accent6"/>
+            </a:solidFill>
+            <a:headEnd type="none"/>
+            <a:tailEnd type="triangle"/>
+          </a:ln>
+        </p:spPr>
+        <p:style>
+          <a:lnRef idx="2">
+            <a:schemeClr val="accent1">
+              <a:shade val="50000"/>
+            </a:schemeClr>
+          </a:lnRef>
+          <a:fillRef idx="1">
+            <a:schemeClr val="accent1"/>
+          </a:fillRef>
+          <a:effectRef idx="0">
+            <a:schemeClr val="accent1"/>
+          </a:effectRef>
+          <a:fontRef idx="minor">
+            <a:schemeClr val="lt1"/>
+          </a:fontRef>
+        </p:style>
+        <p:txBody>
+          <a:bodyPr rtlCol="0" anchor="ctr"/>
+          <a:lstStyle/>
+          <a:p>
+            <a:pPr algn="ctr"/>
+            <a:endParaRPr lang="en-SG" dirty="0"/>
+          </a:p>
+        </p:txBody>
+      </p:sp>
+      <p:cxnSp>
+        <p:nvCxnSpPr>
+          <p:cNvPr id="51" name="Straight Connector 50"/>
+          <p:cNvCxnSpPr/>
+          <p:nvPr/>
+        </p:nvCxnSpPr>
+        <p:spPr>
+          <a:xfrm>
+            <a:off x="1343025" y="3473215"/>
+            <a:ext cx="3843728" cy="0"/>
+          </a:xfrm>
+          <a:prstGeom prst="line">
+            <a:avLst/>
+          </a:prstGeom>
+          <a:ln w="15875">
+            <a:solidFill>
+              <a:schemeClr val="accent2"/>
+            </a:solidFill>
+          </a:ln>
+        </p:spPr>
+        <p:style>
+          <a:lnRef idx="1">
+            <a:schemeClr val="accent1"/>
+          </a:lnRef>
+          <a:fillRef idx="0">
+            <a:schemeClr val="accent1"/>
+          </a:fillRef>
+          <a:effectRef idx="0">
+            <a:schemeClr val="accent1"/>
+          </a:effectRef>
+          <a:fontRef idx="minor">
+            <a:schemeClr val="tx1"/>
+          </a:fontRef>
+        </p:style>
+      </p:cxnSp>
+      <p:sp>
+        <p:nvSpPr>
+          <p:cNvPr id="121" name="Rectangle 120"/>
+          <p:cNvSpPr/>
+          <p:nvPr/>
+        </p:nvSpPr>
+        <p:spPr>
+          <a:xfrm>
+            <a:off x="2853595" y="3442143"/>
+            <a:ext cx="1234378" cy="266901"/>
+          </a:xfrm>
+          <a:prstGeom prst="rect">
+            <a:avLst/>
+          </a:prstGeom>
+          <a:noFill/>
+          <a:ln w="25400">
+            <a:noFill/>
+          </a:ln>
+        </p:spPr>
+        <p:style>
+          <a:lnRef idx="2">
+            <a:schemeClr val="accent1">
+              <a:shade val="50000"/>
+            </a:schemeClr>
+          </a:lnRef>
+          <a:fillRef idx="1">
+            <a:schemeClr val="accent1"/>
+          </a:fillRef>
+          <a:effectRef idx="0">
+            <a:schemeClr val="accent1"/>
+          </a:effectRef>
+          <a:fontRef idx="minor">
+            <a:schemeClr val="lt1"/>
+          </a:fontRef>
+        </p:style>
+        <p:txBody>
+          <a:bodyPr rtlCol="0" anchor="ctr"/>
+          <a:lstStyle/>
+          <a:p>
+            <a:pPr algn="ctr"/>
+            <a:r>
+              <a:rPr lang="en-US" sz="1400" dirty="0" err="1">
+                <a:solidFill>
+                  <a:schemeClr val="tx1"/>
+                </a:solidFill>
+              </a:rPr>
+              <a:t>dockerNet</a:t>
+            </a:r>
+            <a:endParaRPr lang="en-SG" sz="1400" dirty="0">
+              <a:solidFill>
+                <a:schemeClr val="tx1"/>
+              </a:solidFill>
+            </a:endParaRPr>
+          </a:p>
+        </p:txBody>
+      </p:sp>
+      <p:cxnSp>
+        <p:nvCxnSpPr>
+          <p:cNvPr id="122" name="Straight Connector 121"/>
+          <p:cNvCxnSpPr>
+            <a:stCxn id="119" idx="2"/>
+          </p:cNvCxnSpPr>
+          <p:nvPr/>
+        </p:nvCxnSpPr>
+        <p:spPr>
+          <a:xfrm flipH="1">
+            <a:off x="4850512" y="2914062"/>
+            <a:ext cx="3708" cy="555990"/>
+          </a:xfrm>
+          <a:prstGeom prst="line">
+            <a:avLst/>
+          </a:prstGeom>
+          <a:ln w="15875">
+            <a:solidFill>
+              <a:schemeClr val="accent6"/>
+            </a:solidFill>
+            <a:headEnd type="triangle"/>
+          </a:ln>
+        </p:spPr>
+        <p:style>
+          <a:lnRef idx="1">
+            <a:schemeClr val="accent1"/>
+          </a:lnRef>
+          <a:fillRef idx="0">
+            <a:schemeClr val="accent1"/>
+          </a:fillRef>
+          <a:effectRef idx="0">
+            <a:schemeClr val="accent1"/>
+          </a:effectRef>
+          <a:fontRef idx="minor">
+            <a:schemeClr val="tx1"/>
+          </a:fontRef>
+        </p:style>
+      </p:cxnSp>
+      <p:cxnSp>
+        <p:nvCxnSpPr>
+          <p:cNvPr id="124" name="Straight Connector 123"/>
+          <p:cNvCxnSpPr/>
+          <p:nvPr/>
+        </p:nvCxnSpPr>
+        <p:spPr>
+          <a:xfrm>
+            <a:off x="1919449" y="2848033"/>
+            <a:ext cx="0" cy="605062"/>
+          </a:xfrm>
+          <a:prstGeom prst="line">
+            <a:avLst/>
+          </a:prstGeom>
+          <a:ln w="15875">
+            <a:solidFill>
+              <a:schemeClr val="accent6"/>
+            </a:solidFill>
+            <a:tailEnd type="triangle"/>
+          </a:ln>
+        </p:spPr>
+        <p:style>
+          <a:lnRef idx="1">
+            <a:schemeClr val="accent1"/>
+          </a:lnRef>
+          <a:fillRef idx="0">
+            <a:schemeClr val="accent1"/>
+          </a:fillRef>
+          <a:effectRef idx="0">
+            <a:schemeClr val="accent1"/>
+          </a:effectRef>
+          <a:fontRef idx="minor">
+            <a:schemeClr val="tx1"/>
+          </a:fontRef>
+        </p:style>
+      </p:cxnSp>
+      <p:sp>
+        <p:nvSpPr>
+          <p:cNvPr id="126" name="Rectangle 125"/>
+          <p:cNvSpPr/>
+          <p:nvPr/>
+        </p:nvSpPr>
+        <p:spPr>
+          <a:xfrm>
+            <a:off x="5914405" y="2994432"/>
+            <a:ext cx="1266996" cy="266901"/>
+          </a:xfrm>
+          <a:prstGeom prst="rect">
+            <a:avLst/>
+          </a:prstGeom>
+          <a:noFill/>
+          <a:ln w="25400">
+            <a:noFill/>
+          </a:ln>
+        </p:spPr>
+        <p:style>
+          <a:lnRef idx="2">
+            <a:schemeClr val="accent1">
+              <a:shade val="50000"/>
+            </a:schemeClr>
+          </a:lnRef>
+          <a:fillRef idx="1">
+            <a:schemeClr val="accent1"/>
+          </a:fillRef>
+          <a:effectRef idx="0">
+            <a:schemeClr val="accent1"/>
+          </a:effectRef>
+          <a:fontRef idx="minor">
+            <a:schemeClr val="lt1"/>
+          </a:fontRef>
+        </p:style>
+        <p:txBody>
+          <a:bodyPr rtlCol="0" anchor="ctr"/>
+          <a:lstStyle/>
+          <a:p>
+            <a:pPr algn="ctr"/>
+            <a:r>
+              <a:rPr lang="en-US" sz="1400" dirty="0">
+                <a:solidFill>
+                  <a:schemeClr val="tx1"/>
+                </a:solidFill>
+              </a:rPr>
+              <a:t>localhost:9092</a:t>
+            </a:r>
+            <a:endParaRPr lang="en-SG" sz="1400" dirty="0">
+              <a:solidFill>
+                <a:schemeClr val="tx1"/>
+              </a:solidFill>
+            </a:endParaRPr>
+          </a:p>
+        </p:txBody>
+      </p:sp>
+      <p:sp>
+        <p:nvSpPr>
+          <p:cNvPr id="127" name="Rectangle 126"/>
+          <p:cNvSpPr/>
+          <p:nvPr/>
+        </p:nvSpPr>
+        <p:spPr>
+          <a:xfrm>
+            <a:off x="9722234" y="1171337"/>
+            <a:ext cx="1986606" cy="1146149"/>
+          </a:xfrm>
+          <a:prstGeom prst="rect">
+            <a:avLst/>
+          </a:prstGeom>
+          <a:noFill/>
+          <a:ln w="19050">
+            <a:solidFill>
+              <a:schemeClr val="tx1"/>
+            </a:solidFill>
+          </a:ln>
+        </p:spPr>
+        <p:style>
+          <a:lnRef idx="2">
+            <a:schemeClr val="accent1">
+              <a:shade val="50000"/>
+            </a:schemeClr>
+          </a:lnRef>
+          <a:fillRef idx="1">
+            <a:schemeClr val="accent1"/>
+          </a:fillRef>
+          <a:effectRef idx="0">
+            <a:schemeClr val="accent1"/>
+          </a:effectRef>
+          <a:fontRef idx="minor">
+            <a:schemeClr val="lt1"/>
+          </a:fontRef>
+        </p:style>
+        <p:txBody>
+          <a:bodyPr rtlCol="0" anchor="t" anchorCtr="0"/>
+          <a:lstStyle/>
+          <a:p>
+            <a:pPr algn="ctr"/>
+            <a:r>
+              <a:rPr lang="en-US" sz="1400" dirty="0">
+                <a:solidFill>
+                  <a:schemeClr val="tx1"/>
+                </a:solidFill>
+              </a:rPr>
+              <a:t>process video at t = 0.30</a:t>
+            </a:r>
+            <a:endParaRPr lang="en-SG" sz="1400" dirty="0">
+              <a:solidFill>
+                <a:schemeClr val="tx1"/>
+              </a:solidFill>
+            </a:endParaRPr>
+          </a:p>
+        </p:txBody>
+      </p:sp>
+      <p:sp>
+        <p:nvSpPr>
+          <p:cNvPr id="128" name="Rectangle 127"/>
+          <p:cNvSpPr/>
+          <p:nvPr/>
+        </p:nvSpPr>
+        <p:spPr>
+          <a:xfrm>
+            <a:off x="9722234" y="2684885"/>
+            <a:ext cx="1986606" cy="1149530"/>
+          </a:xfrm>
+          <a:prstGeom prst="rect">
+            <a:avLst/>
+          </a:prstGeom>
+          <a:noFill/>
+          <a:ln w="19050">
+            <a:solidFill>
+              <a:schemeClr val="tx1"/>
+            </a:solidFill>
+          </a:ln>
+        </p:spPr>
+        <p:style>
+          <a:lnRef idx="2">
+            <a:schemeClr val="accent1">
+              <a:shade val="50000"/>
+            </a:schemeClr>
+          </a:lnRef>
+          <a:fillRef idx="1">
+            <a:schemeClr val="accent1"/>
+          </a:fillRef>
+          <a:effectRef idx="0">
+            <a:schemeClr val="accent1"/>
+          </a:effectRef>
+          <a:fontRef idx="minor">
+            <a:schemeClr val="lt1"/>
+          </a:fontRef>
+        </p:style>
+        <p:txBody>
+          <a:bodyPr rtlCol="0" anchor="t" anchorCtr="0"/>
+          <a:lstStyle/>
+          <a:p>
+            <a:pPr algn="ctr"/>
+            <a:r>
+              <a:rPr lang="en-US" sz="1400" dirty="0">
+                <a:solidFill>
+                  <a:schemeClr val="tx1"/>
+                </a:solidFill>
+              </a:rPr>
+              <a:t>process video at t = 0.05</a:t>
+            </a:r>
+            <a:endParaRPr lang="en-SG" sz="1400" dirty="0">
+              <a:solidFill>
+                <a:schemeClr val="tx1"/>
+              </a:solidFill>
+            </a:endParaRPr>
+          </a:p>
+        </p:txBody>
+      </p:sp>
+      <p:sp>
+        <p:nvSpPr>
+          <p:cNvPr id="129" name="TextBox 128"/>
+          <p:cNvSpPr txBox="1"/>
+          <p:nvPr/>
+        </p:nvSpPr>
+        <p:spPr>
+          <a:xfrm>
+            <a:off x="9722233" y="817378"/>
+            <a:ext cx="1717910" cy="369332"/>
+          </a:xfrm>
+          <a:prstGeom prst="rect">
+            <a:avLst/>
+          </a:prstGeom>
+          <a:noFill/>
+        </p:spPr>
+        <p:txBody>
+          <a:bodyPr wrap="square" rtlCol="0">
+            <a:spAutoFit/>
+          </a:bodyPr>
+          <a:lstStyle/>
+          <a:p>
+            <a:r>
+              <a:rPr lang="en-US" dirty="0" err="1"/>
+              <a:t>pyconsumerrtsp</a:t>
+            </a:r>
+            <a:endParaRPr lang="en-SG" dirty="0"/>
+          </a:p>
+        </p:txBody>
+      </p:sp>
+      <p:sp>
+        <p:nvSpPr>
+          <p:cNvPr id="130" name="TextBox 129"/>
+          <p:cNvSpPr txBox="1"/>
+          <p:nvPr/>
+        </p:nvSpPr>
+        <p:spPr>
+          <a:xfrm>
+            <a:off x="9722233" y="2371500"/>
+            <a:ext cx="1846574" cy="369332"/>
+          </a:xfrm>
+          <a:prstGeom prst="rect">
+            <a:avLst/>
+          </a:prstGeom>
+          <a:noFill/>
+        </p:spPr>
+        <p:txBody>
+          <a:bodyPr wrap="square" rtlCol="0">
+            <a:spAutoFit/>
+          </a:bodyPr>
+          <a:lstStyle/>
+          <a:p>
+            <a:r>
+              <a:rPr lang="en-US" dirty="0"/>
+              <a:t>pyconsumerrtsp2</a:t>
+            </a:r>
+            <a:endParaRPr lang="en-SG" dirty="0"/>
+          </a:p>
+        </p:txBody>
+      </p:sp>
+      <p:sp>
+        <p:nvSpPr>
+          <p:cNvPr id="133" name="Freeform: Shape 132"/>
+          <p:cNvSpPr/>
+          <p:nvPr/>
+        </p:nvSpPr>
+        <p:spPr>
+          <a:xfrm>
+            <a:off x="4847152" y="2369872"/>
+            <a:ext cx="1835846" cy="392408"/>
+          </a:xfrm>
+          <a:custGeom>
+            <a:avLst/>
+            <a:gdLst>
+              <a:gd name="connsiteX0" fmla="*/ 515673 w 1107856"/>
+              <a:gd name="connsiteY0" fmla="*/ 3884023 h 3884023"/>
+              <a:gd name="connsiteX1" fmla="*/ 19285 w 1107856"/>
+              <a:gd name="connsiteY1" fmla="*/ 1628503 h 3884023"/>
+              <a:gd name="connsiteX2" fmla="*/ 1107856 w 1107856"/>
+              <a:gd name="connsiteY2" fmla="*/ 0 h 3884023"/>
+              <a:gd name="connsiteX0" fmla="*/ 570705 w 1102638"/>
+              <a:gd name="connsiteY0" fmla="*/ 3884023 h 3884023"/>
+              <a:gd name="connsiteX1" fmla="*/ 14067 w 1102638"/>
+              <a:gd name="connsiteY1" fmla="*/ 1628503 h 3884023"/>
+              <a:gd name="connsiteX2" fmla="*/ 1102638 w 1102638"/>
+              <a:gd name="connsiteY2" fmla="*/ 0 h 3884023"/>
+              <a:gd name="connsiteX0" fmla="*/ 537488 w 1069421"/>
+              <a:gd name="connsiteY0" fmla="*/ 3884023 h 3884023"/>
+              <a:gd name="connsiteX1" fmla="*/ 15280 w 1069421"/>
+              <a:gd name="connsiteY1" fmla="*/ 1901992 h 3884023"/>
+              <a:gd name="connsiteX2" fmla="*/ 1069421 w 1069421"/>
+              <a:gd name="connsiteY2" fmla="*/ 0 h 3884023"/>
+              <a:gd name="connsiteX0" fmla="*/ 523332 w 1055265"/>
+              <a:gd name="connsiteY0" fmla="*/ 3884023 h 3884023"/>
+              <a:gd name="connsiteX1" fmla="*/ 1124 w 1055265"/>
+              <a:gd name="connsiteY1" fmla="*/ 1901992 h 3884023"/>
+              <a:gd name="connsiteX2" fmla="*/ 1055265 w 1055265"/>
+              <a:gd name="connsiteY2" fmla="*/ 0 h 3884023"/>
+              <a:gd name="connsiteX0" fmla="*/ 523332 w 1055265"/>
+              <a:gd name="connsiteY0" fmla="*/ 3884023 h 3884023"/>
+              <a:gd name="connsiteX1" fmla="*/ 1124 w 1055265"/>
+              <a:gd name="connsiteY1" fmla="*/ 1961818 h 3884023"/>
+              <a:gd name="connsiteX2" fmla="*/ 1055265 w 1055265"/>
+              <a:gd name="connsiteY2" fmla="*/ 0 h 3884023"/>
+              <a:gd name="connsiteX0" fmla="*/ 506196 w 1038129"/>
+              <a:gd name="connsiteY0" fmla="*/ 3884023 h 3884023"/>
+              <a:gd name="connsiteX1" fmla="*/ 1202 w 1038129"/>
+              <a:gd name="connsiteY1" fmla="*/ 2312225 h 3884023"/>
+              <a:gd name="connsiteX2" fmla="*/ 1038129 w 1038129"/>
+              <a:gd name="connsiteY2" fmla="*/ 0 h 3884023"/>
+              <a:gd name="connsiteX0" fmla="*/ 505018 w 1036951"/>
+              <a:gd name="connsiteY0" fmla="*/ 3884023 h 3884023"/>
+              <a:gd name="connsiteX1" fmla="*/ 24 w 1036951"/>
+              <a:gd name="connsiteY1" fmla="*/ 2312225 h 3884023"/>
+              <a:gd name="connsiteX2" fmla="*/ 1036951 w 1036951"/>
+              <a:gd name="connsiteY2" fmla="*/ 0 h 3884023"/>
+              <a:gd name="connsiteX0" fmla="*/ 632030 w 1044820"/>
+              <a:gd name="connsiteY0" fmla="*/ 3884023 h 3884023"/>
+              <a:gd name="connsiteX1" fmla="*/ 7893 w 1044820"/>
+              <a:gd name="connsiteY1" fmla="*/ 2312225 h 3884023"/>
+              <a:gd name="connsiteX2" fmla="*/ 1044820 w 1044820"/>
+              <a:gd name="connsiteY2" fmla="*/ 0 h 3884023"/>
+              <a:gd name="connsiteX0" fmla="*/ 636830 w 1049620"/>
+              <a:gd name="connsiteY0" fmla="*/ 3884023 h 3884023"/>
+              <a:gd name="connsiteX1" fmla="*/ 12693 w 1049620"/>
+              <a:gd name="connsiteY1" fmla="*/ 2312225 h 3884023"/>
+              <a:gd name="connsiteX2" fmla="*/ 1049620 w 1049620"/>
+              <a:gd name="connsiteY2" fmla="*/ 0 h 3884023"/>
+              <a:gd name="connsiteX0" fmla="*/ 617389 w 1051654"/>
+              <a:gd name="connsiteY0" fmla="*/ 3968162 h 3968162"/>
+              <a:gd name="connsiteX1" fmla="*/ 14727 w 1051654"/>
+              <a:gd name="connsiteY1" fmla="*/ 2312225 h 3968162"/>
+              <a:gd name="connsiteX2" fmla="*/ 1051654 w 1051654"/>
+              <a:gd name="connsiteY2" fmla="*/ 0 h 3968162"/>
+              <a:gd name="connsiteX0" fmla="*/ 617389 w 1051654"/>
+              <a:gd name="connsiteY0" fmla="*/ 3968162 h 3968162"/>
+              <a:gd name="connsiteX1" fmla="*/ 14727 w 1051654"/>
+              <a:gd name="connsiteY1" fmla="*/ 2312225 h 3968162"/>
+              <a:gd name="connsiteX2" fmla="*/ 1051654 w 1051654"/>
+              <a:gd name="connsiteY2" fmla="*/ 0 h 3968162"/>
+              <a:gd name="connsiteX0" fmla="*/ 602673 w 1036938"/>
+              <a:gd name="connsiteY0" fmla="*/ 3968162 h 3968162"/>
+              <a:gd name="connsiteX1" fmla="*/ 11 w 1036938"/>
+              <a:gd name="connsiteY1" fmla="*/ 2312225 h 3968162"/>
+              <a:gd name="connsiteX2" fmla="*/ 1036938 w 1036938"/>
+              <a:gd name="connsiteY2" fmla="*/ 0 h 3968162"/>
+              <a:gd name="connsiteX0" fmla="*/ 602673 w 1036938"/>
+              <a:gd name="connsiteY0" fmla="*/ 3968162 h 3968162"/>
+              <a:gd name="connsiteX1" fmla="*/ 11 w 1036938"/>
+              <a:gd name="connsiteY1" fmla="*/ 2022413 h 3968162"/>
+              <a:gd name="connsiteX2" fmla="*/ 1036938 w 1036938"/>
+              <a:gd name="connsiteY2" fmla="*/ 0 h 3968162"/>
+              <a:gd name="connsiteX0" fmla="*/ 602673 w 1036938"/>
+              <a:gd name="connsiteY0" fmla="*/ 3968162 h 3968162"/>
+              <a:gd name="connsiteX1" fmla="*/ 11 w 1036938"/>
+              <a:gd name="connsiteY1" fmla="*/ 1816739 h 3968162"/>
+              <a:gd name="connsiteX2" fmla="*/ 1036938 w 1036938"/>
+              <a:gd name="connsiteY2" fmla="*/ 0 h 3968162"/>
+              <a:gd name="connsiteX0" fmla="*/ 602673 w 1036938"/>
+              <a:gd name="connsiteY0" fmla="*/ 3968162 h 3968162"/>
+              <a:gd name="connsiteX1" fmla="*/ 11 w 1036938"/>
+              <a:gd name="connsiteY1" fmla="*/ 1910228 h 3968162"/>
+              <a:gd name="connsiteX2" fmla="*/ 1036938 w 1036938"/>
+              <a:gd name="connsiteY2" fmla="*/ 0 h 3968162"/>
+              <a:gd name="connsiteX0" fmla="*/ 606194 w 1040459"/>
+              <a:gd name="connsiteY0" fmla="*/ 3968162 h 3968162"/>
+              <a:gd name="connsiteX1" fmla="*/ 3532 w 1040459"/>
+              <a:gd name="connsiteY1" fmla="*/ 1910228 h 3968162"/>
+              <a:gd name="connsiteX2" fmla="*/ 1040459 w 1040459"/>
+              <a:gd name="connsiteY2" fmla="*/ 0 h 3968162"/>
+              <a:gd name="connsiteX0" fmla="*/ 606194 w 1040459"/>
+              <a:gd name="connsiteY0" fmla="*/ 3968162 h 3968162"/>
+              <a:gd name="connsiteX1" fmla="*/ 3532 w 1040459"/>
+              <a:gd name="connsiteY1" fmla="*/ 1910228 h 3968162"/>
+              <a:gd name="connsiteX2" fmla="*/ 1040459 w 1040459"/>
+              <a:gd name="connsiteY2" fmla="*/ 0 h 3968162"/>
+              <a:gd name="connsiteX0" fmla="*/ 608951 w 1043216"/>
+              <a:gd name="connsiteY0" fmla="*/ 3968162 h 3968162"/>
+              <a:gd name="connsiteX1" fmla="*/ 6289 w 1043216"/>
+              <a:gd name="connsiteY1" fmla="*/ 1910228 h 3968162"/>
+              <a:gd name="connsiteX2" fmla="*/ 1043216 w 1043216"/>
+              <a:gd name="connsiteY2" fmla="*/ 0 h 3968162"/>
+              <a:gd name="connsiteX0" fmla="*/ 34448 w 8833902"/>
+              <a:gd name="connsiteY0" fmla="*/ 604666 h 1914006"/>
+              <a:gd name="connsiteX1" fmla="*/ 7796975 w 8833902"/>
+              <a:gd name="connsiteY1" fmla="*/ 1910228 h 1914006"/>
+              <a:gd name="connsiteX2" fmla="*/ 8833902 w 8833902"/>
+              <a:gd name="connsiteY2" fmla="*/ 0 h 1914006"/>
+              <a:gd name="connsiteX0" fmla="*/ 47044 w 8846498"/>
+              <a:gd name="connsiteY0" fmla="*/ 604666 h 604666"/>
+              <a:gd name="connsiteX1" fmla="*/ 5851762 w 8846498"/>
+              <a:gd name="connsiteY1" fmla="*/ 394442 h 604666"/>
+              <a:gd name="connsiteX2" fmla="*/ 8846498 w 8846498"/>
+              <a:gd name="connsiteY2" fmla="*/ 0 h 604666"/>
+              <a:gd name="connsiteX0" fmla="*/ 50607 w 8850061"/>
+              <a:gd name="connsiteY0" fmla="*/ 604666 h 604666"/>
+              <a:gd name="connsiteX1" fmla="*/ 5855325 w 8850061"/>
+              <a:gd name="connsiteY1" fmla="*/ 394442 h 604666"/>
+              <a:gd name="connsiteX2" fmla="*/ 8850061 w 8850061"/>
+              <a:gd name="connsiteY2" fmla="*/ 0 h 604666"/>
+              <a:gd name="connsiteX0" fmla="*/ 50607 w 8850061"/>
+              <a:gd name="connsiteY0" fmla="*/ 604666 h 604666"/>
+              <a:gd name="connsiteX1" fmla="*/ 5855325 w 8850061"/>
+              <a:gd name="connsiteY1" fmla="*/ 394442 h 604666"/>
+              <a:gd name="connsiteX2" fmla="*/ 8850061 w 8850061"/>
+              <a:gd name="connsiteY2" fmla="*/ 0 h 604666"/>
+              <a:gd name="connsiteX0" fmla="*/ 1 w 8799455"/>
+              <a:gd name="connsiteY0" fmla="*/ 604666 h 604666"/>
+              <a:gd name="connsiteX1" fmla="*/ 5804719 w 8799455"/>
+              <a:gd name="connsiteY1" fmla="*/ 394442 h 604666"/>
+              <a:gd name="connsiteX2" fmla="*/ 8799455 w 8799455"/>
+              <a:gd name="connsiteY2" fmla="*/ 0 h 604666"/>
+              <a:gd name="connsiteX0" fmla="*/ 1 w 8711711"/>
+              <a:gd name="connsiteY0" fmla="*/ 604666 h 604666"/>
+              <a:gd name="connsiteX1" fmla="*/ 5804719 w 8711711"/>
+              <a:gd name="connsiteY1" fmla="*/ 394442 h 604666"/>
+              <a:gd name="connsiteX2" fmla="*/ 8711711 w 8711711"/>
+              <a:gd name="connsiteY2" fmla="*/ 0 h 604666"/>
+              <a:gd name="connsiteX0" fmla="*/ 1 w 8711711"/>
+              <a:gd name="connsiteY0" fmla="*/ 604666 h 604666"/>
+              <a:gd name="connsiteX1" fmla="*/ 5804719 w 8711711"/>
+              <a:gd name="connsiteY1" fmla="*/ 394442 h 604666"/>
+              <a:gd name="connsiteX2" fmla="*/ 8711711 w 8711711"/>
+              <a:gd name="connsiteY2" fmla="*/ 0 h 604666"/>
+              <a:gd name="connsiteX0" fmla="*/ 1 w 8711711"/>
+              <a:gd name="connsiteY0" fmla="*/ 604666 h 604666"/>
+              <a:gd name="connsiteX1" fmla="*/ 4927287 w 8711711"/>
+              <a:gd name="connsiteY1" fmla="*/ 316993 h 604666"/>
+              <a:gd name="connsiteX2" fmla="*/ 8711711 w 8711711"/>
+              <a:gd name="connsiteY2" fmla="*/ 0 h 604666"/>
+              <a:gd name="connsiteX0" fmla="*/ 1 w 8711711"/>
+              <a:gd name="connsiteY0" fmla="*/ 604666 h 604666"/>
+              <a:gd name="connsiteX1" fmla="*/ 1684667 w 8711711"/>
+              <a:gd name="connsiteY1" fmla="*/ 253025 h 604666"/>
+              <a:gd name="connsiteX2" fmla="*/ 4927287 w 8711711"/>
+              <a:gd name="connsiteY2" fmla="*/ 316993 h 604666"/>
+              <a:gd name="connsiteX3" fmla="*/ 8711711 w 8711711"/>
+              <a:gd name="connsiteY3" fmla="*/ 0 h 604666"/>
+              <a:gd name="connsiteX0" fmla="*/ 1 w 8711711"/>
+              <a:gd name="connsiteY0" fmla="*/ 604666 h 604666"/>
+              <a:gd name="connsiteX1" fmla="*/ 1684667 w 8711711"/>
+              <a:gd name="connsiteY1" fmla="*/ 253025 h 604666"/>
+              <a:gd name="connsiteX2" fmla="*/ 4927287 w 8711711"/>
+              <a:gd name="connsiteY2" fmla="*/ 316993 h 604666"/>
+              <a:gd name="connsiteX3" fmla="*/ 8711711 w 8711711"/>
+              <a:gd name="connsiteY3" fmla="*/ 0 h 604666"/>
+              <a:gd name="connsiteX0" fmla="*/ 1 w 8711711"/>
+              <a:gd name="connsiteY0" fmla="*/ 604666 h 604666"/>
+              <a:gd name="connsiteX1" fmla="*/ 1743162 w 8711711"/>
+              <a:gd name="connsiteY1" fmla="*/ 385795 h 604666"/>
+              <a:gd name="connsiteX2" fmla="*/ 4927287 w 8711711"/>
+              <a:gd name="connsiteY2" fmla="*/ 316993 h 604666"/>
+              <a:gd name="connsiteX3" fmla="*/ 8711711 w 8711711"/>
+              <a:gd name="connsiteY3" fmla="*/ 0 h 604666"/>
+              <a:gd name="connsiteX0" fmla="*/ 1 w 8711711"/>
+              <a:gd name="connsiteY0" fmla="*/ 604666 h 604666"/>
+              <a:gd name="connsiteX1" fmla="*/ 1509182 w 8711711"/>
+              <a:gd name="connsiteY1" fmla="*/ 363667 h 604666"/>
+              <a:gd name="connsiteX2" fmla="*/ 4927287 w 8711711"/>
+              <a:gd name="connsiteY2" fmla="*/ 316993 h 604666"/>
+              <a:gd name="connsiteX3" fmla="*/ 8711711 w 8711711"/>
+              <a:gd name="connsiteY3" fmla="*/ 0 h 604666"/>
+              <a:gd name="connsiteX0" fmla="*/ 1 w 8711711"/>
+              <a:gd name="connsiteY0" fmla="*/ 604666 h 604666"/>
+              <a:gd name="connsiteX1" fmla="*/ 1509182 w 8711711"/>
+              <a:gd name="connsiteY1" fmla="*/ 363667 h 604666"/>
+              <a:gd name="connsiteX2" fmla="*/ 4927287 w 8711711"/>
+              <a:gd name="connsiteY2" fmla="*/ 316993 h 604666"/>
+              <a:gd name="connsiteX3" fmla="*/ 8711711 w 8711711"/>
+              <a:gd name="connsiteY3" fmla="*/ 0 h 604666"/>
+              <a:gd name="connsiteX0" fmla="*/ 1 w 8711711"/>
+              <a:gd name="connsiteY0" fmla="*/ 604666 h 604666"/>
+              <a:gd name="connsiteX1" fmla="*/ 1099714 w 8711711"/>
+              <a:gd name="connsiteY1" fmla="*/ 352602 h 604666"/>
+              <a:gd name="connsiteX2" fmla="*/ 4927287 w 8711711"/>
+              <a:gd name="connsiteY2" fmla="*/ 316993 h 604666"/>
+              <a:gd name="connsiteX3" fmla="*/ 8711711 w 8711711"/>
+              <a:gd name="connsiteY3" fmla="*/ 0 h 604666"/>
+              <a:gd name="connsiteX0" fmla="*/ 1 w 8711711"/>
+              <a:gd name="connsiteY0" fmla="*/ 604666 h 604666"/>
+              <a:gd name="connsiteX1" fmla="*/ 924225 w 8711711"/>
+              <a:gd name="connsiteY1" fmla="*/ 352602 h 604666"/>
+              <a:gd name="connsiteX2" fmla="*/ 4927287 w 8711711"/>
+              <a:gd name="connsiteY2" fmla="*/ 316993 h 604666"/>
+              <a:gd name="connsiteX3" fmla="*/ 8711711 w 8711711"/>
+              <a:gd name="connsiteY3" fmla="*/ 0 h 604666"/>
+              <a:gd name="connsiteX0" fmla="*/ 1 w 8711711"/>
+              <a:gd name="connsiteY0" fmla="*/ 604666 h 604666"/>
+              <a:gd name="connsiteX1" fmla="*/ 690242 w 8711711"/>
+              <a:gd name="connsiteY1" fmla="*/ 352602 h 604666"/>
+              <a:gd name="connsiteX2" fmla="*/ 4927287 w 8711711"/>
+              <a:gd name="connsiteY2" fmla="*/ 316993 h 604666"/>
+              <a:gd name="connsiteX3" fmla="*/ 8711711 w 8711711"/>
+              <a:gd name="connsiteY3" fmla="*/ 0 h 604666"/>
+              <a:gd name="connsiteX0" fmla="*/ 1 w 8711711"/>
+              <a:gd name="connsiteY0" fmla="*/ 604666 h 604666"/>
+              <a:gd name="connsiteX1" fmla="*/ 602498 w 8711711"/>
+              <a:gd name="connsiteY1" fmla="*/ 352602 h 604666"/>
+              <a:gd name="connsiteX2" fmla="*/ 4927287 w 8711711"/>
+              <a:gd name="connsiteY2" fmla="*/ 316993 h 604666"/>
+              <a:gd name="connsiteX3" fmla="*/ 8711711 w 8711711"/>
+              <a:gd name="connsiteY3" fmla="*/ 0 h 604666"/>
+              <a:gd name="connsiteX0" fmla="*/ 1 w 8711711"/>
+              <a:gd name="connsiteY0" fmla="*/ 604666 h 604666"/>
+              <a:gd name="connsiteX1" fmla="*/ 602498 w 8711711"/>
+              <a:gd name="connsiteY1" fmla="*/ 352602 h 604666"/>
+              <a:gd name="connsiteX2" fmla="*/ 4927287 w 8711711"/>
+              <a:gd name="connsiteY2" fmla="*/ 316993 h 604666"/>
+              <a:gd name="connsiteX3" fmla="*/ 8060673 w 8711711"/>
+              <a:gd name="connsiteY3" fmla="*/ 197704 h 604666"/>
+              <a:gd name="connsiteX4" fmla="*/ 8711711 w 8711711"/>
+              <a:gd name="connsiteY4" fmla="*/ 0 h 604666"/>
+              <a:gd name="connsiteX0" fmla="*/ 1 w 8711711"/>
+              <a:gd name="connsiteY0" fmla="*/ 604666 h 604666"/>
+              <a:gd name="connsiteX1" fmla="*/ 602498 w 8711711"/>
+              <a:gd name="connsiteY1" fmla="*/ 352602 h 604666"/>
+              <a:gd name="connsiteX2" fmla="*/ 4927287 w 8711711"/>
+              <a:gd name="connsiteY2" fmla="*/ 316993 h 604666"/>
+              <a:gd name="connsiteX3" fmla="*/ 8060673 w 8711711"/>
+              <a:gd name="connsiteY3" fmla="*/ 197704 h 604666"/>
+              <a:gd name="connsiteX4" fmla="*/ 8711711 w 8711711"/>
+              <a:gd name="connsiteY4" fmla="*/ 0 h 604666"/>
+              <a:gd name="connsiteX0" fmla="*/ 1 w 8711711"/>
+              <a:gd name="connsiteY0" fmla="*/ 604666 h 604666"/>
+              <a:gd name="connsiteX1" fmla="*/ 602498 w 8711711"/>
+              <a:gd name="connsiteY1" fmla="*/ 352602 h 604666"/>
+              <a:gd name="connsiteX2" fmla="*/ 4927287 w 8711711"/>
+              <a:gd name="connsiteY2" fmla="*/ 316993 h 604666"/>
+              <a:gd name="connsiteX3" fmla="*/ 8060673 w 8711711"/>
+              <a:gd name="connsiteY3" fmla="*/ 197704 h 604666"/>
+              <a:gd name="connsiteX4" fmla="*/ 8711711 w 8711711"/>
+              <a:gd name="connsiteY4" fmla="*/ 0 h 604666"/>
+              <a:gd name="connsiteX0" fmla="*/ 1 w 8711711"/>
+              <a:gd name="connsiteY0" fmla="*/ 604666 h 604666"/>
+              <a:gd name="connsiteX1" fmla="*/ 602498 w 8711711"/>
+              <a:gd name="connsiteY1" fmla="*/ 352602 h 604666"/>
+              <a:gd name="connsiteX2" fmla="*/ 4927287 w 8711711"/>
+              <a:gd name="connsiteY2" fmla="*/ 316993 h 604666"/>
+              <a:gd name="connsiteX3" fmla="*/ 8060673 w 8711711"/>
+              <a:gd name="connsiteY3" fmla="*/ 197704 h 604666"/>
+              <a:gd name="connsiteX4" fmla="*/ 8711711 w 8711711"/>
+              <a:gd name="connsiteY4" fmla="*/ 0 h 604666"/>
+              <a:gd name="connsiteX0" fmla="*/ 1 w 8762888"/>
+              <a:gd name="connsiteY0" fmla="*/ 604666 h 604666"/>
+              <a:gd name="connsiteX1" fmla="*/ 602498 w 8762888"/>
+              <a:gd name="connsiteY1" fmla="*/ 352602 h 604666"/>
+              <a:gd name="connsiteX2" fmla="*/ 4927287 w 8762888"/>
+              <a:gd name="connsiteY2" fmla="*/ 316993 h 604666"/>
+              <a:gd name="connsiteX3" fmla="*/ 8353148 w 8762888"/>
+              <a:gd name="connsiteY3" fmla="*/ 219834 h 604666"/>
+              <a:gd name="connsiteX4" fmla="*/ 8711711 w 8762888"/>
+              <a:gd name="connsiteY4" fmla="*/ 0 h 604666"/>
+              <a:gd name="connsiteX0" fmla="*/ 1 w 8762888"/>
+              <a:gd name="connsiteY0" fmla="*/ 604666 h 604666"/>
+              <a:gd name="connsiteX1" fmla="*/ 602498 w 8762888"/>
+              <a:gd name="connsiteY1" fmla="*/ 352602 h 604666"/>
+              <a:gd name="connsiteX2" fmla="*/ 4927287 w 8762888"/>
+              <a:gd name="connsiteY2" fmla="*/ 316993 h 604666"/>
+              <a:gd name="connsiteX3" fmla="*/ 8353148 w 8762888"/>
+              <a:gd name="connsiteY3" fmla="*/ 264090 h 604666"/>
+              <a:gd name="connsiteX4" fmla="*/ 8711711 w 8762888"/>
+              <a:gd name="connsiteY4" fmla="*/ 0 h 604666"/>
+              <a:gd name="connsiteX0" fmla="*/ 1 w 8762888"/>
+              <a:gd name="connsiteY0" fmla="*/ 604666 h 604666"/>
+              <a:gd name="connsiteX1" fmla="*/ 602498 w 8762888"/>
+              <a:gd name="connsiteY1" fmla="*/ 352602 h 604666"/>
+              <a:gd name="connsiteX2" fmla="*/ 4927287 w 8762888"/>
+              <a:gd name="connsiteY2" fmla="*/ 316993 h 604666"/>
+              <a:gd name="connsiteX3" fmla="*/ 8353148 w 8762888"/>
+              <a:gd name="connsiteY3" fmla="*/ 308347 h 604666"/>
+              <a:gd name="connsiteX4" fmla="*/ 8711711 w 8762888"/>
+              <a:gd name="connsiteY4" fmla="*/ 0 h 604666"/>
+              <a:gd name="connsiteX0" fmla="*/ 1 w 8711711"/>
+              <a:gd name="connsiteY0" fmla="*/ 604666 h 604666"/>
+              <a:gd name="connsiteX1" fmla="*/ 602498 w 8711711"/>
+              <a:gd name="connsiteY1" fmla="*/ 352602 h 604666"/>
+              <a:gd name="connsiteX2" fmla="*/ 4927287 w 8711711"/>
+              <a:gd name="connsiteY2" fmla="*/ 316993 h 604666"/>
+              <a:gd name="connsiteX3" fmla="*/ 8177663 w 8711711"/>
+              <a:gd name="connsiteY3" fmla="*/ 363668 h 604666"/>
+              <a:gd name="connsiteX4" fmla="*/ 8711711 w 8711711"/>
+              <a:gd name="connsiteY4" fmla="*/ 0 h 604666"/>
+              <a:gd name="connsiteX0" fmla="*/ 1 w 8711711"/>
+              <a:gd name="connsiteY0" fmla="*/ 604666 h 604666"/>
+              <a:gd name="connsiteX1" fmla="*/ 602498 w 8711711"/>
+              <a:gd name="connsiteY1" fmla="*/ 352602 h 604666"/>
+              <a:gd name="connsiteX2" fmla="*/ 4985782 w 8711711"/>
+              <a:gd name="connsiteY2" fmla="*/ 383377 h 604666"/>
+              <a:gd name="connsiteX3" fmla="*/ 8177663 w 8711711"/>
+              <a:gd name="connsiteY3" fmla="*/ 363668 h 604666"/>
+              <a:gd name="connsiteX4" fmla="*/ 8711711 w 8711711"/>
+              <a:gd name="connsiteY4" fmla="*/ 0 h 604666"/>
+              <a:gd name="connsiteX0" fmla="*/ 1 w 8711711"/>
+              <a:gd name="connsiteY0" fmla="*/ 604666 h 604666"/>
+              <a:gd name="connsiteX1" fmla="*/ 602498 w 8711711"/>
+              <a:gd name="connsiteY1" fmla="*/ 352602 h 604666"/>
+              <a:gd name="connsiteX2" fmla="*/ 4985782 w 8711711"/>
+              <a:gd name="connsiteY2" fmla="*/ 449763 h 604666"/>
+              <a:gd name="connsiteX3" fmla="*/ 8177663 w 8711711"/>
+              <a:gd name="connsiteY3" fmla="*/ 363668 h 604666"/>
+              <a:gd name="connsiteX4" fmla="*/ 8711711 w 8711711"/>
+              <a:gd name="connsiteY4" fmla="*/ 0 h 604666"/>
+              <a:gd name="connsiteX0" fmla="*/ 1 w 8711711"/>
+              <a:gd name="connsiteY0" fmla="*/ 604666 h 604666"/>
+              <a:gd name="connsiteX1" fmla="*/ 602498 w 8711711"/>
+              <a:gd name="connsiteY1" fmla="*/ 352602 h 604666"/>
+              <a:gd name="connsiteX2" fmla="*/ 4985782 w 8711711"/>
+              <a:gd name="connsiteY2" fmla="*/ 416570 h 604666"/>
+              <a:gd name="connsiteX3" fmla="*/ 8177663 w 8711711"/>
+              <a:gd name="connsiteY3" fmla="*/ 363668 h 604666"/>
+              <a:gd name="connsiteX4" fmla="*/ 8711711 w 8711711"/>
+              <a:gd name="connsiteY4" fmla="*/ 0 h 604666"/>
+              <a:gd name="connsiteX0" fmla="*/ 1 w 8711711"/>
+              <a:gd name="connsiteY0" fmla="*/ 604666 h 604666"/>
+              <a:gd name="connsiteX1" fmla="*/ 602498 w 8711711"/>
+              <a:gd name="connsiteY1" fmla="*/ 396859 h 604666"/>
+              <a:gd name="connsiteX2" fmla="*/ 4985782 w 8711711"/>
+              <a:gd name="connsiteY2" fmla="*/ 416570 h 604666"/>
+              <a:gd name="connsiteX3" fmla="*/ 8177663 w 8711711"/>
+              <a:gd name="connsiteY3" fmla="*/ 363668 h 604666"/>
+              <a:gd name="connsiteX4" fmla="*/ 8711711 w 8711711"/>
+              <a:gd name="connsiteY4" fmla="*/ 0 h 604666"/>
+              <a:gd name="connsiteX0" fmla="*/ 1 w 8731929"/>
+              <a:gd name="connsiteY0" fmla="*/ 604666 h 604666"/>
+              <a:gd name="connsiteX1" fmla="*/ 602498 w 8731929"/>
+              <a:gd name="connsiteY1" fmla="*/ 396859 h 604666"/>
+              <a:gd name="connsiteX2" fmla="*/ 4985782 w 8731929"/>
+              <a:gd name="connsiteY2" fmla="*/ 416570 h 604666"/>
+              <a:gd name="connsiteX3" fmla="*/ 8294653 w 8731929"/>
+              <a:gd name="connsiteY3" fmla="*/ 374733 h 604666"/>
+              <a:gd name="connsiteX4" fmla="*/ 8711711 w 8731929"/>
+              <a:gd name="connsiteY4" fmla="*/ 0 h 604666"/>
+              <a:gd name="connsiteX0" fmla="*/ 1 w 8731929"/>
+              <a:gd name="connsiteY0" fmla="*/ 604666 h 604666"/>
+              <a:gd name="connsiteX1" fmla="*/ 602498 w 8731929"/>
+              <a:gd name="connsiteY1" fmla="*/ 396859 h 604666"/>
+              <a:gd name="connsiteX2" fmla="*/ 4985782 w 8731929"/>
+              <a:gd name="connsiteY2" fmla="*/ 416570 h 604666"/>
+              <a:gd name="connsiteX3" fmla="*/ 8294653 w 8731929"/>
+              <a:gd name="connsiteY3" fmla="*/ 374733 h 604666"/>
+              <a:gd name="connsiteX4" fmla="*/ 8711711 w 8731929"/>
+              <a:gd name="connsiteY4" fmla="*/ 0 h 604666"/>
+              <a:gd name="connsiteX0" fmla="*/ 1 w 8797238"/>
+              <a:gd name="connsiteY0" fmla="*/ 604666 h 604666"/>
+              <a:gd name="connsiteX1" fmla="*/ 602498 w 8797238"/>
+              <a:gd name="connsiteY1" fmla="*/ 396859 h 604666"/>
+              <a:gd name="connsiteX2" fmla="*/ 4985782 w 8797238"/>
+              <a:gd name="connsiteY2" fmla="*/ 416570 h 604666"/>
+              <a:gd name="connsiteX3" fmla="*/ 8411642 w 8797238"/>
+              <a:gd name="connsiteY3" fmla="*/ 385798 h 604666"/>
+              <a:gd name="connsiteX4" fmla="*/ 8711711 w 8797238"/>
+              <a:gd name="connsiteY4" fmla="*/ 0 h 604666"/>
+              <a:gd name="connsiteX0" fmla="*/ 1 w 8797238"/>
+              <a:gd name="connsiteY0" fmla="*/ 604666 h 604666"/>
+              <a:gd name="connsiteX1" fmla="*/ 602498 w 8797238"/>
+              <a:gd name="connsiteY1" fmla="*/ 396859 h 604666"/>
+              <a:gd name="connsiteX2" fmla="*/ 4985782 w 8797238"/>
+              <a:gd name="connsiteY2" fmla="*/ 416570 h 604666"/>
+              <a:gd name="connsiteX3" fmla="*/ 8411642 w 8797238"/>
+              <a:gd name="connsiteY3" fmla="*/ 385798 h 604666"/>
+              <a:gd name="connsiteX4" fmla="*/ 8711711 w 8797238"/>
+              <a:gd name="connsiteY4" fmla="*/ 0 h 604666"/>
+              <a:gd name="connsiteX0" fmla="*/ 1 w 8797238"/>
+              <a:gd name="connsiteY0" fmla="*/ 604666 h 604666"/>
+              <a:gd name="connsiteX1" fmla="*/ 602498 w 8797238"/>
+              <a:gd name="connsiteY1" fmla="*/ 396859 h 604666"/>
+              <a:gd name="connsiteX2" fmla="*/ 4985782 w 8797238"/>
+              <a:gd name="connsiteY2" fmla="*/ 416570 h 604666"/>
+              <a:gd name="connsiteX3" fmla="*/ 8411642 w 8797238"/>
+              <a:gd name="connsiteY3" fmla="*/ 396861 h 604666"/>
+              <a:gd name="connsiteX4" fmla="*/ 8711711 w 8797238"/>
+              <a:gd name="connsiteY4" fmla="*/ 0 h 604666"/>
+              <a:gd name="connsiteX0" fmla="*/ 1 w 8797238"/>
+              <a:gd name="connsiteY0" fmla="*/ 604666 h 604666"/>
+              <a:gd name="connsiteX1" fmla="*/ 602498 w 8797238"/>
+              <a:gd name="connsiteY1" fmla="*/ 396859 h 604666"/>
+              <a:gd name="connsiteX2" fmla="*/ 4985782 w 8797238"/>
+              <a:gd name="connsiteY2" fmla="*/ 416570 h 604666"/>
+              <a:gd name="connsiteX3" fmla="*/ 8411642 w 8797238"/>
+              <a:gd name="connsiteY3" fmla="*/ 396861 h 604666"/>
+              <a:gd name="connsiteX4" fmla="*/ 8711711 w 8797238"/>
+              <a:gd name="connsiteY4" fmla="*/ 0 h 604666"/>
+              <a:gd name="connsiteX0" fmla="*/ 1 w 8711710"/>
+              <a:gd name="connsiteY0" fmla="*/ 604666 h 604666"/>
+              <a:gd name="connsiteX1" fmla="*/ 602498 w 8711710"/>
+              <a:gd name="connsiteY1" fmla="*/ 396859 h 604666"/>
+              <a:gd name="connsiteX2" fmla="*/ 4985782 w 8711710"/>
+              <a:gd name="connsiteY2" fmla="*/ 416570 h 604666"/>
+              <a:gd name="connsiteX3" fmla="*/ 8411642 w 8711710"/>
+              <a:gd name="connsiteY3" fmla="*/ 396861 h 604666"/>
+              <a:gd name="connsiteX4" fmla="*/ 8711711 w 8711710"/>
+              <a:gd name="connsiteY4" fmla="*/ 0 h 604666"/>
+              <a:gd name="connsiteX0" fmla="*/ 1197 w 8712906"/>
+              <a:gd name="connsiteY0" fmla="*/ 604666 h 604666"/>
+              <a:gd name="connsiteX1" fmla="*/ 603694 w 8712906"/>
+              <a:gd name="connsiteY1" fmla="*/ 396859 h 604666"/>
+              <a:gd name="connsiteX2" fmla="*/ 4986978 w 8712906"/>
+              <a:gd name="connsiteY2" fmla="*/ 416570 h 604666"/>
+              <a:gd name="connsiteX3" fmla="*/ 8412838 w 8712906"/>
+              <a:gd name="connsiteY3" fmla="*/ 396861 h 604666"/>
+              <a:gd name="connsiteX4" fmla="*/ 8712907 w 8712906"/>
+              <a:gd name="connsiteY4" fmla="*/ 0 h 604666"/>
+              <a:gd name="connsiteX0" fmla="*/ 1197 w 8712906"/>
+              <a:gd name="connsiteY0" fmla="*/ 496255 h 496255"/>
+              <a:gd name="connsiteX1" fmla="*/ 603694 w 8712906"/>
+              <a:gd name="connsiteY1" fmla="*/ 396859 h 496255"/>
+              <a:gd name="connsiteX2" fmla="*/ 4986978 w 8712906"/>
+              <a:gd name="connsiteY2" fmla="*/ 416570 h 496255"/>
+              <a:gd name="connsiteX3" fmla="*/ 8412838 w 8712906"/>
+              <a:gd name="connsiteY3" fmla="*/ 396861 h 496255"/>
+              <a:gd name="connsiteX4" fmla="*/ 8712907 w 8712906"/>
+              <a:gd name="connsiteY4" fmla="*/ 0 h 496255"/>
+              <a:gd name="connsiteX0" fmla="*/ 0 w 8711709"/>
+              <a:gd name="connsiteY0" fmla="*/ 496255 h 496255"/>
+              <a:gd name="connsiteX1" fmla="*/ 613113 w 8711709"/>
+              <a:gd name="connsiteY1" fmla="*/ 400875 h 496255"/>
+              <a:gd name="connsiteX2" fmla="*/ 4985781 w 8711709"/>
+              <a:gd name="connsiteY2" fmla="*/ 416570 h 496255"/>
+              <a:gd name="connsiteX3" fmla="*/ 8411641 w 8711709"/>
+              <a:gd name="connsiteY3" fmla="*/ 396861 h 496255"/>
+              <a:gd name="connsiteX4" fmla="*/ 8711710 w 8711709"/>
+              <a:gd name="connsiteY4" fmla="*/ 0 h 496255"/>
+              <a:gd name="connsiteX0" fmla="*/ 0 w 8711709"/>
+              <a:gd name="connsiteY0" fmla="*/ 496255 h 496255"/>
+              <a:gd name="connsiteX1" fmla="*/ 613113 w 8711709"/>
+              <a:gd name="connsiteY1" fmla="*/ 400875 h 496255"/>
+              <a:gd name="connsiteX2" fmla="*/ 4985781 w 8711709"/>
+              <a:gd name="connsiteY2" fmla="*/ 416570 h 496255"/>
+              <a:gd name="connsiteX3" fmla="*/ 8411641 w 8711709"/>
+              <a:gd name="connsiteY3" fmla="*/ 396861 h 496255"/>
+              <a:gd name="connsiteX4" fmla="*/ 8711710 w 8711709"/>
+              <a:gd name="connsiteY4" fmla="*/ 0 h 496255"/>
+              <a:gd name="connsiteX0" fmla="*/ 0 w 8711709"/>
+              <a:gd name="connsiteY0" fmla="*/ 496255 h 496255"/>
+              <a:gd name="connsiteX1" fmla="*/ 613113 w 8711709"/>
+              <a:gd name="connsiteY1" fmla="*/ 400875 h 496255"/>
+              <a:gd name="connsiteX2" fmla="*/ 4985781 w 8711709"/>
+              <a:gd name="connsiteY2" fmla="*/ 416570 h 496255"/>
+              <a:gd name="connsiteX3" fmla="*/ 8411641 w 8711709"/>
+              <a:gd name="connsiteY3" fmla="*/ 396861 h 496255"/>
+              <a:gd name="connsiteX4" fmla="*/ 8711710 w 8711709"/>
+              <a:gd name="connsiteY4" fmla="*/ 0 h 496255"/>
+              <a:gd name="connsiteX0" fmla="*/ 21863 w 8733572"/>
+              <a:gd name="connsiteY0" fmla="*/ 496255 h 496255"/>
+              <a:gd name="connsiteX1" fmla="*/ 634976 w 8733572"/>
+              <a:gd name="connsiteY1" fmla="*/ 400875 h 496255"/>
+              <a:gd name="connsiteX2" fmla="*/ 5007644 w 8733572"/>
+              <a:gd name="connsiteY2" fmla="*/ 416570 h 496255"/>
+              <a:gd name="connsiteX3" fmla="*/ 8433504 w 8733572"/>
+              <a:gd name="connsiteY3" fmla="*/ 396861 h 496255"/>
+              <a:gd name="connsiteX4" fmla="*/ 8733573 w 8733572"/>
+              <a:gd name="connsiteY4" fmla="*/ 0 h 496255"/>
+              <a:gd name="connsiteX0" fmla="*/ 12429 w 8724138"/>
+              <a:gd name="connsiteY0" fmla="*/ 496255 h 496255"/>
+              <a:gd name="connsiteX1" fmla="*/ 625542 w 8724138"/>
+              <a:gd name="connsiteY1" fmla="*/ 400875 h 496255"/>
+              <a:gd name="connsiteX2" fmla="*/ 4998210 w 8724138"/>
+              <a:gd name="connsiteY2" fmla="*/ 416570 h 496255"/>
+              <a:gd name="connsiteX3" fmla="*/ 8424070 w 8724138"/>
+              <a:gd name="connsiteY3" fmla="*/ 396861 h 496255"/>
+              <a:gd name="connsiteX4" fmla="*/ 8724139 w 8724138"/>
+              <a:gd name="connsiteY4" fmla="*/ 0 h 496255"/>
+              <a:gd name="connsiteX0" fmla="*/ 12429 w 8724138"/>
+              <a:gd name="connsiteY0" fmla="*/ 496255 h 496255"/>
+              <a:gd name="connsiteX1" fmla="*/ 625542 w 8724138"/>
+              <a:gd name="connsiteY1" fmla="*/ 400875 h 496255"/>
+              <a:gd name="connsiteX2" fmla="*/ 4998210 w 8724138"/>
+              <a:gd name="connsiteY2" fmla="*/ 416570 h 496255"/>
+              <a:gd name="connsiteX3" fmla="*/ 8424070 w 8724138"/>
+              <a:gd name="connsiteY3" fmla="*/ 396861 h 496255"/>
+              <a:gd name="connsiteX4" fmla="*/ 8724139 w 8724138"/>
+              <a:gd name="connsiteY4" fmla="*/ 0 h 496255"/>
+              <a:gd name="connsiteX0" fmla="*/ 12429 w 8724138"/>
+              <a:gd name="connsiteY0" fmla="*/ 496255 h 496255"/>
+              <a:gd name="connsiteX1" fmla="*/ 625542 w 8724138"/>
+              <a:gd name="connsiteY1" fmla="*/ 400875 h 496255"/>
+              <a:gd name="connsiteX2" fmla="*/ 4998210 w 8724138"/>
+              <a:gd name="connsiteY2" fmla="*/ 416570 h 496255"/>
+              <a:gd name="connsiteX3" fmla="*/ 8424070 w 8724138"/>
+              <a:gd name="connsiteY3" fmla="*/ 396861 h 496255"/>
+              <a:gd name="connsiteX4" fmla="*/ 8724139 w 8724138"/>
+              <a:gd name="connsiteY4" fmla="*/ 0 h 496255"/>
+              <a:gd name="connsiteX0" fmla="*/ 12429 w 8724138"/>
+              <a:gd name="connsiteY0" fmla="*/ 496255 h 496255"/>
+              <a:gd name="connsiteX1" fmla="*/ 625542 w 8724138"/>
+              <a:gd name="connsiteY1" fmla="*/ 400875 h 496255"/>
+              <a:gd name="connsiteX2" fmla="*/ 4998210 w 8724138"/>
+              <a:gd name="connsiteY2" fmla="*/ 416570 h 496255"/>
+              <a:gd name="connsiteX3" fmla="*/ 8540826 w 8724138"/>
+              <a:gd name="connsiteY3" fmla="*/ 416937 h 496255"/>
+              <a:gd name="connsiteX4" fmla="*/ 8724139 w 8724138"/>
+              <a:gd name="connsiteY4" fmla="*/ 0 h 496255"/>
+              <a:gd name="connsiteX0" fmla="*/ 12429 w 8724138"/>
+              <a:gd name="connsiteY0" fmla="*/ 496255 h 496255"/>
+              <a:gd name="connsiteX1" fmla="*/ 625542 w 8724138"/>
+              <a:gd name="connsiteY1" fmla="*/ 400875 h 496255"/>
+              <a:gd name="connsiteX2" fmla="*/ 4998210 w 8724138"/>
+              <a:gd name="connsiteY2" fmla="*/ 416570 h 496255"/>
+              <a:gd name="connsiteX3" fmla="*/ 8540826 w 8724138"/>
+              <a:gd name="connsiteY3" fmla="*/ 416937 h 496255"/>
+              <a:gd name="connsiteX4" fmla="*/ 8724139 w 8724138"/>
+              <a:gd name="connsiteY4" fmla="*/ 0 h 496255"/>
+              <a:gd name="connsiteX0" fmla="*/ 12429 w 8724138"/>
+              <a:gd name="connsiteY0" fmla="*/ 496255 h 496255"/>
+              <a:gd name="connsiteX1" fmla="*/ 625542 w 8724138"/>
+              <a:gd name="connsiteY1" fmla="*/ 400875 h 496255"/>
+              <a:gd name="connsiteX2" fmla="*/ 4998210 w 8724138"/>
+              <a:gd name="connsiteY2" fmla="*/ 416570 h 496255"/>
+              <a:gd name="connsiteX3" fmla="*/ 8540826 w 8724138"/>
+              <a:gd name="connsiteY3" fmla="*/ 416937 h 496255"/>
+              <a:gd name="connsiteX4" fmla="*/ 8724139 w 8724138"/>
+              <a:gd name="connsiteY4" fmla="*/ 0 h 496255"/>
+              <a:gd name="connsiteX0" fmla="*/ 12429 w 8724138"/>
+              <a:gd name="connsiteY0" fmla="*/ 496255 h 496255"/>
+              <a:gd name="connsiteX1" fmla="*/ 625542 w 8724138"/>
+              <a:gd name="connsiteY1" fmla="*/ 400875 h 496255"/>
+              <a:gd name="connsiteX2" fmla="*/ 4998210 w 8724138"/>
+              <a:gd name="connsiteY2" fmla="*/ 416570 h 496255"/>
+              <a:gd name="connsiteX3" fmla="*/ 8530212 w 8724138"/>
+              <a:gd name="connsiteY3" fmla="*/ 384815 h 496255"/>
+              <a:gd name="connsiteX4" fmla="*/ 8724139 w 8724138"/>
+              <a:gd name="connsiteY4" fmla="*/ 0 h 496255"/>
+              <a:gd name="connsiteX0" fmla="*/ 12429 w 8724138"/>
+              <a:gd name="connsiteY0" fmla="*/ 496255 h 496255"/>
+              <a:gd name="connsiteX1" fmla="*/ 625542 w 8724138"/>
+              <a:gd name="connsiteY1" fmla="*/ 400875 h 496255"/>
+              <a:gd name="connsiteX2" fmla="*/ 4998210 w 8724138"/>
+              <a:gd name="connsiteY2" fmla="*/ 416570 h 496255"/>
+              <a:gd name="connsiteX3" fmla="*/ 8530212 w 8724138"/>
+              <a:gd name="connsiteY3" fmla="*/ 408906 h 496255"/>
+              <a:gd name="connsiteX4" fmla="*/ 8724139 w 8724138"/>
+              <a:gd name="connsiteY4" fmla="*/ 0 h 496255"/>
+              <a:gd name="connsiteX0" fmla="*/ 12429 w 8724138"/>
+              <a:gd name="connsiteY0" fmla="*/ 496255 h 496255"/>
+              <a:gd name="connsiteX1" fmla="*/ 625542 w 8724138"/>
+              <a:gd name="connsiteY1" fmla="*/ 400875 h 496255"/>
+              <a:gd name="connsiteX2" fmla="*/ 4998210 w 8724138"/>
+              <a:gd name="connsiteY2" fmla="*/ 416570 h 496255"/>
+              <a:gd name="connsiteX3" fmla="*/ 8530212 w 8724138"/>
+              <a:gd name="connsiteY3" fmla="*/ 408906 h 496255"/>
+              <a:gd name="connsiteX4" fmla="*/ 8724139 w 8724138"/>
+              <a:gd name="connsiteY4" fmla="*/ 0 h 496255"/>
+              <a:gd name="connsiteX0" fmla="*/ 12429 w 8724138"/>
+              <a:gd name="connsiteY0" fmla="*/ 496255 h 496255"/>
+              <a:gd name="connsiteX1" fmla="*/ 625542 w 8724138"/>
+              <a:gd name="connsiteY1" fmla="*/ 400875 h 496255"/>
+              <a:gd name="connsiteX2" fmla="*/ 4998210 w 8724138"/>
+              <a:gd name="connsiteY2" fmla="*/ 416570 h 496255"/>
+              <a:gd name="connsiteX3" fmla="*/ 8530212 w 8724138"/>
+              <a:gd name="connsiteY3" fmla="*/ 408906 h 496255"/>
+              <a:gd name="connsiteX4" fmla="*/ 8724139 w 8724138"/>
+              <a:gd name="connsiteY4" fmla="*/ 0 h 496255"/>
+              <a:gd name="connsiteX0" fmla="*/ 12429 w 8724138"/>
+              <a:gd name="connsiteY0" fmla="*/ 496255 h 496255"/>
+              <a:gd name="connsiteX1" fmla="*/ 625542 w 8724138"/>
+              <a:gd name="connsiteY1" fmla="*/ 400875 h 496255"/>
+              <a:gd name="connsiteX2" fmla="*/ 4998210 w 8724138"/>
+              <a:gd name="connsiteY2" fmla="*/ 416570 h 496255"/>
+              <a:gd name="connsiteX3" fmla="*/ 8530212 w 8724138"/>
+              <a:gd name="connsiteY3" fmla="*/ 404891 h 496255"/>
+              <a:gd name="connsiteX4" fmla="*/ 8724139 w 8724138"/>
+              <a:gd name="connsiteY4" fmla="*/ 0 h 496255"/>
+              <a:gd name="connsiteX0" fmla="*/ 12429 w 8724138"/>
+              <a:gd name="connsiteY0" fmla="*/ 496255 h 496255"/>
+              <a:gd name="connsiteX1" fmla="*/ 625542 w 8724138"/>
+              <a:gd name="connsiteY1" fmla="*/ 400875 h 496255"/>
+              <a:gd name="connsiteX2" fmla="*/ 4998210 w 8724138"/>
+              <a:gd name="connsiteY2" fmla="*/ 416570 h 496255"/>
+              <a:gd name="connsiteX3" fmla="*/ 8530212 w 8724138"/>
+              <a:gd name="connsiteY3" fmla="*/ 404891 h 496255"/>
+              <a:gd name="connsiteX4" fmla="*/ 8724139 w 8724138"/>
+              <a:gd name="connsiteY4" fmla="*/ 0 h 496255"/>
+              <a:gd name="connsiteX0" fmla="*/ 12429 w 8727581"/>
+              <a:gd name="connsiteY0" fmla="*/ 496255 h 496255"/>
+              <a:gd name="connsiteX1" fmla="*/ 625542 w 8727581"/>
+              <a:gd name="connsiteY1" fmla="*/ 400875 h 496255"/>
+              <a:gd name="connsiteX2" fmla="*/ 4998210 w 8727581"/>
+              <a:gd name="connsiteY2" fmla="*/ 416570 h 496255"/>
+              <a:gd name="connsiteX3" fmla="*/ 8530212 w 8727581"/>
+              <a:gd name="connsiteY3" fmla="*/ 404891 h 496255"/>
+              <a:gd name="connsiteX4" fmla="*/ 8724139 w 8727581"/>
+              <a:gd name="connsiteY4" fmla="*/ 0 h 496255"/>
+              <a:gd name="connsiteX0" fmla="*/ 12429 w 8724576"/>
+              <a:gd name="connsiteY0" fmla="*/ 496255 h 496255"/>
+              <a:gd name="connsiteX1" fmla="*/ 625542 w 8724576"/>
+              <a:gd name="connsiteY1" fmla="*/ 400875 h 496255"/>
+              <a:gd name="connsiteX2" fmla="*/ 4998210 w 8724576"/>
+              <a:gd name="connsiteY2" fmla="*/ 416570 h 496255"/>
+              <a:gd name="connsiteX3" fmla="*/ 8530212 w 8724576"/>
+              <a:gd name="connsiteY3" fmla="*/ 404891 h 496255"/>
+              <a:gd name="connsiteX4" fmla="*/ 8724139 w 8724576"/>
+              <a:gd name="connsiteY4" fmla="*/ 0 h 496255"/>
+              <a:gd name="connsiteX0" fmla="*/ 12429 w 8724576"/>
+              <a:gd name="connsiteY0" fmla="*/ 496255 h 496255"/>
+              <a:gd name="connsiteX1" fmla="*/ 625542 w 8724576"/>
+              <a:gd name="connsiteY1" fmla="*/ 400875 h 496255"/>
+              <a:gd name="connsiteX2" fmla="*/ 4998210 w 8724576"/>
+              <a:gd name="connsiteY2" fmla="*/ 416570 h 496255"/>
+              <a:gd name="connsiteX3" fmla="*/ 8530212 w 8724576"/>
+              <a:gd name="connsiteY3" fmla="*/ 404891 h 496255"/>
+              <a:gd name="connsiteX4" fmla="*/ 8724139 w 8724576"/>
+              <a:gd name="connsiteY4" fmla="*/ 0 h 496255"/>
+              <a:gd name="connsiteX0" fmla="*/ 12429 w 8724138"/>
+              <a:gd name="connsiteY0" fmla="*/ 496255 h 496255"/>
+              <a:gd name="connsiteX1" fmla="*/ 625542 w 8724138"/>
+              <a:gd name="connsiteY1" fmla="*/ 400875 h 496255"/>
+              <a:gd name="connsiteX2" fmla="*/ 4998210 w 8724138"/>
+              <a:gd name="connsiteY2" fmla="*/ 416570 h 496255"/>
+              <a:gd name="connsiteX3" fmla="*/ 8508984 w 8724138"/>
+              <a:gd name="connsiteY3" fmla="*/ 384815 h 496255"/>
+              <a:gd name="connsiteX4" fmla="*/ 8724139 w 8724138"/>
+              <a:gd name="connsiteY4" fmla="*/ 0 h 496255"/>
+              <a:gd name="connsiteX0" fmla="*/ 12429 w 8724138"/>
+              <a:gd name="connsiteY0" fmla="*/ 496255 h 496255"/>
+              <a:gd name="connsiteX1" fmla="*/ 625542 w 8724138"/>
+              <a:gd name="connsiteY1" fmla="*/ 400875 h 496255"/>
+              <a:gd name="connsiteX2" fmla="*/ 4998210 w 8724138"/>
+              <a:gd name="connsiteY2" fmla="*/ 416570 h 496255"/>
+              <a:gd name="connsiteX3" fmla="*/ 8508984 w 8724138"/>
+              <a:gd name="connsiteY3" fmla="*/ 384815 h 496255"/>
+              <a:gd name="connsiteX4" fmla="*/ 8724139 w 8724138"/>
+              <a:gd name="connsiteY4" fmla="*/ 0 h 496255"/>
+              <a:gd name="connsiteX0" fmla="*/ 12429 w 8724138"/>
+              <a:gd name="connsiteY0" fmla="*/ 496255 h 496255"/>
+              <a:gd name="connsiteX1" fmla="*/ 625542 w 8724138"/>
+              <a:gd name="connsiteY1" fmla="*/ 400875 h 496255"/>
+              <a:gd name="connsiteX2" fmla="*/ 4998210 w 8724138"/>
+              <a:gd name="connsiteY2" fmla="*/ 416570 h 496255"/>
+              <a:gd name="connsiteX3" fmla="*/ 8508984 w 8724138"/>
+              <a:gd name="connsiteY3" fmla="*/ 384815 h 496255"/>
+              <a:gd name="connsiteX4" fmla="*/ 8724139 w 8724138"/>
+              <a:gd name="connsiteY4" fmla="*/ 0 h 496255"/>
+              <a:gd name="connsiteX0" fmla="*/ 12429 w 8724138"/>
+              <a:gd name="connsiteY0" fmla="*/ 496255 h 496255"/>
+              <a:gd name="connsiteX1" fmla="*/ 625542 w 8724138"/>
+              <a:gd name="connsiteY1" fmla="*/ 400875 h 496255"/>
+              <a:gd name="connsiteX2" fmla="*/ 4998210 w 8724138"/>
+              <a:gd name="connsiteY2" fmla="*/ 416570 h 496255"/>
+              <a:gd name="connsiteX3" fmla="*/ 8508984 w 8724138"/>
+              <a:gd name="connsiteY3" fmla="*/ 384815 h 496255"/>
+              <a:gd name="connsiteX4" fmla="*/ 8724139 w 8724138"/>
+              <a:gd name="connsiteY4" fmla="*/ 0 h 496255"/>
+            </a:gdLst>
+            <a:ahLst/>
+            <a:cxnLst>
+              <a:cxn ang="0">
+                <a:pos x="connsiteX0" y="connsiteY0"/>
+              </a:cxn>
+              <a:cxn ang="0">
+                <a:pos x="connsiteX1" y="connsiteY1"/>
+              </a:cxn>
+              <a:cxn ang="0">
+                <a:pos x="connsiteX2" y="connsiteY2"/>
+              </a:cxn>
+              <a:cxn ang="0">
+                <a:pos x="connsiteX3" y="connsiteY3"/>
+              </a:cxn>
+              <a:cxn ang="0">
+                <a:pos x="connsiteX4" y="connsiteY4"/>
+              </a:cxn>
+            </a:cxnLst>
+            <a:rect l="l" t="t" r="r" b="b"/>
+            <a:pathLst>
+              <a:path w="8724138" h="496255">
+                <a:moveTo>
+                  <a:pt x="12429" y="496255"/>
+                </a:moveTo>
+                <a:cubicBezTo>
+                  <a:pt x="37435" y="403381"/>
+                  <a:pt x="-195672" y="400637"/>
+                  <a:pt x="625542" y="400875"/>
+                </a:cubicBezTo>
+                <a:lnTo>
+                  <a:pt x="4998210" y="416570"/>
+                </a:lnTo>
+                <a:cubicBezTo>
+                  <a:pt x="6168468" y="405985"/>
+                  <a:pt x="8124173" y="479720"/>
+                  <a:pt x="8508984" y="384815"/>
+                </a:cubicBezTo>
+                <a:cubicBezTo>
+                  <a:pt x="8733084" y="219291"/>
+                  <a:pt x="8721774" y="201591"/>
+                  <a:pt x="8724139" y="0"/>
+                </a:cubicBezTo>
+              </a:path>
+            </a:pathLst>
+          </a:custGeom>
+          <a:noFill/>
+          <a:ln w="15875">
+            <a:solidFill>
+              <a:schemeClr val="accent6"/>
+            </a:solidFill>
+            <a:headEnd type="none"/>
+            <a:tailEnd type="triangle"/>
+          </a:ln>
+        </p:spPr>
+        <p:style>
+          <a:lnRef idx="2">
+            <a:schemeClr val="accent1">
+              <a:shade val="50000"/>
+            </a:schemeClr>
+          </a:lnRef>
+          <a:fillRef idx="1">
+            <a:schemeClr val="accent1"/>
+          </a:fillRef>
+          <a:effectRef idx="0">
+            <a:schemeClr val="accent1"/>
+          </a:effectRef>
+          <a:fontRef idx="minor">
+            <a:schemeClr val="lt1"/>
+          </a:fontRef>
+        </p:style>
+        <p:txBody>
+          <a:bodyPr rtlCol="0" anchor="ctr"/>
+          <a:lstStyle/>
+          <a:p>
+            <a:pPr algn="ctr"/>
+            <a:endParaRPr lang="en-SG" dirty="0"/>
+          </a:p>
+        </p:txBody>
+      </p:sp>
+      <p:sp>
+        <p:nvSpPr>
+          <p:cNvPr id="135" name="Rectangle 134"/>
+          <p:cNvSpPr/>
+          <p:nvPr/>
+        </p:nvSpPr>
+        <p:spPr>
+          <a:xfrm>
+            <a:off x="1843020" y="2774794"/>
+            <a:ext cx="152858" cy="139268"/>
+          </a:xfrm>
+          <a:prstGeom prst="rect">
+            <a:avLst/>
+          </a:prstGeom>
+          <a:solidFill>
+            <a:srgbClr val="7030A0"/>
+          </a:solidFill>
+          <a:ln w="25400">
+            <a:solidFill>
+              <a:srgbClr val="7030A0"/>
+            </a:solidFill>
+          </a:ln>
+        </p:spPr>
+        <p:style>
+          <a:lnRef idx="2">
+            <a:schemeClr val="accent1">
+              <a:shade val="50000"/>
+            </a:schemeClr>
+          </a:lnRef>
+          <a:fillRef idx="1">
+            <a:schemeClr val="accent1"/>
+          </a:fillRef>
+          <a:effectRef idx="0">
+            <a:schemeClr val="accent1"/>
+          </a:effectRef>
+          <a:fontRef idx="minor">
+            <a:schemeClr val="lt1"/>
+          </a:fontRef>
+        </p:style>
+        <p:txBody>
+          <a:bodyPr rtlCol="0" anchor="ctr"/>
+          <a:lstStyle/>
+          <a:p>
+            <a:pPr algn="ctr"/>
+            <a:endParaRPr lang="en-SG" dirty="0">
+              <a:solidFill>
+                <a:schemeClr val="tx1"/>
+              </a:solidFill>
+            </a:endParaRPr>
+          </a:p>
+        </p:txBody>
+      </p:sp>
+      <p:sp>
+        <p:nvSpPr>
+          <p:cNvPr id="139" name="Freeform: Shape 138"/>
+          <p:cNvSpPr/>
+          <p:nvPr/>
+        </p:nvSpPr>
+        <p:spPr>
+          <a:xfrm flipH="1" flipV="1">
+            <a:off x="5887002" y="1469078"/>
+            <a:ext cx="2118025" cy="578373"/>
+          </a:xfrm>
+          <a:custGeom>
+            <a:avLst/>
+            <a:gdLst>
+              <a:gd name="connsiteX0" fmla="*/ 515673 w 1107856"/>
+              <a:gd name="connsiteY0" fmla="*/ 3884023 h 3884023"/>
+              <a:gd name="connsiteX1" fmla="*/ 19285 w 1107856"/>
+              <a:gd name="connsiteY1" fmla="*/ 1628503 h 3884023"/>
+              <a:gd name="connsiteX2" fmla="*/ 1107856 w 1107856"/>
+              <a:gd name="connsiteY2" fmla="*/ 0 h 3884023"/>
+              <a:gd name="connsiteX0" fmla="*/ 570705 w 1102638"/>
+              <a:gd name="connsiteY0" fmla="*/ 3884023 h 3884023"/>
+              <a:gd name="connsiteX1" fmla="*/ 14067 w 1102638"/>
+              <a:gd name="connsiteY1" fmla="*/ 1628503 h 3884023"/>
+              <a:gd name="connsiteX2" fmla="*/ 1102638 w 1102638"/>
+              <a:gd name="connsiteY2" fmla="*/ 0 h 3884023"/>
+              <a:gd name="connsiteX0" fmla="*/ 537488 w 1069421"/>
+              <a:gd name="connsiteY0" fmla="*/ 3884023 h 3884023"/>
+              <a:gd name="connsiteX1" fmla="*/ 15280 w 1069421"/>
+              <a:gd name="connsiteY1" fmla="*/ 1901992 h 3884023"/>
+              <a:gd name="connsiteX2" fmla="*/ 1069421 w 1069421"/>
+              <a:gd name="connsiteY2" fmla="*/ 0 h 3884023"/>
+              <a:gd name="connsiteX0" fmla="*/ 523332 w 1055265"/>
+              <a:gd name="connsiteY0" fmla="*/ 3884023 h 3884023"/>
+              <a:gd name="connsiteX1" fmla="*/ 1124 w 1055265"/>
+              <a:gd name="connsiteY1" fmla="*/ 1901992 h 3884023"/>
+              <a:gd name="connsiteX2" fmla="*/ 1055265 w 1055265"/>
+              <a:gd name="connsiteY2" fmla="*/ 0 h 3884023"/>
+              <a:gd name="connsiteX0" fmla="*/ 523332 w 1055265"/>
+              <a:gd name="connsiteY0" fmla="*/ 3884023 h 3884023"/>
+              <a:gd name="connsiteX1" fmla="*/ 1124 w 1055265"/>
+              <a:gd name="connsiteY1" fmla="*/ 1961818 h 3884023"/>
+              <a:gd name="connsiteX2" fmla="*/ 1055265 w 1055265"/>
+              <a:gd name="connsiteY2" fmla="*/ 0 h 3884023"/>
+              <a:gd name="connsiteX0" fmla="*/ 506196 w 1038129"/>
+              <a:gd name="connsiteY0" fmla="*/ 3884023 h 3884023"/>
+              <a:gd name="connsiteX1" fmla="*/ 1202 w 1038129"/>
+              <a:gd name="connsiteY1" fmla="*/ 2312225 h 3884023"/>
+              <a:gd name="connsiteX2" fmla="*/ 1038129 w 1038129"/>
+              <a:gd name="connsiteY2" fmla="*/ 0 h 3884023"/>
+              <a:gd name="connsiteX0" fmla="*/ 505018 w 1036951"/>
+              <a:gd name="connsiteY0" fmla="*/ 3884023 h 3884023"/>
+              <a:gd name="connsiteX1" fmla="*/ 24 w 1036951"/>
+              <a:gd name="connsiteY1" fmla="*/ 2312225 h 3884023"/>
+              <a:gd name="connsiteX2" fmla="*/ 1036951 w 1036951"/>
+              <a:gd name="connsiteY2" fmla="*/ 0 h 3884023"/>
+              <a:gd name="connsiteX0" fmla="*/ 632030 w 1044820"/>
+              <a:gd name="connsiteY0" fmla="*/ 3884023 h 3884023"/>
+              <a:gd name="connsiteX1" fmla="*/ 7893 w 1044820"/>
+              <a:gd name="connsiteY1" fmla="*/ 2312225 h 3884023"/>
+              <a:gd name="connsiteX2" fmla="*/ 1044820 w 1044820"/>
+              <a:gd name="connsiteY2" fmla="*/ 0 h 3884023"/>
+              <a:gd name="connsiteX0" fmla="*/ 636830 w 1049620"/>
+              <a:gd name="connsiteY0" fmla="*/ 3884023 h 3884023"/>
+              <a:gd name="connsiteX1" fmla="*/ 12693 w 1049620"/>
+              <a:gd name="connsiteY1" fmla="*/ 2312225 h 3884023"/>
+              <a:gd name="connsiteX2" fmla="*/ 1049620 w 1049620"/>
+              <a:gd name="connsiteY2" fmla="*/ 0 h 3884023"/>
+              <a:gd name="connsiteX0" fmla="*/ 617389 w 1051654"/>
+              <a:gd name="connsiteY0" fmla="*/ 3968162 h 3968162"/>
+              <a:gd name="connsiteX1" fmla="*/ 14727 w 1051654"/>
+              <a:gd name="connsiteY1" fmla="*/ 2312225 h 3968162"/>
+              <a:gd name="connsiteX2" fmla="*/ 1051654 w 1051654"/>
+              <a:gd name="connsiteY2" fmla="*/ 0 h 3968162"/>
+              <a:gd name="connsiteX0" fmla="*/ 617389 w 1051654"/>
+              <a:gd name="connsiteY0" fmla="*/ 3968162 h 3968162"/>
+              <a:gd name="connsiteX1" fmla="*/ 14727 w 1051654"/>
+              <a:gd name="connsiteY1" fmla="*/ 2312225 h 3968162"/>
+              <a:gd name="connsiteX2" fmla="*/ 1051654 w 1051654"/>
+              <a:gd name="connsiteY2" fmla="*/ 0 h 3968162"/>
+              <a:gd name="connsiteX0" fmla="*/ 602673 w 1036938"/>
+              <a:gd name="connsiteY0" fmla="*/ 3968162 h 3968162"/>
+              <a:gd name="connsiteX1" fmla="*/ 11 w 1036938"/>
+              <a:gd name="connsiteY1" fmla="*/ 2312225 h 3968162"/>
+              <a:gd name="connsiteX2" fmla="*/ 1036938 w 1036938"/>
+              <a:gd name="connsiteY2" fmla="*/ 0 h 3968162"/>
+              <a:gd name="connsiteX0" fmla="*/ 602673 w 1036938"/>
+              <a:gd name="connsiteY0" fmla="*/ 3968162 h 3968162"/>
+              <a:gd name="connsiteX1" fmla="*/ 11 w 1036938"/>
+              <a:gd name="connsiteY1" fmla="*/ 2022413 h 3968162"/>
+              <a:gd name="connsiteX2" fmla="*/ 1036938 w 1036938"/>
+              <a:gd name="connsiteY2" fmla="*/ 0 h 3968162"/>
+              <a:gd name="connsiteX0" fmla="*/ 602673 w 1036938"/>
+              <a:gd name="connsiteY0" fmla="*/ 3968162 h 3968162"/>
+              <a:gd name="connsiteX1" fmla="*/ 11 w 1036938"/>
+              <a:gd name="connsiteY1" fmla="*/ 1816739 h 3968162"/>
+              <a:gd name="connsiteX2" fmla="*/ 1036938 w 1036938"/>
+              <a:gd name="connsiteY2" fmla="*/ 0 h 3968162"/>
+              <a:gd name="connsiteX0" fmla="*/ 602673 w 1036938"/>
+              <a:gd name="connsiteY0" fmla="*/ 3968162 h 3968162"/>
+              <a:gd name="connsiteX1" fmla="*/ 11 w 1036938"/>
+              <a:gd name="connsiteY1" fmla="*/ 1910228 h 3968162"/>
+              <a:gd name="connsiteX2" fmla="*/ 1036938 w 1036938"/>
+              <a:gd name="connsiteY2" fmla="*/ 0 h 3968162"/>
+              <a:gd name="connsiteX0" fmla="*/ 606194 w 1040459"/>
+              <a:gd name="connsiteY0" fmla="*/ 3968162 h 3968162"/>
+              <a:gd name="connsiteX1" fmla="*/ 3532 w 1040459"/>
+              <a:gd name="connsiteY1" fmla="*/ 1910228 h 3968162"/>
+              <a:gd name="connsiteX2" fmla="*/ 1040459 w 1040459"/>
+              <a:gd name="connsiteY2" fmla="*/ 0 h 3968162"/>
+              <a:gd name="connsiteX0" fmla="*/ 606194 w 1040459"/>
+              <a:gd name="connsiteY0" fmla="*/ 3968162 h 3968162"/>
+              <a:gd name="connsiteX1" fmla="*/ 3532 w 1040459"/>
+              <a:gd name="connsiteY1" fmla="*/ 1910228 h 3968162"/>
+              <a:gd name="connsiteX2" fmla="*/ 1040459 w 1040459"/>
+              <a:gd name="connsiteY2" fmla="*/ 0 h 3968162"/>
+              <a:gd name="connsiteX0" fmla="*/ 608951 w 1043216"/>
+              <a:gd name="connsiteY0" fmla="*/ 3968162 h 3968162"/>
+              <a:gd name="connsiteX1" fmla="*/ 6289 w 1043216"/>
+              <a:gd name="connsiteY1" fmla="*/ 1910228 h 3968162"/>
+              <a:gd name="connsiteX2" fmla="*/ 1043216 w 1043216"/>
+              <a:gd name="connsiteY2" fmla="*/ 0 h 3968162"/>
+              <a:gd name="connsiteX0" fmla="*/ 34448 w 8833902"/>
+              <a:gd name="connsiteY0" fmla="*/ 604666 h 1914006"/>
+              <a:gd name="connsiteX1" fmla="*/ 7796975 w 8833902"/>
+              <a:gd name="connsiteY1" fmla="*/ 1910228 h 1914006"/>
+              <a:gd name="connsiteX2" fmla="*/ 8833902 w 8833902"/>
+              <a:gd name="connsiteY2" fmla="*/ 0 h 1914006"/>
+              <a:gd name="connsiteX0" fmla="*/ 47044 w 8846498"/>
+              <a:gd name="connsiteY0" fmla="*/ 604666 h 604666"/>
+              <a:gd name="connsiteX1" fmla="*/ 5851762 w 8846498"/>
+              <a:gd name="connsiteY1" fmla="*/ 394442 h 604666"/>
+              <a:gd name="connsiteX2" fmla="*/ 8846498 w 8846498"/>
+              <a:gd name="connsiteY2" fmla="*/ 0 h 604666"/>
+              <a:gd name="connsiteX0" fmla="*/ 50607 w 8850061"/>
+              <a:gd name="connsiteY0" fmla="*/ 604666 h 604666"/>
+              <a:gd name="connsiteX1" fmla="*/ 5855325 w 8850061"/>
+              <a:gd name="connsiteY1" fmla="*/ 394442 h 604666"/>
+              <a:gd name="connsiteX2" fmla="*/ 8850061 w 8850061"/>
+              <a:gd name="connsiteY2" fmla="*/ 0 h 604666"/>
+              <a:gd name="connsiteX0" fmla="*/ 50607 w 8850061"/>
+              <a:gd name="connsiteY0" fmla="*/ 604666 h 604666"/>
+              <a:gd name="connsiteX1" fmla="*/ 5855325 w 8850061"/>
+              <a:gd name="connsiteY1" fmla="*/ 394442 h 604666"/>
+              <a:gd name="connsiteX2" fmla="*/ 8850061 w 8850061"/>
+              <a:gd name="connsiteY2" fmla="*/ 0 h 604666"/>
+              <a:gd name="connsiteX0" fmla="*/ 1 w 8799455"/>
+              <a:gd name="connsiteY0" fmla="*/ 604666 h 604666"/>
+              <a:gd name="connsiteX1" fmla="*/ 5804719 w 8799455"/>
+              <a:gd name="connsiteY1" fmla="*/ 394442 h 604666"/>
+              <a:gd name="connsiteX2" fmla="*/ 8799455 w 8799455"/>
+              <a:gd name="connsiteY2" fmla="*/ 0 h 604666"/>
+              <a:gd name="connsiteX0" fmla="*/ 1 w 8711711"/>
+              <a:gd name="connsiteY0" fmla="*/ 604666 h 604666"/>
+              <a:gd name="connsiteX1" fmla="*/ 5804719 w 8711711"/>
+              <a:gd name="connsiteY1" fmla="*/ 394442 h 604666"/>
+              <a:gd name="connsiteX2" fmla="*/ 8711711 w 8711711"/>
+              <a:gd name="connsiteY2" fmla="*/ 0 h 604666"/>
+              <a:gd name="connsiteX0" fmla="*/ 1 w 8711711"/>
+              <a:gd name="connsiteY0" fmla="*/ 604666 h 604666"/>
+              <a:gd name="connsiteX1" fmla="*/ 5804719 w 8711711"/>
+              <a:gd name="connsiteY1" fmla="*/ 394442 h 604666"/>
+              <a:gd name="connsiteX2" fmla="*/ 8711711 w 8711711"/>
+              <a:gd name="connsiteY2" fmla="*/ 0 h 604666"/>
+              <a:gd name="connsiteX0" fmla="*/ 1 w 8711711"/>
+              <a:gd name="connsiteY0" fmla="*/ 604666 h 604666"/>
+              <a:gd name="connsiteX1" fmla="*/ 4927287 w 8711711"/>
+              <a:gd name="connsiteY1" fmla="*/ 316993 h 604666"/>
+              <a:gd name="connsiteX2" fmla="*/ 8711711 w 8711711"/>
+              <a:gd name="connsiteY2" fmla="*/ 0 h 604666"/>
+              <a:gd name="connsiteX0" fmla="*/ 1 w 8711711"/>
+              <a:gd name="connsiteY0" fmla="*/ 604666 h 604666"/>
+              <a:gd name="connsiteX1" fmla="*/ 1684667 w 8711711"/>
+              <a:gd name="connsiteY1" fmla="*/ 253025 h 604666"/>
+              <a:gd name="connsiteX2" fmla="*/ 4927287 w 8711711"/>
+              <a:gd name="connsiteY2" fmla="*/ 316993 h 604666"/>
+              <a:gd name="connsiteX3" fmla="*/ 8711711 w 8711711"/>
+              <a:gd name="connsiteY3" fmla="*/ 0 h 604666"/>
+              <a:gd name="connsiteX0" fmla="*/ 1 w 8711711"/>
+              <a:gd name="connsiteY0" fmla="*/ 604666 h 604666"/>
+              <a:gd name="connsiteX1" fmla="*/ 1684667 w 8711711"/>
+              <a:gd name="connsiteY1" fmla="*/ 253025 h 604666"/>
+              <a:gd name="connsiteX2" fmla="*/ 4927287 w 8711711"/>
+              <a:gd name="connsiteY2" fmla="*/ 316993 h 604666"/>
+              <a:gd name="connsiteX3" fmla="*/ 8711711 w 8711711"/>
+              <a:gd name="connsiteY3" fmla="*/ 0 h 604666"/>
+              <a:gd name="connsiteX0" fmla="*/ 1 w 8711711"/>
+              <a:gd name="connsiteY0" fmla="*/ 604666 h 604666"/>
+              <a:gd name="connsiteX1" fmla="*/ 1743162 w 8711711"/>
+              <a:gd name="connsiteY1" fmla="*/ 385795 h 604666"/>
+              <a:gd name="connsiteX2" fmla="*/ 4927287 w 8711711"/>
+              <a:gd name="connsiteY2" fmla="*/ 316993 h 604666"/>
+              <a:gd name="connsiteX3" fmla="*/ 8711711 w 8711711"/>
+              <a:gd name="connsiteY3" fmla="*/ 0 h 604666"/>
+              <a:gd name="connsiteX0" fmla="*/ 1 w 8711711"/>
+              <a:gd name="connsiteY0" fmla="*/ 604666 h 604666"/>
+              <a:gd name="connsiteX1" fmla="*/ 1509182 w 8711711"/>
+              <a:gd name="connsiteY1" fmla="*/ 363667 h 604666"/>
+              <a:gd name="connsiteX2" fmla="*/ 4927287 w 8711711"/>
+              <a:gd name="connsiteY2" fmla="*/ 316993 h 604666"/>
+              <a:gd name="connsiteX3" fmla="*/ 8711711 w 8711711"/>
+              <a:gd name="connsiteY3" fmla="*/ 0 h 604666"/>
+              <a:gd name="connsiteX0" fmla="*/ 1 w 8711711"/>
+              <a:gd name="connsiteY0" fmla="*/ 604666 h 604666"/>
+              <a:gd name="connsiteX1" fmla="*/ 1509182 w 8711711"/>
+              <a:gd name="connsiteY1" fmla="*/ 363667 h 604666"/>
+              <a:gd name="connsiteX2" fmla="*/ 4927287 w 8711711"/>
+              <a:gd name="connsiteY2" fmla="*/ 316993 h 604666"/>
+              <a:gd name="connsiteX3" fmla="*/ 8711711 w 8711711"/>
+              <a:gd name="connsiteY3" fmla="*/ 0 h 604666"/>
+              <a:gd name="connsiteX0" fmla="*/ 1 w 8711711"/>
+              <a:gd name="connsiteY0" fmla="*/ 604666 h 604666"/>
+              <a:gd name="connsiteX1" fmla="*/ 1099714 w 8711711"/>
+              <a:gd name="connsiteY1" fmla="*/ 352602 h 604666"/>
+              <a:gd name="connsiteX2" fmla="*/ 4927287 w 8711711"/>
+              <a:gd name="connsiteY2" fmla="*/ 316993 h 604666"/>
+              <a:gd name="connsiteX3" fmla="*/ 8711711 w 8711711"/>
+              <a:gd name="connsiteY3" fmla="*/ 0 h 604666"/>
+              <a:gd name="connsiteX0" fmla="*/ 1 w 8711711"/>
+              <a:gd name="connsiteY0" fmla="*/ 604666 h 604666"/>
+              <a:gd name="connsiteX1" fmla="*/ 924225 w 8711711"/>
+              <a:gd name="connsiteY1" fmla="*/ 352602 h 604666"/>
+              <a:gd name="connsiteX2" fmla="*/ 4927287 w 8711711"/>
+              <a:gd name="connsiteY2" fmla="*/ 316993 h 604666"/>
+              <a:gd name="connsiteX3" fmla="*/ 8711711 w 8711711"/>
+              <a:gd name="connsiteY3" fmla="*/ 0 h 604666"/>
+              <a:gd name="connsiteX0" fmla="*/ 1 w 8711711"/>
+              <a:gd name="connsiteY0" fmla="*/ 604666 h 604666"/>
+              <a:gd name="connsiteX1" fmla="*/ 690242 w 8711711"/>
+              <a:gd name="connsiteY1" fmla="*/ 352602 h 604666"/>
+              <a:gd name="connsiteX2" fmla="*/ 4927287 w 8711711"/>
+              <a:gd name="connsiteY2" fmla="*/ 316993 h 604666"/>
+              <a:gd name="connsiteX3" fmla="*/ 8711711 w 8711711"/>
+              <a:gd name="connsiteY3" fmla="*/ 0 h 604666"/>
+              <a:gd name="connsiteX0" fmla="*/ 1 w 8711711"/>
+              <a:gd name="connsiteY0" fmla="*/ 604666 h 604666"/>
+              <a:gd name="connsiteX1" fmla="*/ 602498 w 8711711"/>
+              <a:gd name="connsiteY1" fmla="*/ 352602 h 604666"/>
+              <a:gd name="connsiteX2" fmla="*/ 4927287 w 8711711"/>
+              <a:gd name="connsiteY2" fmla="*/ 316993 h 604666"/>
+              <a:gd name="connsiteX3" fmla="*/ 8711711 w 8711711"/>
+              <a:gd name="connsiteY3" fmla="*/ 0 h 604666"/>
+              <a:gd name="connsiteX0" fmla="*/ 1 w 8711711"/>
+              <a:gd name="connsiteY0" fmla="*/ 604666 h 604666"/>
+              <a:gd name="connsiteX1" fmla="*/ 602498 w 8711711"/>
+              <a:gd name="connsiteY1" fmla="*/ 352602 h 604666"/>
+              <a:gd name="connsiteX2" fmla="*/ 4927287 w 8711711"/>
+              <a:gd name="connsiteY2" fmla="*/ 316993 h 604666"/>
+              <a:gd name="connsiteX3" fmla="*/ 8060673 w 8711711"/>
+              <a:gd name="connsiteY3" fmla="*/ 197704 h 604666"/>
+              <a:gd name="connsiteX4" fmla="*/ 8711711 w 8711711"/>
+              <a:gd name="connsiteY4" fmla="*/ 0 h 604666"/>
+              <a:gd name="connsiteX0" fmla="*/ 1 w 8711711"/>
+              <a:gd name="connsiteY0" fmla="*/ 604666 h 604666"/>
+              <a:gd name="connsiteX1" fmla="*/ 602498 w 8711711"/>
+              <a:gd name="connsiteY1" fmla="*/ 352602 h 604666"/>
+              <a:gd name="connsiteX2" fmla="*/ 4927287 w 8711711"/>
+              <a:gd name="connsiteY2" fmla="*/ 316993 h 604666"/>
+              <a:gd name="connsiteX3" fmla="*/ 8060673 w 8711711"/>
+              <a:gd name="connsiteY3" fmla="*/ 197704 h 604666"/>
+              <a:gd name="connsiteX4" fmla="*/ 8711711 w 8711711"/>
+              <a:gd name="connsiteY4" fmla="*/ 0 h 604666"/>
+              <a:gd name="connsiteX0" fmla="*/ 1 w 8711711"/>
+              <a:gd name="connsiteY0" fmla="*/ 604666 h 604666"/>
+              <a:gd name="connsiteX1" fmla="*/ 602498 w 8711711"/>
+              <a:gd name="connsiteY1" fmla="*/ 352602 h 604666"/>
+              <a:gd name="connsiteX2" fmla="*/ 4927287 w 8711711"/>
+              <a:gd name="connsiteY2" fmla="*/ 316993 h 604666"/>
+              <a:gd name="connsiteX3" fmla="*/ 8060673 w 8711711"/>
+              <a:gd name="connsiteY3" fmla="*/ 197704 h 604666"/>
+              <a:gd name="connsiteX4" fmla="*/ 8711711 w 8711711"/>
+              <a:gd name="connsiteY4" fmla="*/ 0 h 604666"/>
+              <a:gd name="connsiteX0" fmla="*/ 1 w 8711711"/>
+              <a:gd name="connsiteY0" fmla="*/ 604666 h 604666"/>
+              <a:gd name="connsiteX1" fmla="*/ 602498 w 8711711"/>
+              <a:gd name="connsiteY1" fmla="*/ 352602 h 604666"/>
+              <a:gd name="connsiteX2" fmla="*/ 4927287 w 8711711"/>
+              <a:gd name="connsiteY2" fmla="*/ 316993 h 604666"/>
+              <a:gd name="connsiteX3" fmla="*/ 8060673 w 8711711"/>
+              <a:gd name="connsiteY3" fmla="*/ 197704 h 604666"/>
+              <a:gd name="connsiteX4" fmla="*/ 8711711 w 8711711"/>
+              <a:gd name="connsiteY4" fmla="*/ 0 h 604666"/>
+              <a:gd name="connsiteX0" fmla="*/ 1 w 8762888"/>
+              <a:gd name="connsiteY0" fmla="*/ 604666 h 604666"/>
+              <a:gd name="connsiteX1" fmla="*/ 602498 w 8762888"/>
+              <a:gd name="connsiteY1" fmla="*/ 352602 h 604666"/>
+              <a:gd name="connsiteX2" fmla="*/ 4927287 w 8762888"/>
+              <a:gd name="connsiteY2" fmla="*/ 316993 h 604666"/>
+              <a:gd name="connsiteX3" fmla="*/ 8353148 w 8762888"/>
+              <a:gd name="connsiteY3" fmla="*/ 219834 h 604666"/>
+              <a:gd name="connsiteX4" fmla="*/ 8711711 w 8762888"/>
+              <a:gd name="connsiteY4" fmla="*/ 0 h 604666"/>
+              <a:gd name="connsiteX0" fmla="*/ 1 w 8762888"/>
+              <a:gd name="connsiteY0" fmla="*/ 604666 h 604666"/>
+              <a:gd name="connsiteX1" fmla="*/ 602498 w 8762888"/>
+              <a:gd name="connsiteY1" fmla="*/ 352602 h 604666"/>
+              <a:gd name="connsiteX2" fmla="*/ 4927287 w 8762888"/>
+              <a:gd name="connsiteY2" fmla="*/ 316993 h 604666"/>
+              <a:gd name="connsiteX3" fmla="*/ 8353148 w 8762888"/>
+              <a:gd name="connsiteY3" fmla="*/ 264090 h 604666"/>
+              <a:gd name="connsiteX4" fmla="*/ 8711711 w 8762888"/>
+              <a:gd name="connsiteY4" fmla="*/ 0 h 604666"/>
+              <a:gd name="connsiteX0" fmla="*/ 1 w 8762888"/>
+              <a:gd name="connsiteY0" fmla="*/ 604666 h 604666"/>
+              <a:gd name="connsiteX1" fmla="*/ 602498 w 8762888"/>
+              <a:gd name="connsiteY1" fmla="*/ 352602 h 604666"/>
+              <a:gd name="connsiteX2" fmla="*/ 4927287 w 8762888"/>
+              <a:gd name="connsiteY2" fmla="*/ 316993 h 604666"/>
+              <a:gd name="connsiteX3" fmla="*/ 8353148 w 8762888"/>
+              <a:gd name="connsiteY3" fmla="*/ 308347 h 604666"/>
+              <a:gd name="connsiteX4" fmla="*/ 8711711 w 8762888"/>
+              <a:gd name="connsiteY4" fmla="*/ 0 h 604666"/>
+              <a:gd name="connsiteX0" fmla="*/ 1 w 8711711"/>
+              <a:gd name="connsiteY0" fmla="*/ 604666 h 604666"/>
+              <a:gd name="connsiteX1" fmla="*/ 602498 w 8711711"/>
+              <a:gd name="connsiteY1" fmla="*/ 352602 h 604666"/>
+              <a:gd name="connsiteX2" fmla="*/ 4927287 w 8711711"/>
+              <a:gd name="connsiteY2" fmla="*/ 316993 h 604666"/>
+              <a:gd name="connsiteX3" fmla="*/ 8177663 w 8711711"/>
+              <a:gd name="connsiteY3" fmla="*/ 363668 h 604666"/>
+              <a:gd name="connsiteX4" fmla="*/ 8711711 w 8711711"/>
+              <a:gd name="connsiteY4" fmla="*/ 0 h 604666"/>
+              <a:gd name="connsiteX0" fmla="*/ 1 w 8711711"/>
+              <a:gd name="connsiteY0" fmla="*/ 604666 h 604666"/>
+              <a:gd name="connsiteX1" fmla="*/ 602498 w 8711711"/>
+              <a:gd name="connsiteY1" fmla="*/ 352602 h 604666"/>
+              <a:gd name="connsiteX2" fmla="*/ 4985782 w 8711711"/>
+              <a:gd name="connsiteY2" fmla="*/ 383377 h 604666"/>
+              <a:gd name="connsiteX3" fmla="*/ 8177663 w 8711711"/>
+              <a:gd name="connsiteY3" fmla="*/ 363668 h 604666"/>
+              <a:gd name="connsiteX4" fmla="*/ 8711711 w 8711711"/>
+              <a:gd name="connsiteY4" fmla="*/ 0 h 604666"/>
+              <a:gd name="connsiteX0" fmla="*/ 1 w 8711711"/>
+              <a:gd name="connsiteY0" fmla="*/ 604666 h 604666"/>
+              <a:gd name="connsiteX1" fmla="*/ 602498 w 8711711"/>
+              <a:gd name="connsiteY1" fmla="*/ 352602 h 604666"/>
+              <a:gd name="connsiteX2" fmla="*/ 4985782 w 8711711"/>
+              <a:gd name="connsiteY2" fmla="*/ 449763 h 604666"/>
+              <a:gd name="connsiteX3" fmla="*/ 8177663 w 8711711"/>
+              <a:gd name="connsiteY3" fmla="*/ 363668 h 604666"/>
+              <a:gd name="connsiteX4" fmla="*/ 8711711 w 8711711"/>
+              <a:gd name="connsiteY4" fmla="*/ 0 h 604666"/>
+              <a:gd name="connsiteX0" fmla="*/ 1 w 8711711"/>
+              <a:gd name="connsiteY0" fmla="*/ 604666 h 604666"/>
+              <a:gd name="connsiteX1" fmla="*/ 602498 w 8711711"/>
+              <a:gd name="connsiteY1" fmla="*/ 352602 h 604666"/>
+              <a:gd name="connsiteX2" fmla="*/ 4985782 w 8711711"/>
+              <a:gd name="connsiteY2" fmla="*/ 416570 h 604666"/>
+              <a:gd name="connsiteX3" fmla="*/ 8177663 w 8711711"/>
+              <a:gd name="connsiteY3" fmla="*/ 363668 h 604666"/>
+              <a:gd name="connsiteX4" fmla="*/ 8711711 w 8711711"/>
+              <a:gd name="connsiteY4" fmla="*/ 0 h 604666"/>
+              <a:gd name="connsiteX0" fmla="*/ 1 w 8711711"/>
+              <a:gd name="connsiteY0" fmla="*/ 604666 h 604666"/>
+              <a:gd name="connsiteX1" fmla="*/ 602498 w 8711711"/>
+              <a:gd name="connsiteY1" fmla="*/ 396859 h 604666"/>
+              <a:gd name="connsiteX2" fmla="*/ 4985782 w 8711711"/>
+              <a:gd name="connsiteY2" fmla="*/ 416570 h 604666"/>
+              <a:gd name="connsiteX3" fmla="*/ 8177663 w 8711711"/>
+              <a:gd name="connsiteY3" fmla="*/ 363668 h 604666"/>
+              <a:gd name="connsiteX4" fmla="*/ 8711711 w 8711711"/>
+              <a:gd name="connsiteY4" fmla="*/ 0 h 604666"/>
+              <a:gd name="connsiteX0" fmla="*/ 1 w 8731929"/>
+              <a:gd name="connsiteY0" fmla="*/ 604666 h 604666"/>
+              <a:gd name="connsiteX1" fmla="*/ 602498 w 8731929"/>
+              <a:gd name="connsiteY1" fmla="*/ 396859 h 604666"/>
+              <a:gd name="connsiteX2" fmla="*/ 4985782 w 8731929"/>
+              <a:gd name="connsiteY2" fmla="*/ 416570 h 604666"/>
+              <a:gd name="connsiteX3" fmla="*/ 8294653 w 8731929"/>
+              <a:gd name="connsiteY3" fmla="*/ 374733 h 604666"/>
+              <a:gd name="connsiteX4" fmla="*/ 8711711 w 8731929"/>
+              <a:gd name="connsiteY4" fmla="*/ 0 h 604666"/>
+              <a:gd name="connsiteX0" fmla="*/ 1 w 8731929"/>
+              <a:gd name="connsiteY0" fmla="*/ 604666 h 604666"/>
+              <a:gd name="connsiteX1" fmla="*/ 602498 w 8731929"/>
+              <a:gd name="connsiteY1" fmla="*/ 396859 h 604666"/>
+              <a:gd name="connsiteX2" fmla="*/ 4985782 w 8731929"/>
+              <a:gd name="connsiteY2" fmla="*/ 416570 h 604666"/>
+              <a:gd name="connsiteX3" fmla="*/ 8294653 w 8731929"/>
+              <a:gd name="connsiteY3" fmla="*/ 374733 h 604666"/>
+              <a:gd name="connsiteX4" fmla="*/ 8711711 w 8731929"/>
+              <a:gd name="connsiteY4" fmla="*/ 0 h 604666"/>
+              <a:gd name="connsiteX0" fmla="*/ 1 w 8797238"/>
+              <a:gd name="connsiteY0" fmla="*/ 604666 h 604666"/>
+              <a:gd name="connsiteX1" fmla="*/ 602498 w 8797238"/>
+              <a:gd name="connsiteY1" fmla="*/ 396859 h 604666"/>
+              <a:gd name="connsiteX2" fmla="*/ 4985782 w 8797238"/>
+              <a:gd name="connsiteY2" fmla="*/ 416570 h 604666"/>
+              <a:gd name="connsiteX3" fmla="*/ 8411642 w 8797238"/>
+              <a:gd name="connsiteY3" fmla="*/ 385798 h 604666"/>
+              <a:gd name="connsiteX4" fmla="*/ 8711711 w 8797238"/>
+              <a:gd name="connsiteY4" fmla="*/ 0 h 604666"/>
+              <a:gd name="connsiteX0" fmla="*/ 1 w 8797238"/>
+              <a:gd name="connsiteY0" fmla="*/ 604666 h 604666"/>
+              <a:gd name="connsiteX1" fmla="*/ 602498 w 8797238"/>
+              <a:gd name="connsiteY1" fmla="*/ 396859 h 604666"/>
+              <a:gd name="connsiteX2" fmla="*/ 4985782 w 8797238"/>
+              <a:gd name="connsiteY2" fmla="*/ 416570 h 604666"/>
+              <a:gd name="connsiteX3" fmla="*/ 8411642 w 8797238"/>
+              <a:gd name="connsiteY3" fmla="*/ 385798 h 604666"/>
+              <a:gd name="connsiteX4" fmla="*/ 8711711 w 8797238"/>
+              <a:gd name="connsiteY4" fmla="*/ 0 h 604666"/>
+              <a:gd name="connsiteX0" fmla="*/ 1 w 8797238"/>
+              <a:gd name="connsiteY0" fmla="*/ 604666 h 604666"/>
+              <a:gd name="connsiteX1" fmla="*/ 602498 w 8797238"/>
+              <a:gd name="connsiteY1" fmla="*/ 396859 h 604666"/>
+              <a:gd name="connsiteX2" fmla="*/ 4985782 w 8797238"/>
+              <a:gd name="connsiteY2" fmla="*/ 416570 h 604666"/>
+              <a:gd name="connsiteX3" fmla="*/ 8411642 w 8797238"/>
+              <a:gd name="connsiteY3" fmla="*/ 396861 h 604666"/>
+              <a:gd name="connsiteX4" fmla="*/ 8711711 w 8797238"/>
+              <a:gd name="connsiteY4" fmla="*/ 0 h 604666"/>
+              <a:gd name="connsiteX0" fmla="*/ 1 w 8797238"/>
+              <a:gd name="connsiteY0" fmla="*/ 604666 h 604666"/>
+              <a:gd name="connsiteX1" fmla="*/ 602498 w 8797238"/>
+              <a:gd name="connsiteY1" fmla="*/ 396859 h 604666"/>
+              <a:gd name="connsiteX2" fmla="*/ 4985782 w 8797238"/>
+              <a:gd name="connsiteY2" fmla="*/ 416570 h 604666"/>
+              <a:gd name="connsiteX3" fmla="*/ 8411642 w 8797238"/>
+              <a:gd name="connsiteY3" fmla="*/ 396861 h 604666"/>
+              <a:gd name="connsiteX4" fmla="*/ 8711711 w 8797238"/>
+              <a:gd name="connsiteY4" fmla="*/ 0 h 604666"/>
+              <a:gd name="connsiteX0" fmla="*/ 1 w 8711710"/>
+              <a:gd name="connsiteY0" fmla="*/ 604666 h 604666"/>
+              <a:gd name="connsiteX1" fmla="*/ 602498 w 8711710"/>
+              <a:gd name="connsiteY1" fmla="*/ 396859 h 604666"/>
+              <a:gd name="connsiteX2" fmla="*/ 4985782 w 8711710"/>
+              <a:gd name="connsiteY2" fmla="*/ 416570 h 604666"/>
+              <a:gd name="connsiteX3" fmla="*/ 8411642 w 8711710"/>
+              <a:gd name="connsiteY3" fmla="*/ 396861 h 604666"/>
+              <a:gd name="connsiteX4" fmla="*/ 8711711 w 8711710"/>
+              <a:gd name="connsiteY4" fmla="*/ 0 h 604666"/>
+              <a:gd name="connsiteX0" fmla="*/ 1197 w 8712906"/>
+              <a:gd name="connsiteY0" fmla="*/ 604666 h 604666"/>
+              <a:gd name="connsiteX1" fmla="*/ 603694 w 8712906"/>
+              <a:gd name="connsiteY1" fmla="*/ 396859 h 604666"/>
+              <a:gd name="connsiteX2" fmla="*/ 4986978 w 8712906"/>
+              <a:gd name="connsiteY2" fmla="*/ 416570 h 604666"/>
+              <a:gd name="connsiteX3" fmla="*/ 8412838 w 8712906"/>
+              <a:gd name="connsiteY3" fmla="*/ 396861 h 604666"/>
+              <a:gd name="connsiteX4" fmla="*/ 8712907 w 8712906"/>
+              <a:gd name="connsiteY4" fmla="*/ 0 h 604666"/>
+              <a:gd name="connsiteX0" fmla="*/ 1197 w 8712906"/>
+              <a:gd name="connsiteY0" fmla="*/ 496255 h 496255"/>
+              <a:gd name="connsiteX1" fmla="*/ 603694 w 8712906"/>
+              <a:gd name="connsiteY1" fmla="*/ 396859 h 496255"/>
+              <a:gd name="connsiteX2" fmla="*/ 4986978 w 8712906"/>
+              <a:gd name="connsiteY2" fmla="*/ 416570 h 496255"/>
+              <a:gd name="connsiteX3" fmla="*/ 8412838 w 8712906"/>
+              <a:gd name="connsiteY3" fmla="*/ 396861 h 496255"/>
+              <a:gd name="connsiteX4" fmla="*/ 8712907 w 8712906"/>
+              <a:gd name="connsiteY4" fmla="*/ 0 h 496255"/>
+              <a:gd name="connsiteX0" fmla="*/ 0 w 8711709"/>
+              <a:gd name="connsiteY0" fmla="*/ 496255 h 496255"/>
+              <a:gd name="connsiteX1" fmla="*/ 613113 w 8711709"/>
+              <a:gd name="connsiteY1" fmla="*/ 400875 h 496255"/>
+              <a:gd name="connsiteX2" fmla="*/ 4985781 w 8711709"/>
+              <a:gd name="connsiteY2" fmla="*/ 416570 h 496255"/>
+              <a:gd name="connsiteX3" fmla="*/ 8411641 w 8711709"/>
+              <a:gd name="connsiteY3" fmla="*/ 396861 h 496255"/>
+              <a:gd name="connsiteX4" fmla="*/ 8711710 w 8711709"/>
+              <a:gd name="connsiteY4" fmla="*/ 0 h 496255"/>
+              <a:gd name="connsiteX0" fmla="*/ 0 w 8711709"/>
+              <a:gd name="connsiteY0" fmla="*/ 496255 h 496255"/>
+              <a:gd name="connsiteX1" fmla="*/ 613113 w 8711709"/>
+              <a:gd name="connsiteY1" fmla="*/ 400875 h 496255"/>
+              <a:gd name="connsiteX2" fmla="*/ 4985781 w 8711709"/>
+              <a:gd name="connsiteY2" fmla="*/ 416570 h 496255"/>
+              <a:gd name="connsiteX3" fmla="*/ 8411641 w 8711709"/>
+              <a:gd name="connsiteY3" fmla="*/ 396861 h 496255"/>
+              <a:gd name="connsiteX4" fmla="*/ 8711710 w 8711709"/>
+              <a:gd name="connsiteY4" fmla="*/ 0 h 496255"/>
+              <a:gd name="connsiteX0" fmla="*/ 0 w 8711709"/>
+              <a:gd name="connsiteY0" fmla="*/ 496255 h 496255"/>
+              <a:gd name="connsiteX1" fmla="*/ 613113 w 8711709"/>
+              <a:gd name="connsiteY1" fmla="*/ 400875 h 496255"/>
+              <a:gd name="connsiteX2" fmla="*/ 4985781 w 8711709"/>
+              <a:gd name="connsiteY2" fmla="*/ 416570 h 496255"/>
+              <a:gd name="connsiteX3" fmla="*/ 8411641 w 8711709"/>
+              <a:gd name="connsiteY3" fmla="*/ 396861 h 496255"/>
+              <a:gd name="connsiteX4" fmla="*/ 8711710 w 8711709"/>
+              <a:gd name="connsiteY4" fmla="*/ 0 h 496255"/>
+              <a:gd name="connsiteX0" fmla="*/ 21863 w 8733572"/>
+              <a:gd name="connsiteY0" fmla="*/ 496255 h 496255"/>
+              <a:gd name="connsiteX1" fmla="*/ 634976 w 8733572"/>
+              <a:gd name="connsiteY1" fmla="*/ 400875 h 496255"/>
+              <a:gd name="connsiteX2" fmla="*/ 5007644 w 8733572"/>
+              <a:gd name="connsiteY2" fmla="*/ 416570 h 496255"/>
+              <a:gd name="connsiteX3" fmla="*/ 8433504 w 8733572"/>
+              <a:gd name="connsiteY3" fmla="*/ 396861 h 496255"/>
+              <a:gd name="connsiteX4" fmla="*/ 8733573 w 8733572"/>
+              <a:gd name="connsiteY4" fmla="*/ 0 h 496255"/>
+              <a:gd name="connsiteX0" fmla="*/ 12429 w 8724138"/>
+              <a:gd name="connsiteY0" fmla="*/ 496255 h 496255"/>
+              <a:gd name="connsiteX1" fmla="*/ 625542 w 8724138"/>
+              <a:gd name="connsiteY1" fmla="*/ 400875 h 496255"/>
+              <a:gd name="connsiteX2" fmla="*/ 4998210 w 8724138"/>
+              <a:gd name="connsiteY2" fmla="*/ 416570 h 496255"/>
+              <a:gd name="connsiteX3" fmla="*/ 8424070 w 8724138"/>
+              <a:gd name="connsiteY3" fmla="*/ 396861 h 496255"/>
+              <a:gd name="connsiteX4" fmla="*/ 8724139 w 8724138"/>
+              <a:gd name="connsiteY4" fmla="*/ 0 h 496255"/>
+              <a:gd name="connsiteX0" fmla="*/ 12429 w 8724138"/>
+              <a:gd name="connsiteY0" fmla="*/ 496255 h 496255"/>
+              <a:gd name="connsiteX1" fmla="*/ 625542 w 8724138"/>
+              <a:gd name="connsiteY1" fmla="*/ 400875 h 496255"/>
+              <a:gd name="connsiteX2" fmla="*/ 4998210 w 8724138"/>
+              <a:gd name="connsiteY2" fmla="*/ 416570 h 496255"/>
+              <a:gd name="connsiteX3" fmla="*/ 8424070 w 8724138"/>
+              <a:gd name="connsiteY3" fmla="*/ 396861 h 496255"/>
+              <a:gd name="connsiteX4" fmla="*/ 8724139 w 8724138"/>
+              <a:gd name="connsiteY4" fmla="*/ 0 h 496255"/>
+              <a:gd name="connsiteX0" fmla="*/ 12429 w 8724138"/>
+              <a:gd name="connsiteY0" fmla="*/ 496255 h 496255"/>
+              <a:gd name="connsiteX1" fmla="*/ 625542 w 8724138"/>
+              <a:gd name="connsiteY1" fmla="*/ 400875 h 496255"/>
+              <a:gd name="connsiteX2" fmla="*/ 4998210 w 8724138"/>
+              <a:gd name="connsiteY2" fmla="*/ 416570 h 496255"/>
+              <a:gd name="connsiteX3" fmla="*/ 8424070 w 8724138"/>
+              <a:gd name="connsiteY3" fmla="*/ 396861 h 496255"/>
+              <a:gd name="connsiteX4" fmla="*/ 8724139 w 8724138"/>
+              <a:gd name="connsiteY4" fmla="*/ 0 h 496255"/>
+              <a:gd name="connsiteX0" fmla="*/ 12429 w 8724138"/>
+              <a:gd name="connsiteY0" fmla="*/ 496255 h 496255"/>
+              <a:gd name="connsiteX1" fmla="*/ 625542 w 8724138"/>
+              <a:gd name="connsiteY1" fmla="*/ 400875 h 496255"/>
+              <a:gd name="connsiteX2" fmla="*/ 4998210 w 8724138"/>
+              <a:gd name="connsiteY2" fmla="*/ 416570 h 496255"/>
+              <a:gd name="connsiteX3" fmla="*/ 8540826 w 8724138"/>
+              <a:gd name="connsiteY3" fmla="*/ 416937 h 496255"/>
+              <a:gd name="connsiteX4" fmla="*/ 8724139 w 8724138"/>
+              <a:gd name="connsiteY4" fmla="*/ 0 h 496255"/>
+              <a:gd name="connsiteX0" fmla="*/ 12429 w 8724138"/>
+              <a:gd name="connsiteY0" fmla="*/ 496255 h 496255"/>
+              <a:gd name="connsiteX1" fmla="*/ 625542 w 8724138"/>
+              <a:gd name="connsiteY1" fmla="*/ 400875 h 496255"/>
+              <a:gd name="connsiteX2" fmla="*/ 4998210 w 8724138"/>
+              <a:gd name="connsiteY2" fmla="*/ 416570 h 496255"/>
+              <a:gd name="connsiteX3" fmla="*/ 8540826 w 8724138"/>
+              <a:gd name="connsiteY3" fmla="*/ 416937 h 496255"/>
+              <a:gd name="connsiteX4" fmla="*/ 8724139 w 8724138"/>
+              <a:gd name="connsiteY4" fmla="*/ 0 h 496255"/>
+              <a:gd name="connsiteX0" fmla="*/ 12429 w 8724138"/>
+              <a:gd name="connsiteY0" fmla="*/ 496255 h 496255"/>
+              <a:gd name="connsiteX1" fmla="*/ 625542 w 8724138"/>
+              <a:gd name="connsiteY1" fmla="*/ 400875 h 496255"/>
+              <a:gd name="connsiteX2" fmla="*/ 4998210 w 8724138"/>
+              <a:gd name="connsiteY2" fmla="*/ 416570 h 496255"/>
+              <a:gd name="connsiteX3" fmla="*/ 8540826 w 8724138"/>
+              <a:gd name="connsiteY3" fmla="*/ 416937 h 496255"/>
+              <a:gd name="connsiteX4" fmla="*/ 8724139 w 8724138"/>
+              <a:gd name="connsiteY4" fmla="*/ 0 h 496255"/>
+              <a:gd name="connsiteX0" fmla="*/ 12429 w 8724138"/>
+              <a:gd name="connsiteY0" fmla="*/ 496255 h 496255"/>
+              <a:gd name="connsiteX1" fmla="*/ 625542 w 8724138"/>
+              <a:gd name="connsiteY1" fmla="*/ 400875 h 496255"/>
+              <a:gd name="connsiteX2" fmla="*/ 4998210 w 8724138"/>
+              <a:gd name="connsiteY2" fmla="*/ 416570 h 496255"/>
+              <a:gd name="connsiteX3" fmla="*/ 8530212 w 8724138"/>
+              <a:gd name="connsiteY3" fmla="*/ 384815 h 496255"/>
+              <a:gd name="connsiteX4" fmla="*/ 8724139 w 8724138"/>
+              <a:gd name="connsiteY4" fmla="*/ 0 h 496255"/>
+              <a:gd name="connsiteX0" fmla="*/ 12429 w 8724138"/>
+              <a:gd name="connsiteY0" fmla="*/ 496255 h 496255"/>
+              <a:gd name="connsiteX1" fmla="*/ 625542 w 8724138"/>
+              <a:gd name="connsiteY1" fmla="*/ 400875 h 496255"/>
+              <a:gd name="connsiteX2" fmla="*/ 4998210 w 8724138"/>
+              <a:gd name="connsiteY2" fmla="*/ 416570 h 496255"/>
+              <a:gd name="connsiteX3" fmla="*/ 8530212 w 8724138"/>
+              <a:gd name="connsiteY3" fmla="*/ 408906 h 496255"/>
+              <a:gd name="connsiteX4" fmla="*/ 8724139 w 8724138"/>
+              <a:gd name="connsiteY4" fmla="*/ 0 h 496255"/>
+              <a:gd name="connsiteX0" fmla="*/ 12429 w 8724138"/>
+              <a:gd name="connsiteY0" fmla="*/ 496255 h 496255"/>
+              <a:gd name="connsiteX1" fmla="*/ 625542 w 8724138"/>
+              <a:gd name="connsiteY1" fmla="*/ 400875 h 496255"/>
+              <a:gd name="connsiteX2" fmla="*/ 4998210 w 8724138"/>
+              <a:gd name="connsiteY2" fmla="*/ 416570 h 496255"/>
+              <a:gd name="connsiteX3" fmla="*/ 8530212 w 8724138"/>
+              <a:gd name="connsiteY3" fmla="*/ 408906 h 496255"/>
+              <a:gd name="connsiteX4" fmla="*/ 8724139 w 8724138"/>
+              <a:gd name="connsiteY4" fmla="*/ 0 h 496255"/>
+              <a:gd name="connsiteX0" fmla="*/ 12429 w 8724138"/>
+              <a:gd name="connsiteY0" fmla="*/ 496255 h 496255"/>
+              <a:gd name="connsiteX1" fmla="*/ 625542 w 8724138"/>
+              <a:gd name="connsiteY1" fmla="*/ 400875 h 496255"/>
+              <a:gd name="connsiteX2" fmla="*/ 4998210 w 8724138"/>
+              <a:gd name="connsiteY2" fmla="*/ 416570 h 496255"/>
+              <a:gd name="connsiteX3" fmla="*/ 8530212 w 8724138"/>
+              <a:gd name="connsiteY3" fmla="*/ 408906 h 496255"/>
+              <a:gd name="connsiteX4" fmla="*/ 8724139 w 8724138"/>
+              <a:gd name="connsiteY4" fmla="*/ 0 h 496255"/>
+              <a:gd name="connsiteX0" fmla="*/ 12429 w 8724138"/>
+              <a:gd name="connsiteY0" fmla="*/ 496255 h 496255"/>
+              <a:gd name="connsiteX1" fmla="*/ 625542 w 8724138"/>
+              <a:gd name="connsiteY1" fmla="*/ 400875 h 496255"/>
+              <a:gd name="connsiteX2" fmla="*/ 4998210 w 8724138"/>
+              <a:gd name="connsiteY2" fmla="*/ 416570 h 496255"/>
+              <a:gd name="connsiteX3" fmla="*/ 8530212 w 8724138"/>
+              <a:gd name="connsiteY3" fmla="*/ 404891 h 496255"/>
+              <a:gd name="connsiteX4" fmla="*/ 8724139 w 8724138"/>
+              <a:gd name="connsiteY4" fmla="*/ 0 h 496255"/>
+              <a:gd name="connsiteX0" fmla="*/ 12429 w 8724138"/>
+              <a:gd name="connsiteY0" fmla="*/ 496255 h 496255"/>
+              <a:gd name="connsiteX1" fmla="*/ 625542 w 8724138"/>
+              <a:gd name="connsiteY1" fmla="*/ 400875 h 496255"/>
+              <a:gd name="connsiteX2" fmla="*/ 4998210 w 8724138"/>
+              <a:gd name="connsiteY2" fmla="*/ 416570 h 496255"/>
+              <a:gd name="connsiteX3" fmla="*/ 8530212 w 8724138"/>
+              <a:gd name="connsiteY3" fmla="*/ 404891 h 496255"/>
+              <a:gd name="connsiteX4" fmla="*/ 8724139 w 8724138"/>
+              <a:gd name="connsiteY4" fmla="*/ 0 h 496255"/>
+              <a:gd name="connsiteX0" fmla="*/ 12429 w 8727581"/>
+              <a:gd name="connsiteY0" fmla="*/ 496255 h 496255"/>
+              <a:gd name="connsiteX1" fmla="*/ 625542 w 8727581"/>
+              <a:gd name="connsiteY1" fmla="*/ 400875 h 496255"/>
+              <a:gd name="connsiteX2" fmla="*/ 4998210 w 8727581"/>
+              <a:gd name="connsiteY2" fmla="*/ 416570 h 496255"/>
+              <a:gd name="connsiteX3" fmla="*/ 8530212 w 8727581"/>
+              <a:gd name="connsiteY3" fmla="*/ 404891 h 496255"/>
+              <a:gd name="connsiteX4" fmla="*/ 8724139 w 8727581"/>
+              <a:gd name="connsiteY4" fmla="*/ 0 h 496255"/>
+              <a:gd name="connsiteX0" fmla="*/ 12429 w 8724576"/>
+              <a:gd name="connsiteY0" fmla="*/ 496255 h 496255"/>
+              <a:gd name="connsiteX1" fmla="*/ 625542 w 8724576"/>
+              <a:gd name="connsiteY1" fmla="*/ 400875 h 496255"/>
+              <a:gd name="connsiteX2" fmla="*/ 4998210 w 8724576"/>
+              <a:gd name="connsiteY2" fmla="*/ 416570 h 496255"/>
+              <a:gd name="connsiteX3" fmla="*/ 8530212 w 8724576"/>
+              <a:gd name="connsiteY3" fmla="*/ 404891 h 496255"/>
+              <a:gd name="connsiteX4" fmla="*/ 8724139 w 8724576"/>
+              <a:gd name="connsiteY4" fmla="*/ 0 h 496255"/>
+              <a:gd name="connsiteX0" fmla="*/ 12429 w 8724576"/>
+              <a:gd name="connsiteY0" fmla="*/ 496255 h 496255"/>
+              <a:gd name="connsiteX1" fmla="*/ 625542 w 8724576"/>
+              <a:gd name="connsiteY1" fmla="*/ 400875 h 496255"/>
+              <a:gd name="connsiteX2" fmla="*/ 4998210 w 8724576"/>
+              <a:gd name="connsiteY2" fmla="*/ 416570 h 496255"/>
+              <a:gd name="connsiteX3" fmla="*/ 8530212 w 8724576"/>
+              <a:gd name="connsiteY3" fmla="*/ 404891 h 496255"/>
+              <a:gd name="connsiteX4" fmla="*/ 8724139 w 8724576"/>
+              <a:gd name="connsiteY4" fmla="*/ 0 h 496255"/>
+              <a:gd name="connsiteX0" fmla="*/ 12429 w 8724138"/>
+              <a:gd name="connsiteY0" fmla="*/ 496255 h 496255"/>
+              <a:gd name="connsiteX1" fmla="*/ 625542 w 8724138"/>
+              <a:gd name="connsiteY1" fmla="*/ 400875 h 496255"/>
+              <a:gd name="connsiteX2" fmla="*/ 4998210 w 8724138"/>
+              <a:gd name="connsiteY2" fmla="*/ 416570 h 496255"/>
+              <a:gd name="connsiteX3" fmla="*/ 8508984 w 8724138"/>
+              <a:gd name="connsiteY3" fmla="*/ 384815 h 496255"/>
+              <a:gd name="connsiteX4" fmla="*/ 8724139 w 8724138"/>
+              <a:gd name="connsiteY4" fmla="*/ 0 h 496255"/>
+              <a:gd name="connsiteX0" fmla="*/ 12429 w 8724138"/>
+              <a:gd name="connsiteY0" fmla="*/ 496255 h 496255"/>
+              <a:gd name="connsiteX1" fmla="*/ 625542 w 8724138"/>
+              <a:gd name="connsiteY1" fmla="*/ 400875 h 496255"/>
+              <a:gd name="connsiteX2" fmla="*/ 4998210 w 8724138"/>
+              <a:gd name="connsiteY2" fmla="*/ 416570 h 496255"/>
+              <a:gd name="connsiteX3" fmla="*/ 8508984 w 8724138"/>
+              <a:gd name="connsiteY3" fmla="*/ 384815 h 496255"/>
+              <a:gd name="connsiteX4" fmla="*/ 8724139 w 8724138"/>
+              <a:gd name="connsiteY4" fmla="*/ 0 h 496255"/>
+              <a:gd name="connsiteX0" fmla="*/ 12429 w 8724138"/>
+              <a:gd name="connsiteY0" fmla="*/ 496255 h 496255"/>
+              <a:gd name="connsiteX1" fmla="*/ 625542 w 8724138"/>
+              <a:gd name="connsiteY1" fmla="*/ 400875 h 496255"/>
+              <a:gd name="connsiteX2" fmla="*/ 4998210 w 8724138"/>
+              <a:gd name="connsiteY2" fmla="*/ 416570 h 496255"/>
+              <a:gd name="connsiteX3" fmla="*/ 8508984 w 8724138"/>
+              <a:gd name="connsiteY3" fmla="*/ 384815 h 496255"/>
+              <a:gd name="connsiteX4" fmla="*/ 8724139 w 8724138"/>
+              <a:gd name="connsiteY4" fmla="*/ 0 h 496255"/>
+              <a:gd name="connsiteX0" fmla="*/ 12429 w 8724138"/>
+              <a:gd name="connsiteY0" fmla="*/ 496255 h 496255"/>
+              <a:gd name="connsiteX1" fmla="*/ 625542 w 8724138"/>
+              <a:gd name="connsiteY1" fmla="*/ 400875 h 496255"/>
+              <a:gd name="connsiteX2" fmla="*/ 4998210 w 8724138"/>
+              <a:gd name="connsiteY2" fmla="*/ 416570 h 496255"/>
+              <a:gd name="connsiteX3" fmla="*/ 8508984 w 8724138"/>
+              <a:gd name="connsiteY3" fmla="*/ 384815 h 496255"/>
+              <a:gd name="connsiteX4" fmla="*/ 8724139 w 8724138"/>
+              <a:gd name="connsiteY4" fmla="*/ 0 h 496255"/>
+              <a:gd name="connsiteX0" fmla="*/ 16419179 w 16419206"/>
+              <a:gd name="connsiteY0" fmla="*/ 5168 h 1135381"/>
+              <a:gd name="connsiteX1" fmla="*/ 28439 w 16419206"/>
+              <a:gd name="connsiteY1" fmla="*/ 1102312 h 1135381"/>
+              <a:gd name="connsiteX2" fmla="*/ 4401107 w 16419206"/>
+              <a:gd name="connsiteY2" fmla="*/ 1118007 h 1135381"/>
+              <a:gd name="connsiteX3" fmla="*/ 7911881 w 16419206"/>
+              <a:gd name="connsiteY3" fmla="*/ 1086252 h 1135381"/>
+              <a:gd name="connsiteX4" fmla="*/ 8127036 w 16419206"/>
+              <a:gd name="connsiteY4" fmla="*/ 701437 h 1135381"/>
+              <a:gd name="connsiteX0" fmla="*/ 12018072 w 12018072"/>
+              <a:gd name="connsiteY0" fmla="*/ -1 h 1130214"/>
+              <a:gd name="connsiteX1" fmla="*/ 0 w 12018072"/>
+              <a:gd name="connsiteY1" fmla="*/ 1112838 h 1130214"/>
+              <a:gd name="connsiteX2" fmla="*/ 3510774 w 12018072"/>
+              <a:gd name="connsiteY2" fmla="*/ 1081083 h 1130214"/>
+              <a:gd name="connsiteX3" fmla="*/ 3725929 w 12018072"/>
+              <a:gd name="connsiteY3" fmla="*/ 696268 h 1130214"/>
+              <a:gd name="connsiteX0" fmla="*/ 8507299 w 8507299"/>
+              <a:gd name="connsiteY0" fmla="*/ 0 h 1081084"/>
+              <a:gd name="connsiteX1" fmla="*/ 1 w 8507299"/>
+              <a:gd name="connsiteY1" fmla="*/ 1081084 h 1081084"/>
+              <a:gd name="connsiteX2" fmla="*/ 215156 w 8507299"/>
+              <a:gd name="connsiteY2" fmla="*/ 696269 h 1081084"/>
+              <a:gd name="connsiteX0" fmla="*/ 8292145 w 8292145"/>
+              <a:gd name="connsiteY0" fmla="*/ 0 h 696269"/>
+              <a:gd name="connsiteX1" fmla="*/ 2 w 8292145"/>
+              <a:gd name="connsiteY1" fmla="*/ 696269 h 696269"/>
+              <a:gd name="connsiteX0" fmla="*/ 8292142 w 8292142"/>
+              <a:gd name="connsiteY0" fmla="*/ 0 h 696269"/>
+              <a:gd name="connsiteX1" fmla="*/ 2363751 w 8292142"/>
+              <a:gd name="connsiteY1" fmla="*/ 157168 h 696269"/>
+              <a:gd name="connsiteX2" fmla="*/ -1 w 8292142"/>
+              <a:gd name="connsiteY2" fmla="*/ 696269 h 696269"/>
+              <a:gd name="connsiteX0" fmla="*/ 8358216 w 8358216"/>
+              <a:gd name="connsiteY0" fmla="*/ 0 h 663995"/>
+              <a:gd name="connsiteX1" fmla="*/ 2429825 w 8358216"/>
+              <a:gd name="connsiteY1" fmla="*/ 157168 h 663995"/>
+              <a:gd name="connsiteX2" fmla="*/ 0 w 8358216"/>
+              <a:gd name="connsiteY2" fmla="*/ 663995 h 663995"/>
+              <a:gd name="connsiteX0" fmla="*/ 8358216 w 8358216"/>
+              <a:gd name="connsiteY0" fmla="*/ 0 h 663995"/>
+              <a:gd name="connsiteX1" fmla="*/ 2760196 w 8358216"/>
+              <a:gd name="connsiteY1" fmla="*/ 576727 h 663995"/>
+              <a:gd name="connsiteX2" fmla="*/ 0 w 8358216"/>
+              <a:gd name="connsiteY2" fmla="*/ 663995 h 663995"/>
+              <a:gd name="connsiteX0" fmla="*/ 8358216 w 8358216"/>
+              <a:gd name="connsiteY0" fmla="*/ 0 h 653237"/>
+              <a:gd name="connsiteX1" fmla="*/ 2760196 w 8358216"/>
+              <a:gd name="connsiteY1" fmla="*/ 565969 h 653237"/>
+              <a:gd name="connsiteX2" fmla="*/ 0 w 8358216"/>
+              <a:gd name="connsiteY2" fmla="*/ 653237 h 653237"/>
+              <a:gd name="connsiteX0" fmla="*/ 8358216 w 8358216"/>
+              <a:gd name="connsiteY0" fmla="*/ 0 h 653237"/>
+              <a:gd name="connsiteX1" fmla="*/ 2760196 w 8358216"/>
+              <a:gd name="connsiteY1" fmla="*/ 565969 h 653237"/>
+              <a:gd name="connsiteX2" fmla="*/ 0 w 8358216"/>
+              <a:gd name="connsiteY2" fmla="*/ 653237 h 653237"/>
+              <a:gd name="connsiteX0" fmla="*/ 8358216 w 8358216"/>
+              <a:gd name="connsiteY0" fmla="*/ 0 h 653237"/>
+              <a:gd name="connsiteX1" fmla="*/ 2760196 w 8358216"/>
+              <a:gd name="connsiteY1" fmla="*/ 565969 h 653237"/>
+              <a:gd name="connsiteX2" fmla="*/ 0 w 8358216"/>
+              <a:gd name="connsiteY2" fmla="*/ 653237 h 653237"/>
+              <a:gd name="connsiteX0" fmla="*/ 8358216 w 8358216"/>
+              <a:gd name="connsiteY0" fmla="*/ 0 h 653237"/>
+              <a:gd name="connsiteX1" fmla="*/ 2760196 w 8358216"/>
+              <a:gd name="connsiteY1" fmla="*/ 565969 h 653237"/>
+              <a:gd name="connsiteX2" fmla="*/ 0 w 8358216"/>
+              <a:gd name="connsiteY2" fmla="*/ 653237 h 653237"/>
+            </a:gdLst>
+            <a:ahLst/>
+            <a:cxnLst>
+              <a:cxn ang="0">
+                <a:pos x="connsiteX0" y="connsiteY0"/>
+              </a:cxn>
+              <a:cxn ang="0">
+                <a:pos x="connsiteX1" y="connsiteY1"/>
+              </a:cxn>
+              <a:cxn ang="0">
+                <a:pos x="connsiteX2" y="connsiteY2"/>
+              </a:cxn>
+            </a:cxnLst>
+            <a:rect l="l" t="t" r="r" b="b"/>
+            <a:pathLst>
+              <a:path w="8358216" h="653237">
+                <a:moveTo>
+                  <a:pt x="8358216" y="0"/>
+                </a:moveTo>
+                <a:cubicBezTo>
+                  <a:pt x="8342278" y="220930"/>
+                  <a:pt x="4725314" y="484892"/>
+                  <a:pt x="2760196" y="565969"/>
+                </a:cubicBezTo>
+                <a:lnTo>
+                  <a:pt x="0" y="653237"/>
+                </a:lnTo>
+              </a:path>
+            </a:pathLst>
+          </a:custGeom>
+          <a:noFill/>
+          <a:ln w="15875">
+            <a:solidFill>
+              <a:schemeClr val="accent1"/>
+            </a:solidFill>
+            <a:headEnd type="none"/>
+            <a:tailEnd type="triangle"/>
+          </a:ln>
+        </p:spPr>
+        <p:style>
+          <a:lnRef idx="2">
+            <a:schemeClr val="accent1">
+              <a:shade val="50000"/>
+            </a:schemeClr>
+          </a:lnRef>
+          <a:fillRef idx="1">
+            <a:schemeClr val="accent1"/>
+          </a:fillRef>
+          <a:effectRef idx="0">
+            <a:schemeClr val="accent1"/>
+          </a:effectRef>
+          <a:fontRef idx="minor">
+            <a:schemeClr val="lt1"/>
+          </a:fontRef>
+        </p:style>
+        <p:txBody>
+          <a:bodyPr rtlCol="0" anchor="ctr"/>
+          <a:lstStyle/>
+          <a:p>
+            <a:pPr algn="ctr"/>
+            <a:endParaRPr lang="en-SG" dirty="0"/>
+          </a:p>
+        </p:txBody>
+      </p:sp>
+      <p:sp>
+        <p:nvSpPr>
+          <p:cNvPr id="140" name="Freeform: Shape 139"/>
+          <p:cNvSpPr/>
+          <p:nvPr/>
+        </p:nvSpPr>
+        <p:spPr>
+          <a:xfrm flipH="1">
+            <a:off x="4775245" y="1812238"/>
+            <a:ext cx="3238879" cy="1182332"/>
+          </a:xfrm>
+          <a:custGeom>
+            <a:avLst/>
+            <a:gdLst>
+              <a:gd name="connsiteX0" fmla="*/ 515673 w 1107856"/>
+              <a:gd name="connsiteY0" fmla="*/ 3884023 h 3884023"/>
+              <a:gd name="connsiteX1" fmla="*/ 19285 w 1107856"/>
+              <a:gd name="connsiteY1" fmla="*/ 1628503 h 3884023"/>
+              <a:gd name="connsiteX2" fmla="*/ 1107856 w 1107856"/>
+              <a:gd name="connsiteY2" fmla="*/ 0 h 3884023"/>
+              <a:gd name="connsiteX0" fmla="*/ 570705 w 1102638"/>
+              <a:gd name="connsiteY0" fmla="*/ 3884023 h 3884023"/>
+              <a:gd name="connsiteX1" fmla="*/ 14067 w 1102638"/>
+              <a:gd name="connsiteY1" fmla="*/ 1628503 h 3884023"/>
+              <a:gd name="connsiteX2" fmla="*/ 1102638 w 1102638"/>
+              <a:gd name="connsiteY2" fmla="*/ 0 h 3884023"/>
+              <a:gd name="connsiteX0" fmla="*/ 537488 w 1069421"/>
+              <a:gd name="connsiteY0" fmla="*/ 3884023 h 3884023"/>
+              <a:gd name="connsiteX1" fmla="*/ 15280 w 1069421"/>
+              <a:gd name="connsiteY1" fmla="*/ 1901992 h 3884023"/>
+              <a:gd name="connsiteX2" fmla="*/ 1069421 w 1069421"/>
+              <a:gd name="connsiteY2" fmla="*/ 0 h 3884023"/>
+              <a:gd name="connsiteX0" fmla="*/ 523332 w 1055265"/>
+              <a:gd name="connsiteY0" fmla="*/ 3884023 h 3884023"/>
+              <a:gd name="connsiteX1" fmla="*/ 1124 w 1055265"/>
+              <a:gd name="connsiteY1" fmla="*/ 1901992 h 3884023"/>
+              <a:gd name="connsiteX2" fmla="*/ 1055265 w 1055265"/>
+              <a:gd name="connsiteY2" fmla="*/ 0 h 3884023"/>
+              <a:gd name="connsiteX0" fmla="*/ 523332 w 1055265"/>
+              <a:gd name="connsiteY0" fmla="*/ 3884023 h 3884023"/>
+              <a:gd name="connsiteX1" fmla="*/ 1124 w 1055265"/>
+              <a:gd name="connsiteY1" fmla="*/ 1961818 h 3884023"/>
+              <a:gd name="connsiteX2" fmla="*/ 1055265 w 1055265"/>
+              <a:gd name="connsiteY2" fmla="*/ 0 h 3884023"/>
+              <a:gd name="connsiteX0" fmla="*/ 506196 w 1038129"/>
+              <a:gd name="connsiteY0" fmla="*/ 3884023 h 3884023"/>
+              <a:gd name="connsiteX1" fmla="*/ 1202 w 1038129"/>
+              <a:gd name="connsiteY1" fmla="*/ 2312225 h 3884023"/>
+              <a:gd name="connsiteX2" fmla="*/ 1038129 w 1038129"/>
+              <a:gd name="connsiteY2" fmla="*/ 0 h 3884023"/>
+              <a:gd name="connsiteX0" fmla="*/ 505018 w 1036951"/>
+              <a:gd name="connsiteY0" fmla="*/ 3884023 h 3884023"/>
+              <a:gd name="connsiteX1" fmla="*/ 24 w 1036951"/>
+              <a:gd name="connsiteY1" fmla="*/ 2312225 h 3884023"/>
+              <a:gd name="connsiteX2" fmla="*/ 1036951 w 1036951"/>
+              <a:gd name="connsiteY2" fmla="*/ 0 h 3884023"/>
+              <a:gd name="connsiteX0" fmla="*/ 632030 w 1044820"/>
+              <a:gd name="connsiteY0" fmla="*/ 3884023 h 3884023"/>
+              <a:gd name="connsiteX1" fmla="*/ 7893 w 1044820"/>
+              <a:gd name="connsiteY1" fmla="*/ 2312225 h 3884023"/>
+              <a:gd name="connsiteX2" fmla="*/ 1044820 w 1044820"/>
+              <a:gd name="connsiteY2" fmla="*/ 0 h 3884023"/>
+              <a:gd name="connsiteX0" fmla="*/ 636830 w 1049620"/>
+              <a:gd name="connsiteY0" fmla="*/ 3884023 h 3884023"/>
+              <a:gd name="connsiteX1" fmla="*/ 12693 w 1049620"/>
+              <a:gd name="connsiteY1" fmla="*/ 2312225 h 3884023"/>
+              <a:gd name="connsiteX2" fmla="*/ 1049620 w 1049620"/>
+              <a:gd name="connsiteY2" fmla="*/ 0 h 3884023"/>
+              <a:gd name="connsiteX0" fmla="*/ 617389 w 1051654"/>
+              <a:gd name="connsiteY0" fmla="*/ 3968162 h 3968162"/>
+              <a:gd name="connsiteX1" fmla="*/ 14727 w 1051654"/>
+              <a:gd name="connsiteY1" fmla="*/ 2312225 h 3968162"/>
+              <a:gd name="connsiteX2" fmla="*/ 1051654 w 1051654"/>
+              <a:gd name="connsiteY2" fmla="*/ 0 h 3968162"/>
+              <a:gd name="connsiteX0" fmla="*/ 617389 w 1051654"/>
+              <a:gd name="connsiteY0" fmla="*/ 3968162 h 3968162"/>
+              <a:gd name="connsiteX1" fmla="*/ 14727 w 1051654"/>
+              <a:gd name="connsiteY1" fmla="*/ 2312225 h 3968162"/>
+              <a:gd name="connsiteX2" fmla="*/ 1051654 w 1051654"/>
+              <a:gd name="connsiteY2" fmla="*/ 0 h 3968162"/>
+              <a:gd name="connsiteX0" fmla="*/ 602673 w 1036938"/>
+              <a:gd name="connsiteY0" fmla="*/ 3968162 h 3968162"/>
+              <a:gd name="connsiteX1" fmla="*/ 11 w 1036938"/>
+              <a:gd name="connsiteY1" fmla="*/ 2312225 h 3968162"/>
+              <a:gd name="connsiteX2" fmla="*/ 1036938 w 1036938"/>
+              <a:gd name="connsiteY2" fmla="*/ 0 h 3968162"/>
+              <a:gd name="connsiteX0" fmla="*/ 602673 w 1036938"/>
+              <a:gd name="connsiteY0" fmla="*/ 3968162 h 3968162"/>
+              <a:gd name="connsiteX1" fmla="*/ 11 w 1036938"/>
+              <a:gd name="connsiteY1" fmla="*/ 2022413 h 3968162"/>
+              <a:gd name="connsiteX2" fmla="*/ 1036938 w 1036938"/>
+              <a:gd name="connsiteY2" fmla="*/ 0 h 3968162"/>
+              <a:gd name="connsiteX0" fmla="*/ 602673 w 1036938"/>
+              <a:gd name="connsiteY0" fmla="*/ 3968162 h 3968162"/>
+              <a:gd name="connsiteX1" fmla="*/ 11 w 1036938"/>
+              <a:gd name="connsiteY1" fmla="*/ 1816739 h 3968162"/>
+              <a:gd name="connsiteX2" fmla="*/ 1036938 w 1036938"/>
+              <a:gd name="connsiteY2" fmla="*/ 0 h 3968162"/>
+              <a:gd name="connsiteX0" fmla="*/ 602673 w 1036938"/>
+              <a:gd name="connsiteY0" fmla="*/ 3968162 h 3968162"/>
+              <a:gd name="connsiteX1" fmla="*/ 11 w 1036938"/>
+              <a:gd name="connsiteY1" fmla="*/ 1910228 h 3968162"/>
+              <a:gd name="connsiteX2" fmla="*/ 1036938 w 1036938"/>
+              <a:gd name="connsiteY2" fmla="*/ 0 h 3968162"/>
+              <a:gd name="connsiteX0" fmla="*/ 606194 w 1040459"/>
+              <a:gd name="connsiteY0" fmla="*/ 3968162 h 3968162"/>
+              <a:gd name="connsiteX1" fmla="*/ 3532 w 1040459"/>
+              <a:gd name="connsiteY1" fmla="*/ 1910228 h 3968162"/>
+              <a:gd name="connsiteX2" fmla="*/ 1040459 w 1040459"/>
+              <a:gd name="connsiteY2" fmla="*/ 0 h 3968162"/>
+              <a:gd name="connsiteX0" fmla="*/ 606194 w 1040459"/>
+              <a:gd name="connsiteY0" fmla="*/ 3968162 h 3968162"/>
+              <a:gd name="connsiteX1" fmla="*/ 3532 w 1040459"/>
+              <a:gd name="connsiteY1" fmla="*/ 1910228 h 3968162"/>
+              <a:gd name="connsiteX2" fmla="*/ 1040459 w 1040459"/>
+              <a:gd name="connsiteY2" fmla="*/ 0 h 3968162"/>
+              <a:gd name="connsiteX0" fmla="*/ 608951 w 1043216"/>
+              <a:gd name="connsiteY0" fmla="*/ 3968162 h 3968162"/>
+              <a:gd name="connsiteX1" fmla="*/ 6289 w 1043216"/>
+              <a:gd name="connsiteY1" fmla="*/ 1910228 h 3968162"/>
+              <a:gd name="connsiteX2" fmla="*/ 1043216 w 1043216"/>
+              <a:gd name="connsiteY2" fmla="*/ 0 h 3968162"/>
+              <a:gd name="connsiteX0" fmla="*/ 34448 w 8833902"/>
+              <a:gd name="connsiteY0" fmla="*/ 604666 h 1914006"/>
+              <a:gd name="connsiteX1" fmla="*/ 7796975 w 8833902"/>
+              <a:gd name="connsiteY1" fmla="*/ 1910228 h 1914006"/>
+              <a:gd name="connsiteX2" fmla="*/ 8833902 w 8833902"/>
+              <a:gd name="connsiteY2" fmla="*/ 0 h 1914006"/>
+              <a:gd name="connsiteX0" fmla="*/ 47044 w 8846498"/>
+              <a:gd name="connsiteY0" fmla="*/ 604666 h 604666"/>
+              <a:gd name="connsiteX1" fmla="*/ 5851762 w 8846498"/>
+              <a:gd name="connsiteY1" fmla="*/ 394442 h 604666"/>
+              <a:gd name="connsiteX2" fmla="*/ 8846498 w 8846498"/>
+              <a:gd name="connsiteY2" fmla="*/ 0 h 604666"/>
+              <a:gd name="connsiteX0" fmla="*/ 50607 w 8850061"/>
+              <a:gd name="connsiteY0" fmla="*/ 604666 h 604666"/>
+              <a:gd name="connsiteX1" fmla="*/ 5855325 w 8850061"/>
+              <a:gd name="connsiteY1" fmla="*/ 394442 h 604666"/>
+              <a:gd name="connsiteX2" fmla="*/ 8850061 w 8850061"/>
+              <a:gd name="connsiteY2" fmla="*/ 0 h 604666"/>
+              <a:gd name="connsiteX0" fmla="*/ 50607 w 8850061"/>
+              <a:gd name="connsiteY0" fmla="*/ 604666 h 604666"/>
+              <a:gd name="connsiteX1" fmla="*/ 5855325 w 8850061"/>
+              <a:gd name="connsiteY1" fmla="*/ 394442 h 604666"/>
+              <a:gd name="connsiteX2" fmla="*/ 8850061 w 8850061"/>
+              <a:gd name="connsiteY2" fmla="*/ 0 h 604666"/>
+              <a:gd name="connsiteX0" fmla="*/ 1 w 8799455"/>
+              <a:gd name="connsiteY0" fmla="*/ 604666 h 604666"/>
+              <a:gd name="connsiteX1" fmla="*/ 5804719 w 8799455"/>
+              <a:gd name="connsiteY1" fmla="*/ 394442 h 604666"/>
+              <a:gd name="connsiteX2" fmla="*/ 8799455 w 8799455"/>
+              <a:gd name="connsiteY2" fmla="*/ 0 h 604666"/>
+              <a:gd name="connsiteX0" fmla="*/ 1 w 8711711"/>
+              <a:gd name="connsiteY0" fmla="*/ 604666 h 604666"/>
+              <a:gd name="connsiteX1" fmla="*/ 5804719 w 8711711"/>
+              <a:gd name="connsiteY1" fmla="*/ 394442 h 604666"/>
+              <a:gd name="connsiteX2" fmla="*/ 8711711 w 8711711"/>
+              <a:gd name="connsiteY2" fmla="*/ 0 h 604666"/>
+              <a:gd name="connsiteX0" fmla="*/ 1 w 8711711"/>
+              <a:gd name="connsiteY0" fmla="*/ 604666 h 604666"/>
+              <a:gd name="connsiteX1" fmla="*/ 5804719 w 8711711"/>
+              <a:gd name="connsiteY1" fmla="*/ 394442 h 604666"/>
+              <a:gd name="connsiteX2" fmla="*/ 8711711 w 8711711"/>
+              <a:gd name="connsiteY2" fmla="*/ 0 h 604666"/>
+              <a:gd name="connsiteX0" fmla="*/ 1 w 8711711"/>
+              <a:gd name="connsiteY0" fmla="*/ 604666 h 604666"/>
+              <a:gd name="connsiteX1" fmla="*/ 4927287 w 8711711"/>
+              <a:gd name="connsiteY1" fmla="*/ 316993 h 604666"/>
+              <a:gd name="connsiteX2" fmla="*/ 8711711 w 8711711"/>
+              <a:gd name="connsiteY2" fmla="*/ 0 h 604666"/>
+              <a:gd name="connsiteX0" fmla="*/ 1 w 8711711"/>
+              <a:gd name="connsiteY0" fmla="*/ 604666 h 604666"/>
+              <a:gd name="connsiteX1" fmla="*/ 1684667 w 8711711"/>
+              <a:gd name="connsiteY1" fmla="*/ 253025 h 604666"/>
+              <a:gd name="connsiteX2" fmla="*/ 4927287 w 8711711"/>
+              <a:gd name="connsiteY2" fmla="*/ 316993 h 604666"/>
+              <a:gd name="connsiteX3" fmla="*/ 8711711 w 8711711"/>
+              <a:gd name="connsiteY3" fmla="*/ 0 h 604666"/>
+              <a:gd name="connsiteX0" fmla="*/ 1 w 8711711"/>
+              <a:gd name="connsiteY0" fmla="*/ 604666 h 604666"/>
+              <a:gd name="connsiteX1" fmla="*/ 1684667 w 8711711"/>
+              <a:gd name="connsiteY1" fmla="*/ 253025 h 604666"/>
+              <a:gd name="connsiteX2" fmla="*/ 4927287 w 8711711"/>
+              <a:gd name="connsiteY2" fmla="*/ 316993 h 604666"/>
+              <a:gd name="connsiteX3" fmla="*/ 8711711 w 8711711"/>
+              <a:gd name="connsiteY3" fmla="*/ 0 h 604666"/>
+              <a:gd name="connsiteX0" fmla="*/ 1 w 8711711"/>
+              <a:gd name="connsiteY0" fmla="*/ 604666 h 604666"/>
+              <a:gd name="connsiteX1" fmla="*/ 1743162 w 8711711"/>
+              <a:gd name="connsiteY1" fmla="*/ 385795 h 604666"/>
+              <a:gd name="connsiteX2" fmla="*/ 4927287 w 8711711"/>
+              <a:gd name="connsiteY2" fmla="*/ 316993 h 604666"/>
+              <a:gd name="connsiteX3" fmla="*/ 8711711 w 8711711"/>
+              <a:gd name="connsiteY3" fmla="*/ 0 h 604666"/>
+              <a:gd name="connsiteX0" fmla="*/ 1 w 8711711"/>
+              <a:gd name="connsiteY0" fmla="*/ 604666 h 604666"/>
+              <a:gd name="connsiteX1" fmla="*/ 1509182 w 8711711"/>
+              <a:gd name="connsiteY1" fmla="*/ 363667 h 604666"/>
+              <a:gd name="connsiteX2" fmla="*/ 4927287 w 8711711"/>
+              <a:gd name="connsiteY2" fmla="*/ 316993 h 604666"/>
+              <a:gd name="connsiteX3" fmla="*/ 8711711 w 8711711"/>
+              <a:gd name="connsiteY3" fmla="*/ 0 h 604666"/>
+              <a:gd name="connsiteX0" fmla="*/ 1 w 8711711"/>
+              <a:gd name="connsiteY0" fmla="*/ 604666 h 604666"/>
+              <a:gd name="connsiteX1" fmla="*/ 1509182 w 8711711"/>
+              <a:gd name="connsiteY1" fmla="*/ 363667 h 604666"/>
+              <a:gd name="connsiteX2" fmla="*/ 4927287 w 8711711"/>
+              <a:gd name="connsiteY2" fmla="*/ 316993 h 604666"/>
+              <a:gd name="connsiteX3" fmla="*/ 8711711 w 8711711"/>
+              <a:gd name="connsiteY3" fmla="*/ 0 h 604666"/>
+              <a:gd name="connsiteX0" fmla="*/ 1 w 8711711"/>
+              <a:gd name="connsiteY0" fmla="*/ 604666 h 604666"/>
+              <a:gd name="connsiteX1" fmla="*/ 1099714 w 8711711"/>
+              <a:gd name="connsiteY1" fmla="*/ 352602 h 604666"/>
+              <a:gd name="connsiteX2" fmla="*/ 4927287 w 8711711"/>
+              <a:gd name="connsiteY2" fmla="*/ 316993 h 604666"/>
+              <a:gd name="connsiteX3" fmla="*/ 8711711 w 8711711"/>
+              <a:gd name="connsiteY3" fmla="*/ 0 h 604666"/>
+              <a:gd name="connsiteX0" fmla="*/ 1 w 8711711"/>
+              <a:gd name="connsiteY0" fmla="*/ 604666 h 604666"/>
+              <a:gd name="connsiteX1" fmla="*/ 924225 w 8711711"/>
+              <a:gd name="connsiteY1" fmla="*/ 352602 h 604666"/>
+              <a:gd name="connsiteX2" fmla="*/ 4927287 w 8711711"/>
+              <a:gd name="connsiteY2" fmla="*/ 316993 h 604666"/>
+              <a:gd name="connsiteX3" fmla="*/ 8711711 w 8711711"/>
+              <a:gd name="connsiteY3" fmla="*/ 0 h 604666"/>
+              <a:gd name="connsiteX0" fmla="*/ 1 w 8711711"/>
+              <a:gd name="connsiteY0" fmla="*/ 604666 h 604666"/>
+              <a:gd name="connsiteX1" fmla="*/ 690242 w 8711711"/>
+              <a:gd name="connsiteY1" fmla="*/ 352602 h 604666"/>
+              <a:gd name="connsiteX2" fmla="*/ 4927287 w 8711711"/>
+              <a:gd name="connsiteY2" fmla="*/ 316993 h 604666"/>
+              <a:gd name="connsiteX3" fmla="*/ 8711711 w 8711711"/>
+              <a:gd name="connsiteY3" fmla="*/ 0 h 604666"/>
+              <a:gd name="connsiteX0" fmla="*/ 1 w 8711711"/>
+              <a:gd name="connsiteY0" fmla="*/ 604666 h 604666"/>
+              <a:gd name="connsiteX1" fmla="*/ 602498 w 8711711"/>
+              <a:gd name="connsiteY1" fmla="*/ 352602 h 604666"/>
+              <a:gd name="connsiteX2" fmla="*/ 4927287 w 8711711"/>
+              <a:gd name="connsiteY2" fmla="*/ 316993 h 604666"/>
+              <a:gd name="connsiteX3" fmla="*/ 8711711 w 8711711"/>
+              <a:gd name="connsiteY3" fmla="*/ 0 h 604666"/>
+              <a:gd name="connsiteX0" fmla="*/ 1 w 8711711"/>
+              <a:gd name="connsiteY0" fmla="*/ 604666 h 604666"/>
+              <a:gd name="connsiteX1" fmla="*/ 602498 w 8711711"/>
+              <a:gd name="connsiteY1" fmla="*/ 352602 h 604666"/>
+              <a:gd name="connsiteX2" fmla="*/ 4927287 w 8711711"/>
+              <a:gd name="connsiteY2" fmla="*/ 316993 h 604666"/>
+              <a:gd name="connsiteX3" fmla="*/ 8060673 w 8711711"/>
+              <a:gd name="connsiteY3" fmla="*/ 197704 h 604666"/>
+              <a:gd name="connsiteX4" fmla="*/ 8711711 w 8711711"/>
+              <a:gd name="connsiteY4" fmla="*/ 0 h 604666"/>
+              <a:gd name="connsiteX0" fmla="*/ 1 w 8711711"/>
+              <a:gd name="connsiteY0" fmla="*/ 604666 h 604666"/>
+              <a:gd name="connsiteX1" fmla="*/ 602498 w 8711711"/>
+              <a:gd name="connsiteY1" fmla="*/ 352602 h 604666"/>
+              <a:gd name="connsiteX2" fmla="*/ 4927287 w 8711711"/>
+              <a:gd name="connsiteY2" fmla="*/ 316993 h 604666"/>
+              <a:gd name="connsiteX3" fmla="*/ 8060673 w 8711711"/>
+              <a:gd name="connsiteY3" fmla="*/ 197704 h 604666"/>
+              <a:gd name="connsiteX4" fmla="*/ 8711711 w 8711711"/>
+              <a:gd name="connsiteY4" fmla="*/ 0 h 604666"/>
+              <a:gd name="connsiteX0" fmla="*/ 1 w 8711711"/>
+              <a:gd name="connsiteY0" fmla="*/ 604666 h 604666"/>
+              <a:gd name="connsiteX1" fmla="*/ 602498 w 8711711"/>
+              <a:gd name="connsiteY1" fmla="*/ 352602 h 604666"/>
+              <a:gd name="connsiteX2" fmla="*/ 4927287 w 8711711"/>
+              <a:gd name="connsiteY2" fmla="*/ 316993 h 604666"/>
+              <a:gd name="connsiteX3" fmla="*/ 8060673 w 8711711"/>
+              <a:gd name="connsiteY3" fmla="*/ 197704 h 604666"/>
+              <a:gd name="connsiteX4" fmla="*/ 8711711 w 8711711"/>
+              <a:gd name="connsiteY4" fmla="*/ 0 h 604666"/>
+              <a:gd name="connsiteX0" fmla="*/ 1 w 8711711"/>
+              <a:gd name="connsiteY0" fmla="*/ 604666 h 604666"/>
+              <a:gd name="connsiteX1" fmla="*/ 602498 w 8711711"/>
+              <a:gd name="connsiteY1" fmla="*/ 352602 h 604666"/>
+              <a:gd name="connsiteX2" fmla="*/ 4927287 w 8711711"/>
+              <a:gd name="connsiteY2" fmla="*/ 316993 h 604666"/>
+              <a:gd name="connsiteX3" fmla="*/ 8060673 w 8711711"/>
+              <a:gd name="connsiteY3" fmla="*/ 197704 h 604666"/>
+              <a:gd name="connsiteX4" fmla="*/ 8711711 w 8711711"/>
+              <a:gd name="connsiteY4" fmla="*/ 0 h 604666"/>
+              <a:gd name="connsiteX0" fmla="*/ 1 w 8762888"/>
+              <a:gd name="connsiteY0" fmla="*/ 604666 h 604666"/>
+              <a:gd name="connsiteX1" fmla="*/ 602498 w 8762888"/>
+              <a:gd name="connsiteY1" fmla="*/ 352602 h 604666"/>
+              <a:gd name="connsiteX2" fmla="*/ 4927287 w 8762888"/>
+              <a:gd name="connsiteY2" fmla="*/ 316993 h 604666"/>
+              <a:gd name="connsiteX3" fmla="*/ 8353148 w 8762888"/>
+              <a:gd name="connsiteY3" fmla="*/ 219834 h 604666"/>
+              <a:gd name="connsiteX4" fmla="*/ 8711711 w 8762888"/>
+              <a:gd name="connsiteY4" fmla="*/ 0 h 604666"/>
+              <a:gd name="connsiteX0" fmla="*/ 1 w 8762888"/>
+              <a:gd name="connsiteY0" fmla="*/ 604666 h 604666"/>
+              <a:gd name="connsiteX1" fmla="*/ 602498 w 8762888"/>
+              <a:gd name="connsiteY1" fmla="*/ 352602 h 604666"/>
+              <a:gd name="connsiteX2" fmla="*/ 4927287 w 8762888"/>
+              <a:gd name="connsiteY2" fmla="*/ 316993 h 604666"/>
+              <a:gd name="connsiteX3" fmla="*/ 8353148 w 8762888"/>
+              <a:gd name="connsiteY3" fmla="*/ 264090 h 604666"/>
+              <a:gd name="connsiteX4" fmla="*/ 8711711 w 8762888"/>
+              <a:gd name="connsiteY4" fmla="*/ 0 h 604666"/>
+              <a:gd name="connsiteX0" fmla="*/ 1 w 8762888"/>
+              <a:gd name="connsiteY0" fmla="*/ 604666 h 604666"/>
+              <a:gd name="connsiteX1" fmla="*/ 602498 w 8762888"/>
+              <a:gd name="connsiteY1" fmla="*/ 352602 h 604666"/>
+              <a:gd name="connsiteX2" fmla="*/ 4927287 w 8762888"/>
+              <a:gd name="connsiteY2" fmla="*/ 316993 h 604666"/>
+              <a:gd name="connsiteX3" fmla="*/ 8353148 w 8762888"/>
+              <a:gd name="connsiteY3" fmla="*/ 308347 h 604666"/>
+              <a:gd name="connsiteX4" fmla="*/ 8711711 w 8762888"/>
+              <a:gd name="connsiteY4" fmla="*/ 0 h 604666"/>
+              <a:gd name="connsiteX0" fmla="*/ 1 w 8711711"/>
+              <a:gd name="connsiteY0" fmla="*/ 604666 h 604666"/>
+              <a:gd name="connsiteX1" fmla="*/ 602498 w 8711711"/>
+              <a:gd name="connsiteY1" fmla="*/ 352602 h 604666"/>
+              <a:gd name="connsiteX2" fmla="*/ 4927287 w 8711711"/>
+              <a:gd name="connsiteY2" fmla="*/ 316993 h 604666"/>
+              <a:gd name="connsiteX3" fmla="*/ 8177663 w 8711711"/>
+              <a:gd name="connsiteY3" fmla="*/ 363668 h 604666"/>
+              <a:gd name="connsiteX4" fmla="*/ 8711711 w 8711711"/>
+              <a:gd name="connsiteY4" fmla="*/ 0 h 604666"/>
+              <a:gd name="connsiteX0" fmla="*/ 1 w 8711711"/>
+              <a:gd name="connsiteY0" fmla="*/ 604666 h 604666"/>
+              <a:gd name="connsiteX1" fmla="*/ 602498 w 8711711"/>
+              <a:gd name="connsiteY1" fmla="*/ 352602 h 604666"/>
+              <a:gd name="connsiteX2" fmla="*/ 4985782 w 8711711"/>
+              <a:gd name="connsiteY2" fmla="*/ 383377 h 604666"/>
+              <a:gd name="connsiteX3" fmla="*/ 8177663 w 8711711"/>
+              <a:gd name="connsiteY3" fmla="*/ 363668 h 604666"/>
+              <a:gd name="connsiteX4" fmla="*/ 8711711 w 8711711"/>
+              <a:gd name="connsiteY4" fmla="*/ 0 h 604666"/>
+              <a:gd name="connsiteX0" fmla="*/ 1 w 8711711"/>
+              <a:gd name="connsiteY0" fmla="*/ 604666 h 604666"/>
+              <a:gd name="connsiteX1" fmla="*/ 602498 w 8711711"/>
+              <a:gd name="connsiteY1" fmla="*/ 352602 h 604666"/>
+              <a:gd name="connsiteX2" fmla="*/ 4985782 w 8711711"/>
+              <a:gd name="connsiteY2" fmla="*/ 449763 h 604666"/>
+              <a:gd name="connsiteX3" fmla="*/ 8177663 w 8711711"/>
+              <a:gd name="connsiteY3" fmla="*/ 363668 h 604666"/>
+              <a:gd name="connsiteX4" fmla="*/ 8711711 w 8711711"/>
+              <a:gd name="connsiteY4" fmla="*/ 0 h 604666"/>
+              <a:gd name="connsiteX0" fmla="*/ 1 w 8711711"/>
+              <a:gd name="connsiteY0" fmla="*/ 604666 h 604666"/>
+              <a:gd name="connsiteX1" fmla="*/ 602498 w 8711711"/>
+              <a:gd name="connsiteY1" fmla="*/ 352602 h 604666"/>
+              <a:gd name="connsiteX2" fmla="*/ 4985782 w 8711711"/>
+              <a:gd name="connsiteY2" fmla="*/ 416570 h 604666"/>
+              <a:gd name="connsiteX3" fmla="*/ 8177663 w 8711711"/>
+              <a:gd name="connsiteY3" fmla="*/ 363668 h 604666"/>
+              <a:gd name="connsiteX4" fmla="*/ 8711711 w 8711711"/>
+              <a:gd name="connsiteY4" fmla="*/ 0 h 604666"/>
+              <a:gd name="connsiteX0" fmla="*/ 1 w 8711711"/>
+              <a:gd name="connsiteY0" fmla="*/ 604666 h 604666"/>
+              <a:gd name="connsiteX1" fmla="*/ 602498 w 8711711"/>
+              <a:gd name="connsiteY1" fmla="*/ 396859 h 604666"/>
+              <a:gd name="connsiteX2" fmla="*/ 4985782 w 8711711"/>
+              <a:gd name="connsiteY2" fmla="*/ 416570 h 604666"/>
+              <a:gd name="connsiteX3" fmla="*/ 8177663 w 8711711"/>
+              <a:gd name="connsiteY3" fmla="*/ 363668 h 604666"/>
+              <a:gd name="connsiteX4" fmla="*/ 8711711 w 8711711"/>
+              <a:gd name="connsiteY4" fmla="*/ 0 h 604666"/>
+              <a:gd name="connsiteX0" fmla="*/ 1 w 8731929"/>
+              <a:gd name="connsiteY0" fmla="*/ 604666 h 604666"/>
+              <a:gd name="connsiteX1" fmla="*/ 602498 w 8731929"/>
+              <a:gd name="connsiteY1" fmla="*/ 396859 h 604666"/>
+              <a:gd name="connsiteX2" fmla="*/ 4985782 w 8731929"/>
+              <a:gd name="connsiteY2" fmla="*/ 416570 h 604666"/>
+              <a:gd name="connsiteX3" fmla="*/ 8294653 w 8731929"/>
+              <a:gd name="connsiteY3" fmla="*/ 374733 h 604666"/>
+              <a:gd name="connsiteX4" fmla="*/ 8711711 w 8731929"/>
+              <a:gd name="connsiteY4" fmla="*/ 0 h 604666"/>
+              <a:gd name="connsiteX0" fmla="*/ 1 w 8731929"/>
+              <a:gd name="connsiteY0" fmla="*/ 604666 h 604666"/>
+              <a:gd name="connsiteX1" fmla="*/ 602498 w 8731929"/>
+              <a:gd name="connsiteY1" fmla="*/ 396859 h 604666"/>
+              <a:gd name="connsiteX2" fmla="*/ 4985782 w 8731929"/>
+              <a:gd name="connsiteY2" fmla="*/ 416570 h 604666"/>
+              <a:gd name="connsiteX3" fmla="*/ 8294653 w 8731929"/>
+              <a:gd name="connsiteY3" fmla="*/ 374733 h 604666"/>
+              <a:gd name="connsiteX4" fmla="*/ 8711711 w 8731929"/>
+              <a:gd name="connsiteY4" fmla="*/ 0 h 604666"/>
+              <a:gd name="connsiteX0" fmla="*/ 1 w 8797238"/>
+              <a:gd name="connsiteY0" fmla="*/ 604666 h 604666"/>
+              <a:gd name="connsiteX1" fmla="*/ 602498 w 8797238"/>
+              <a:gd name="connsiteY1" fmla="*/ 396859 h 604666"/>
+              <a:gd name="connsiteX2" fmla="*/ 4985782 w 8797238"/>
+              <a:gd name="connsiteY2" fmla="*/ 416570 h 604666"/>
+              <a:gd name="connsiteX3" fmla="*/ 8411642 w 8797238"/>
+              <a:gd name="connsiteY3" fmla="*/ 385798 h 604666"/>
+              <a:gd name="connsiteX4" fmla="*/ 8711711 w 8797238"/>
+              <a:gd name="connsiteY4" fmla="*/ 0 h 604666"/>
+              <a:gd name="connsiteX0" fmla="*/ 1 w 8797238"/>
+              <a:gd name="connsiteY0" fmla="*/ 604666 h 604666"/>
+              <a:gd name="connsiteX1" fmla="*/ 602498 w 8797238"/>
+              <a:gd name="connsiteY1" fmla="*/ 396859 h 604666"/>
+              <a:gd name="connsiteX2" fmla="*/ 4985782 w 8797238"/>
+              <a:gd name="connsiteY2" fmla="*/ 416570 h 604666"/>
+              <a:gd name="connsiteX3" fmla="*/ 8411642 w 8797238"/>
+              <a:gd name="connsiteY3" fmla="*/ 385798 h 604666"/>
+              <a:gd name="connsiteX4" fmla="*/ 8711711 w 8797238"/>
+              <a:gd name="connsiteY4" fmla="*/ 0 h 604666"/>
+              <a:gd name="connsiteX0" fmla="*/ 1 w 8797238"/>
+              <a:gd name="connsiteY0" fmla="*/ 604666 h 604666"/>
+              <a:gd name="connsiteX1" fmla="*/ 602498 w 8797238"/>
+              <a:gd name="connsiteY1" fmla="*/ 396859 h 604666"/>
+              <a:gd name="connsiteX2" fmla="*/ 4985782 w 8797238"/>
+              <a:gd name="connsiteY2" fmla="*/ 416570 h 604666"/>
+              <a:gd name="connsiteX3" fmla="*/ 8411642 w 8797238"/>
+              <a:gd name="connsiteY3" fmla="*/ 396861 h 604666"/>
+              <a:gd name="connsiteX4" fmla="*/ 8711711 w 8797238"/>
+              <a:gd name="connsiteY4" fmla="*/ 0 h 604666"/>
+              <a:gd name="connsiteX0" fmla="*/ 1 w 8797238"/>
+              <a:gd name="connsiteY0" fmla="*/ 604666 h 604666"/>
+              <a:gd name="connsiteX1" fmla="*/ 602498 w 8797238"/>
+              <a:gd name="connsiteY1" fmla="*/ 396859 h 604666"/>
+              <a:gd name="connsiteX2" fmla="*/ 4985782 w 8797238"/>
+              <a:gd name="connsiteY2" fmla="*/ 416570 h 604666"/>
+              <a:gd name="connsiteX3" fmla="*/ 8411642 w 8797238"/>
+              <a:gd name="connsiteY3" fmla="*/ 396861 h 604666"/>
+              <a:gd name="connsiteX4" fmla="*/ 8711711 w 8797238"/>
+              <a:gd name="connsiteY4" fmla="*/ 0 h 604666"/>
+              <a:gd name="connsiteX0" fmla="*/ 1 w 8711710"/>
+              <a:gd name="connsiteY0" fmla="*/ 604666 h 604666"/>
+              <a:gd name="connsiteX1" fmla="*/ 602498 w 8711710"/>
+              <a:gd name="connsiteY1" fmla="*/ 396859 h 604666"/>
+              <a:gd name="connsiteX2" fmla="*/ 4985782 w 8711710"/>
+              <a:gd name="connsiteY2" fmla="*/ 416570 h 604666"/>
+              <a:gd name="connsiteX3" fmla="*/ 8411642 w 8711710"/>
+              <a:gd name="connsiteY3" fmla="*/ 396861 h 604666"/>
+              <a:gd name="connsiteX4" fmla="*/ 8711711 w 8711710"/>
+              <a:gd name="connsiteY4" fmla="*/ 0 h 604666"/>
+              <a:gd name="connsiteX0" fmla="*/ 1197 w 8712906"/>
+              <a:gd name="connsiteY0" fmla="*/ 604666 h 604666"/>
+              <a:gd name="connsiteX1" fmla="*/ 603694 w 8712906"/>
+              <a:gd name="connsiteY1" fmla="*/ 396859 h 604666"/>
+              <a:gd name="connsiteX2" fmla="*/ 4986978 w 8712906"/>
+              <a:gd name="connsiteY2" fmla="*/ 416570 h 604666"/>
+              <a:gd name="connsiteX3" fmla="*/ 8412838 w 8712906"/>
+              <a:gd name="connsiteY3" fmla="*/ 396861 h 604666"/>
+              <a:gd name="connsiteX4" fmla="*/ 8712907 w 8712906"/>
+              <a:gd name="connsiteY4" fmla="*/ 0 h 604666"/>
+              <a:gd name="connsiteX0" fmla="*/ 1197 w 8712906"/>
+              <a:gd name="connsiteY0" fmla="*/ 496255 h 496255"/>
+              <a:gd name="connsiteX1" fmla="*/ 603694 w 8712906"/>
+              <a:gd name="connsiteY1" fmla="*/ 396859 h 496255"/>
+              <a:gd name="connsiteX2" fmla="*/ 4986978 w 8712906"/>
+              <a:gd name="connsiteY2" fmla="*/ 416570 h 496255"/>
+              <a:gd name="connsiteX3" fmla="*/ 8412838 w 8712906"/>
+              <a:gd name="connsiteY3" fmla="*/ 396861 h 496255"/>
+              <a:gd name="connsiteX4" fmla="*/ 8712907 w 8712906"/>
+              <a:gd name="connsiteY4" fmla="*/ 0 h 496255"/>
+              <a:gd name="connsiteX0" fmla="*/ 0 w 8711709"/>
+              <a:gd name="connsiteY0" fmla="*/ 496255 h 496255"/>
+              <a:gd name="connsiteX1" fmla="*/ 613113 w 8711709"/>
+              <a:gd name="connsiteY1" fmla="*/ 400875 h 496255"/>
+              <a:gd name="connsiteX2" fmla="*/ 4985781 w 8711709"/>
+              <a:gd name="connsiteY2" fmla="*/ 416570 h 496255"/>
+              <a:gd name="connsiteX3" fmla="*/ 8411641 w 8711709"/>
+              <a:gd name="connsiteY3" fmla="*/ 396861 h 496255"/>
+              <a:gd name="connsiteX4" fmla="*/ 8711710 w 8711709"/>
+              <a:gd name="connsiteY4" fmla="*/ 0 h 496255"/>
+              <a:gd name="connsiteX0" fmla="*/ 0 w 8711709"/>
+              <a:gd name="connsiteY0" fmla="*/ 496255 h 496255"/>
+              <a:gd name="connsiteX1" fmla="*/ 613113 w 8711709"/>
+              <a:gd name="connsiteY1" fmla="*/ 400875 h 496255"/>
+              <a:gd name="connsiteX2" fmla="*/ 4985781 w 8711709"/>
+              <a:gd name="connsiteY2" fmla="*/ 416570 h 496255"/>
+              <a:gd name="connsiteX3" fmla="*/ 8411641 w 8711709"/>
+              <a:gd name="connsiteY3" fmla="*/ 396861 h 496255"/>
+              <a:gd name="connsiteX4" fmla="*/ 8711710 w 8711709"/>
+              <a:gd name="connsiteY4" fmla="*/ 0 h 496255"/>
+              <a:gd name="connsiteX0" fmla="*/ 0 w 8711709"/>
+              <a:gd name="connsiteY0" fmla="*/ 496255 h 496255"/>
+              <a:gd name="connsiteX1" fmla="*/ 613113 w 8711709"/>
+              <a:gd name="connsiteY1" fmla="*/ 400875 h 496255"/>
+              <a:gd name="connsiteX2" fmla="*/ 4985781 w 8711709"/>
+              <a:gd name="connsiteY2" fmla="*/ 416570 h 496255"/>
+              <a:gd name="connsiteX3" fmla="*/ 8411641 w 8711709"/>
+              <a:gd name="connsiteY3" fmla="*/ 396861 h 496255"/>
+              <a:gd name="connsiteX4" fmla="*/ 8711710 w 8711709"/>
+              <a:gd name="connsiteY4" fmla="*/ 0 h 496255"/>
+              <a:gd name="connsiteX0" fmla="*/ 21863 w 8733572"/>
+              <a:gd name="connsiteY0" fmla="*/ 496255 h 496255"/>
+              <a:gd name="connsiteX1" fmla="*/ 634976 w 8733572"/>
+              <a:gd name="connsiteY1" fmla="*/ 400875 h 496255"/>
+              <a:gd name="connsiteX2" fmla="*/ 5007644 w 8733572"/>
+              <a:gd name="connsiteY2" fmla="*/ 416570 h 496255"/>
+              <a:gd name="connsiteX3" fmla="*/ 8433504 w 8733572"/>
+              <a:gd name="connsiteY3" fmla="*/ 396861 h 496255"/>
+              <a:gd name="connsiteX4" fmla="*/ 8733573 w 8733572"/>
+              <a:gd name="connsiteY4" fmla="*/ 0 h 496255"/>
+              <a:gd name="connsiteX0" fmla="*/ 12429 w 8724138"/>
+              <a:gd name="connsiteY0" fmla="*/ 496255 h 496255"/>
+              <a:gd name="connsiteX1" fmla="*/ 625542 w 8724138"/>
+              <a:gd name="connsiteY1" fmla="*/ 400875 h 496255"/>
+              <a:gd name="connsiteX2" fmla="*/ 4998210 w 8724138"/>
+              <a:gd name="connsiteY2" fmla="*/ 416570 h 496255"/>
+              <a:gd name="connsiteX3" fmla="*/ 8424070 w 8724138"/>
+              <a:gd name="connsiteY3" fmla="*/ 396861 h 496255"/>
+              <a:gd name="connsiteX4" fmla="*/ 8724139 w 8724138"/>
+              <a:gd name="connsiteY4" fmla="*/ 0 h 496255"/>
+              <a:gd name="connsiteX0" fmla="*/ 12429 w 8724138"/>
+              <a:gd name="connsiteY0" fmla="*/ 496255 h 496255"/>
+              <a:gd name="connsiteX1" fmla="*/ 625542 w 8724138"/>
+              <a:gd name="connsiteY1" fmla="*/ 400875 h 496255"/>
+              <a:gd name="connsiteX2" fmla="*/ 4998210 w 8724138"/>
+              <a:gd name="connsiteY2" fmla="*/ 416570 h 496255"/>
+              <a:gd name="connsiteX3" fmla="*/ 8424070 w 8724138"/>
+              <a:gd name="connsiteY3" fmla="*/ 396861 h 496255"/>
+              <a:gd name="connsiteX4" fmla="*/ 8724139 w 8724138"/>
+              <a:gd name="connsiteY4" fmla="*/ 0 h 496255"/>
+              <a:gd name="connsiteX0" fmla="*/ 12429 w 8724138"/>
+              <a:gd name="connsiteY0" fmla="*/ 496255 h 496255"/>
+              <a:gd name="connsiteX1" fmla="*/ 625542 w 8724138"/>
+              <a:gd name="connsiteY1" fmla="*/ 400875 h 496255"/>
+              <a:gd name="connsiteX2" fmla="*/ 4998210 w 8724138"/>
+              <a:gd name="connsiteY2" fmla="*/ 416570 h 496255"/>
+              <a:gd name="connsiteX3" fmla="*/ 8424070 w 8724138"/>
+              <a:gd name="connsiteY3" fmla="*/ 396861 h 496255"/>
+              <a:gd name="connsiteX4" fmla="*/ 8724139 w 8724138"/>
+              <a:gd name="connsiteY4" fmla="*/ 0 h 496255"/>
+              <a:gd name="connsiteX0" fmla="*/ 12429 w 8724138"/>
+              <a:gd name="connsiteY0" fmla="*/ 496255 h 496255"/>
+              <a:gd name="connsiteX1" fmla="*/ 625542 w 8724138"/>
+              <a:gd name="connsiteY1" fmla="*/ 400875 h 496255"/>
+              <a:gd name="connsiteX2" fmla="*/ 4998210 w 8724138"/>
+              <a:gd name="connsiteY2" fmla="*/ 416570 h 496255"/>
+              <a:gd name="connsiteX3" fmla="*/ 8540826 w 8724138"/>
+              <a:gd name="connsiteY3" fmla="*/ 416937 h 496255"/>
+              <a:gd name="connsiteX4" fmla="*/ 8724139 w 8724138"/>
+              <a:gd name="connsiteY4" fmla="*/ 0 h 496255"/>
+              <a:gd name="connsiteX0" fmla="*/ 12429 w 8724138"/>
+              <a:gd name="connsiteY0" fmla="*/ 496255 h 496255"/>
+              <a:gd name="connsiteX1" fmla="*/ 625542 w 8724138"/>
+              <a:gd name="connsiteY1" fmla="*/ 400875 h 496255"/>
+              <a:gd name="connsiteX2" fmla="*/ 4998210 w 8724138"/>
+              <a:gd name="connsiteY2" fmla="*/ 416570 h 496255"/>
+              <a:gd name="connsiteX3" fmla="*/ 8540826 w 8724138"/>
+              <a:gd name="connsiteY3" fmla="*/ 416937 h 496255"/>
+              <a:gd name="connsiteX4" fmla="*/ 8724139 w 8724138"/>
+              <a:gd name="connsiteY4" fmla="*/ 0 h 496255"/>
+              <a:gd name="connsiteX0" fmla="*/ 12429 w 8724138"/>
+              <a:gd name="connsiteY0" fmla="*/ 496255 h 496255"/>
+              <a:gd name="connsiteX1" fmla="*/ 625542 w 8724138"/>
+              <a:gd name="connsiteY1" fmla="*/ 400875 h 496255"/>
+              <a:gd name="connsiteX2" fmla="*/ 4998210 w 8724138"/>
+              <a:gd name="connsiteY2" fmla="*/ 416570 h 496255"/>
+              <a:gd name="connsiteX3" fmla="*/ 8540826 w 8724138"/>
+              <a:gd name="connsiteY3" fmla="*/ 416937 h 496255"/>
+              <a:gd name="connsiteX4" fmla="*/ 8724139 w 8724138"/>
+              <a:gd name="connsiteY4" fmla="*/ 0 h 496255"/>
+              <a:gd name="connsiteX0" fmla="*/ 12429 w 8724138"/>
+              <a:gd name="connsiteY0" fmla="*/ 496255 h 496255"/>
+              <a:gd name="connsiteX1" fmla="*/ 625542 w 8724138"/>
+              <a:gd name="connsiteY1" fmla="*/ 400875 h 496255"/>
+              <a:gd name="connsiteX2" fmla="*/ 4998210 w 8724138"/>
+              <a:gd name="connsiteY2" fmla="*/ 416570 h 496255"/>
+              <a:gd name="connsiteX3" fmla="*/ 8530212 w 8724138"/>
+              <a:gd name="connsiteY3" fmla="*/ 384815 h 496255"/>
+              <a:gd name="connsiteX4" fmla="*/ 8724139 w 8724138"/>
+              <a:gd name="connsiteY4" fmla="*/ 0 h 496255"/>
+              <a:gd name="connsiteX0" fmla="*/ 12429 w 8724138"/>
+              <a:gd name="connsiteY0" fmla="*/ 496255 h 496255"/>
+              <a:gd name="connsiteX1" fmla="*/ 625542 w 8724138"/>
+              <a:gd name="connsiteY1" fmla="*/ 400875 h 496255"/>
+              <a:gd name="connsiteX2" fmla="*/ 4998210 w 8724138"/>
+              <a:gd name="connsiteY2" fmla="*/ 416570 h 496255"/>
+              <a:gd name="connsiteX3" fmla="*/ 8530212 w 8724138"/>
+              <a:gd name="connsiteY3" fmla="*/ 408906 h 496255"/>
+              <a:gd name="connsiteX4" fmla="*/ 8724139 w 8724138"/>
+              <a:gd name="connsiteY4" fmla="*/ 0 h 496255"/>
+              <a:gd name="connsiteX0" fmla="*/ 12429 w 8724138"/>
+              <a:gd name="connsiteY0" fmla="*/ 496255 h 496255"/>
+              <a:gd name="connsiteX1" fmla="*/ 625542 w 8724138"/>
+              <a:gd name="connsiteY1" fmla="*/ 400875 h 496255"/>
+              <a:gd name="connsiteX2" fmla="*/ 4998210 w 8724138"/>
+              <a:gd name="connsiteY2" fmla="*/ 416570 h 496255"/>
+              <a:gd name="connsiteX3" fmla="*/ 8530212 w 8724138"/>
+              <a:gd name="connsiteY3" fmla="*/ 408906 h 496255"/>
+              <a:gd name="connsiteX4" fmla="*/ 8724139 w 8724138"/>
+              <a:gd name="connsiteY4" fmla="*/ 0 h 496255"/>
+              <a:gd name="connsiteX0" fmla="*/ 12429 w 8724138"/>
+              <a:gd name="connsiteY0" fmla="*/ 496255 h 496255"/>
+              <a:gd name="connsiteX1" fmla="*/ 625542 w 8724138"/>
+              <a:gd name="connsiteY1" fmla="*/ 400875 h 496255"/>
+              <a:gd name="connsiteX2" fmla="*/ 4998210 w 8724138"/>
+              <a:gd name="connsiteY2" fmla="*/ 416570 h 496255"/>
+              <a:gd name="connsiteX3" fmla="*/ 8530212 w 8724138"/>
+              <a:gd name="connsiteY3" fmla="*/ 408906 h 496255"/>
+              <a:gd name="connsiteX4" fmla="*/ 8724139 w 8724138"/>
+              <a:gd name="connsiteY4" fmla="*/ 0 h 496255"/>
+              <a:gd name="connsiteX0" fmla="*/ 12429 w 8724138"/>
+              <a:gd name="connsiteY0" fmla="*/ 496255 h 496255"/>
+              <a:gd name="connsiteX1" fmla="*/ 625542 w 8724138"/>
+              <a:gd name="connsiteY1" fmla="*/ 400875 h 496255"/>
+              <a:gd name="connsiteX2" fmla="*/ 4998210 w 8724138"/>
+              <a:gd name="connsiteY2" fmla="*/ 416570 h 496255"/>
+              <a:gd name="connsiteX3" fmla="*/ 8530212 w 8724138"/>
+              <a:gd name="connsiteY3" fmla="*/ 404891 h 496255"/>
+              <a:gd name="connsiteX4" fmla="*/ 8724139 w 8724138"/>
+              <a:gd name="connsiteY4" fmla="*/ 0 h 496255"/>
+              <a:gd name="connsiteX0" fmla="*/ 12429 w 8724138"/>
+              <a:gd name="connsiteY0" fmla="*/ 496255 h 496255"/>
+              <a:gd name="connsiteX1" fmla="*/ 625542 w 8724138"/>
+              <a:gd name="connsiteY1" fmla="*/ 400875 h 496255"/>
+              <a:gd name="connsiteX2" fmla="*/ 4998210 w 8724138"/>
+              <a:gd name="connsiteY2" fmla="*/ 416570 h 496255"/>
+              <a:gd name="connsiteX3" fmla="*/ 8530212 w 8724138"/>
+              <a:gd name="connsiteY3" fmla="*/ 404891 h 496255"/>
+              <a:gd name="connsiteX4" fmla="*/ 8724139 w 8724138"/>
+              <a:gd name="connsiteY4" fmla="*/ 0 h 496255"/>
+              <a:gd name="connsiteX0" fmla="*/ 12429 w 8727581"/>
+              <a:gd name="connsiteY0" fmla="*/ 496255 h 496255"/>
+              <a:gd name="connsiteX1" fmla="*/ 625542 w 8727581"/>
+              <a:gd name="connsiteY1" fmla="*/ 400875 h 496255"/>
+              <a:gd name="connsiteX2" fmla="*/ 4998210 w 8727581"/>
+              <a:gd name="connsiteY2" fmla="*/ 416570 h 496255"/>
+              <a:gd name="connsiteX3" fmla="*/ 8530212 w 8727581"/>
+              <a:gd name="connsiteY3" fmla="*/ 404891 h 496255"/>
+              <a:gd name="connsiteX4" fmla="*/ 8724139 w 8727581"/>
+              <a:gd name="connsiteY4" fmla="*/ 0 h 496255"/>
+              <a:gd name="connsiteX0" fmla="*/ 12429 w 8724576"/>
+              <a:gd name="connsiteY0" fmla="*/ 496255 h 496255"/>
+              <a:gd name="connsiteX1" fmla="*/ 625542 w 8724576"/>
+              <a:gd name="connsiteY1" fmla="*/ 400875 h 496255"/>
+              <a:gd name="connsiteX2" fmla="*/ 4998210 w 8724576"/>
+              <a:gd name="connsiteY2" fmla="*/ 416570 h 496255"/>
+              <a:gd name="connsiteX3" fmla="*/ 8530212 w 8724576"/>
+              <a:gd name="connsiteY3" fmla="*/ 404891 h 496255"/>
+              <a:gd name="connsiteX4" fmla="*/ 8724139 w 8724576"/>
+              <a:gd name="connsiteY4" fmla="*/ 0 h 496255"/>
+              <a:gd name="connsiteX0" fmla="*/ 12429 w 8724576"/>
+              <a:gd name="connsiteY0" fmla="*/ 496255 h 496255"/>
+              <a:gd name="connsiteX1" fmla="*/ 625542 w 8724576"/>
+              <a:gd name="connsiteY1" fmla="*/ 400875 h 496255"/>
+              <a:gd name="connsiteX2" fmla="*/ 4998210 w 8724576"/>
+              <a:gd name="connsiteY2" fmla="*/ 416570 h 496255"/>
+              <a:gd name="connsiteX3" fmla="*/ 8530212 w 8724576"/>
+              <a:gd name="connsiteY3" fmla="*/ 404891 h 496255"/>
+              <a:gd name="connsiteX4" fmla="*/ 8724139 w 8724576"/>
+              <a:gd name="connsiteY4" fmla="*/ 0 h 496255"/>
+              <a:gd name="connsiteX0" fmla="*/ 12429 w 8724138"/>
+              <a:gd name="connsiteY0" fmla="*/ 496255 h 496255"/>
+              <a:gd name="connsiteX1" fmla="*/ 625542 w 8724138"/>
+              <a:gd name="connsiteY1" fmla="*/ 400875 h 496255"/>
+              <a:gd name="connsiteX2" fmla="*/ 4998210 w 8724138"/>
+              <a:gd name="connsiteY2" fmla="*/ 416570 h 496255"/>
+              <a:gd name="connsiteX3" fmla="*/ 8508984 w 8724138"/>
+              <a:gd name="connsiteY3" fmla="*/ 384815 h 496255"/>
+              <a:gd name="connsiteX4" fmla="*/ 8724139 w 8724138"/>
+              <a:gd name="connsiteY4" fmla="*/ 0 h 496255"/>
+              <a:gd name="connsiteX0" fmla="*/ 12429 w 8724138"/>
+              <a:gd name="connsiteY0" fmla="*/ 496255 h 496255"/>
+              <a:gd name="connsiteX1" fmla="*/ 625542 w 8724138"/>
+              <a:gd name="connsiteY1" fmla="*/ 400875 h 496255"/>
+              <a:gd name="connsiteX2" fmla="*/ 4998210 w 8724138"/>
+              <a:gd name="connsiteY2" fmla="*/ 416570 h 496255"/>
+              <a:gd name="connsiteX3" fmla="*/ 8508984 w 8724138"/>
+              <a:gd name="connsiteY3" fmla="*/ 384815 h 496255"/>
+              <a:gd name="connsiteX4" fmla="*/ 8724139 w 8724138"/>
+              <a:gd name="connsiteY4" fmla="*/ 0 h 496255"/>
+              <a:gd name="connsiteX0" fmla="*/ 12429 w 8724138"/>
+              <a:gd name="connsiteY0" fmla="*/ 496255 h 496255"/>
+              <a:gd name="connsiteX1" fmla="*/ 625542 w 8724138"/>
+              <a:gd name="connsiteY1" fmla="*/ 400875 h 496255"/>
+              <a:gd name="connsiteX2" fmla="*/ 4998210 w 8724138"/>
+              <a:gd name="connsiteY2" fmla="*/ 416570 h 496255"/>
+              <a:gd name="connsiteX3" fmla="*/ 8508984 w 8724138"/>
+              <a:gd name="connsiteY3" fmla="*/ 384815 h 496255"/>
+              <a:gd name="connsiteX4" fmla="*/ 8724139 w 8724138"/>
+              <a:gd name="connsiteY4" fmla="*/ 0 h 496255"/>
+              <a:gd name="connsiteX0" fmla="*/ 12429 w 8724138"/>
+              <a:gd name="connsiteY0" fmla="*/ 496255 h 496255"/>
+              <a:gd name="connsiteX1" fmla="*/ 625542 w 8724138"/>
+              <a:gd name="connsiteY1" fmla="*/ 400875 h 496255"/>
+              <a:gd name="connsiteX2" fmla="*/ 4998210 w 8724138"/>
+              <a:gd name="connsiteY2" fmla="*/ 416570 h 496255"/>
+              <a:gd name="connsiteX3" fmla="*/ 8508984 w 8724138"/>
+              <a:gd name="connsiteY3" fmla="*/ 384815 h 496255"/>
+              <a:gd name="connsiteX4" fmla="*/ 8724139 w 8724138"/>
+              <a:gd name="connsiteY4" fmla="*/ 0 h 496255"/>
+              <a:gd name="connsiteX0" fmla="*/ 16419179 w 16419206"/>
+              <a:gd name="connsiteY0" fmla="*/ 5168 h 1135381"/>
+              <a:gd name="connsiteX1" fmla="*/ 28439 w 16419206"/>
+              <a:gd name="connsiteY1" fmla="*/ 1102312 h 1135381"/>
+              <a:gd name="connsiteX2" fmla="*/ 4401107 w 16419206"/>
+              <a:gd name="connsiteY2" fmla="*/ 1118007 h 1135381"/>
+              <a:gd name="connsiteX3" fmla="*/ 7911881 w 16419206"/>
+              <a:gd name="connsiteY3" fmla="*/ 1086252 h 1135381"/>
+              <a:gd name="connsiteX4" fmla="*/ 8127036 w 16419206"/>
+              <a:gd name="connsiteY4" fmla="*/ 701437 h 1135381"/>
+              <a:gd name="connsiteX0" fmla="*/ 12018072 w 12018072"/>
+              <a:gd name="connsiteY0" fmla="*/ -1 h 1130214"/>
+              <a:gd name="connsiteX1" fmla="*/ 0 w 12018072"/>
+              <a:gd name="connsiteY1" fmla="*/ 1112838 h 1130214"/>
+              <a:gd name="connsiteX2" fmla="*/ 3510774 w 12018072"/>
+              <a:gd name="connsiteY2" fmla="*/ 1081083 h 1130214"/>
+              <a:gd name="connsiteX3" fmla="*/ 3725929 w 12018072"/>
+              <a:gd name="connsiteY3" fmla="*/ 696268 h 1130214"/>
+              <a:gd name="connsiteX0" fmla="*/ 8507299 w 8507299"/>
+              <a:gd name="connsiteY0" fmla="*/ 0 h 1081084"/>
+              <a:gd name="connsiteX1" fmla="*/ 1 w 8507299"/>
+              <a:gd name="connsiteY1" fmla="*/ 1081084 h 1081084"/>
+              <a:gd name="connsiteX2" fmla="*/ 215156 w 8507299"/>
+              <a:gd name="connsiteY2" fmla="*/ 696269 h 1081084"/>
+              <a:gd name="connsiteX0" fmla="*/ 8292145 w 8292145"/>
+              <a:gd name="connsiteY0" fmla="*/ 0 h 696269"/>
+              <a:gd name="connsiteX1" fmla="*/ 2 w 8292145"/>
+              <a:gd name="connsiteY1" fmla="*/ 696269 h 696269"/>
+              <a:gd name="connsiteX0" fmla="*/ 8292142 w 8292142"/>
+              <a:gd name="connsiteY0" fmla="*/ 0 h 696269"/>
+              <a:gd name="connsiteX1" fmla="*/ 2363751 w 8292142"/>
+              <a:gd name="connsiteY1" fmla="*/ 157168 h 696269"/>
+              <a:gd name="connsiteX2" fmla="*/ -1 w 8292142"/>
+              <a:gd name="connsiteY2" fmla="*/ 696269 h 696269"/>
+              <a:gd name="connsiteX0" fmla="*/ 8503931 w 8503931"/>
+              <a:gd name="connsiteY0" fmla="*/ 0 h 1086053"/>
+              <a:gd name="connsiteX1" fmla="*/ 2575540 w 8503931"/>
+              <a:gd name="connsiteY1" fmla="*/ 157168 h 1086053"/>
+              <a:gd name="connsiteX2" fmla="*/ 0 w 8503931"/>
+              <a:gd name="connsiteY2" fmla="*/ 1086053 h 1086053"/>
+              <a:gd name="connsiteX0" fmla="*/ 8574527 w 8574527"/>
+              <a:gd name="connsiteY0" fmla="*/ 0 h 1086053"/>
+              <a:gd name="connsiteX1" fmla="*/ 2646136 w 8574527"/>
+              <a:gd name="connsiteY1" fmla="*/ 157168 h 1086053"/>
+              <a:gd name="connsiteX2" fmla="*/ 0 w 8574527"/>
+              <a:gd name="connsiteY2" fmla="*/ 1086053 h 1086053"/>
+              <a:gd name="connsiteX0" fmla="*/ 8574527 w 8574527"/>
+              <a:gd name="connsiteY0" fmla="*/ 236945 h 1322998"/>
+              <a:gd name="connsiteX1" fmla="*/ 2457879 w 8574527"/>
+              <a:gd name="connsiteY1" fmla="*/ 26603 h 1322998"/>
+              <a:gd name="connsiteX2" fmla="*/ 0 w 8574527"/>
+              <a:gd name="connsiteY2" fmla="*/ 1322998 h 1322998"/>
+              <a:gd name="connsiteX0" fmla="*/ 8574527 w 8574527"/>
+              <a:gd name="connsiteY0" fmla="*/ 271400 h 1357453"/>
+              <a:gd name="connsiteX1" fmla="*/ 6435971 w 8574527"/>
+              <a:gd name="connsiteY1" fmla="*/ 217162 h 1357453"/>
+              <a:gd name="connsiteX2" fmla="*/ 2457879 w 8574527"/>
+              <a:gd name="connsiteY2" fmla="*/ 61058 h 1357453"/>
+              <a:gd name="connsiteX3" fmla="*/ 0 w 8574527"/>
+              <a:gd name="connsiteY3" fmla="*/ 1357453 h 1357453"/>
+              <a:gd name="connsiteX0" fmla="*/ 8574527 w 8574527"/>
+              <a:gd name="connsiteY0" fmla="*/ 328263 h 1414316"/>
+              <a:gd name="connsiteX1" fmla="*/ 8553863 w 8574527"/>
+              <a:gd name="connsiteY1" fmla="*/ 51292 h 1414316"/>
+              <a:gd name="connsiteX2" fmla="*/ 2457879 w 8574527"/>
+              <a:gd name="connsiteY2" fmla="*/ 117921 h 1414316"/>
+              <a:gd name="connsiteX3" fmla="*/ 0 w 8574527"/>
+              <a:gd name="connsiteY3" fmla="*/ 1414316 h 1414316"/>
+              <a:gd name="connsiteX0" fmla="*/ 8574527 w 8574527"/>
+              <a:gd name="connsiteY0" fmla="*/ 328263 h 1414316"/>
+              <a:gd name="connsiteX1" fmla="*/ 8553863 w 8574527"/>
+              <a:gd name="connsiteY1" fmla="*/ 51292 h 1414316"/>
+              <a:gd name="connsiteX2" fmla="*/ 2457879 w 8574527"/>
+              <a:gd name="connsiteY2" fmla="*/ 117921 h 1414316"/>
+              <a:gd name="connsiteX3" fmla="*/ 0 w 8574527"/>
+              <a:gd name="connsiteY3" fmla="*/ 1414316 h 1414316"/>
+              <a:gd name="connsiteX0" fmla="*/ 8574527 w 8574527"/>
+              <a:gd name="connsiteY0" fmla="*/ 328263 h 1414316"/>
+              <a:gd name="connsiteX1" fmla="*/ 8365606 w 8574527"/>
+              <a:gd name="connsiteY1" fmla="*/ 51292 h 1414316"/>
+              <a:gd name="connsiteX2" fmla="*/ 2457879 w 8574527"/>
+              <a:gd name="connsiteY2" fmla="*/ 117921 h 1414316"/>
+              <a:gd name="connsiteX3" fmla="*/ 0 w 8574527"/>
+              <a:gd name="connsiteY3" fmla="*/ 1414316 h 1414316"/>
+              <a:gd name="connsiteX0" fmla="*/ 8574527 w 8594299"/>
+              <a:gd name="connsiteY0" fmla="*/ 328263 h 1414316"/>
+              <a:gd name="connsiteX1" fmla="*/ 8365606 w 8594299"/>
+              <a:gd name="connsiteY1" fmla="*/ 51292 h 1414316"/>
+              <a:gd name="connsiteX2" fmla="*/ 2457879 w 8594299"/>
+              <a:gd name="connsiteY2" fmla="*/ 117921 h 1414316"/>
+              <a:gd name="connsiteX3" fmla="*/ 0 w 8594299"/>
+              <a:gd name="connsiteY3" fmla="*/ 1414316 h 1414316"/>
+              <a:gd name="connsiteX0" fmla="*/ 8574527 w 8574527"/>
+              <a:gd name="connsiteY0" fmla="*/ 328263 h 1414316"/>
+              <a:gd name="connsiteX1" fmla="*/ 8365606 w 8574527"/>
+              <a:gd name="connsiteY1" fmla="*/ 51292 h 1414316"/>
+              <a:gd name="connsiteX2" fmla="*/ 2457879 w 8574527"/>
+              <a:gd name="connsiteY2" fmla="*/ 117921 h 1414316"/>
+              <a:gd name="connsiteX3" fmla="*/ 0 w 8574527"/>
+              <a:gd name="connsiteY3" fmla="*/ 1414316 h 1414316"/>
+              <a:gd name="connsiteX0" fmla="*/ 8574527 w 8574527"/>
+              <a:gd name="connsiteY0" fmla="*/ 324350 h 1410403"/>
+              <a:gd name="connsiteX1" fmla="*/ 8365606 w 8574527"/>
+              <a:gd name="connsiteY1" fmla="*/ 47379 h 1410403"/>
+              <a:gd name="connsiteX2" fmla="*/ 2457879 w 8574527"/>
+              <a:gd name="connsiteY2" fmla="*/ 114008 h 1410403"/>
+              <a:gd name="connsiteX3" fmla="*/ 0 w 8574527"/>
+              <a:gd name="connsiteY3" fmla="*/ 1410403 h 1410403"/>
+              <a:gd name="connsiteX0" fmla="*/ 8574527 w 8574527"/>
+              <a:gd name="connsiteY0" fmla="*/ 324350 h 1410403"/>
+              <a:gd name="connsiteX1" fmla="*/ 8365606 w 8574527"/>
+              <a:gd name="connsiteY1" fmla="*/ 47379 h 1410403"/>
+              <a:gd name="connsiteX2" fmla="*/ 2457879 w 8574527"/>
+              <a:gd name="connsiteY2" fmla="*/ 114008 h 1410403"/>
+              <a:gd name="connsiteX3" fmla="*/ 0 w 8574527"/>
+              <a:gd name="connsiteY3" fmla="*/ 1410403 h 1410403"/>
+              <a:gd name="connsiteX0" fmla="*/ 8574527 w 8574527"/>
+              <a:gd name="connsiteY0" fmla="*/ 333379 h 1419432"/>
+              <a:gd name="connsiteX1" fmla="*/ 8365606 w 8574527"/>
+              <a:gd name="connsiteY1" fmla="*/ 56408 h 1419432"/>
+              <a:gd name="connsiteX2" fmla="*/ 2457879 w 8574527"/>
+              <a:gd name="connsiteY2" fmla="*/ 123037 h 1419432"/>
+              <a:gd name="connsiteX3" fmla="*/ 0 w 8574527"/>
+              <a:gd name="connsiteY3" fmla="*/ 1419432 h 1419432"/>
+              <a:gd name="connsiteX0" fmla="*/ 8574527 w 8574527"/>
+              <a:gd name="connsiteY0" fmla="*/ 333379 h 1419432"/>
+              <a:gd name="connsiteX1" fmla="*/ 8365606 w 8574527"/>
+              <a:gd name="connsiteY1" fmla="*/ 56408 h 1419432"/>
+              <a:gd name="connsiteX2" fmla="*/ 2457879 w 8574527"/>
+              <a:gd name="connsiteY2" fmla="*/ 123037 h 1419432"/>
+              <a:gd name="connsiteX3" fmla="*/ 0 w 8574527"/>
+              <a:gd name="connsiteY3" fmla="*/ 1419432 h 1419432"/>
+              <a:gd name="connsiteX0" fmla="*/ 8574527 w 8574527"/>
+              <a:gd name="connsiteY0" fmla="*/ 276971 h 1363024"/>
+              <a:gd name="connsiteX1" fmla="*/ 8365606 w 8574527"/>
+              <a:gd name="connsiteY1" fmla="*/ 0 h 1363024"/>
+              <a:gd name="connsiteX2" fmla="*/ 2504943 w 8574527"/>
+              <a:gd name="connsiteY2" fmla="*/ 122312 h 1363024"/>
+              <a:gd name="connsiteX3" fmla="*/ 0 w 8574527"/>
+              <a:gd name="connsiteY3" fmla="*/ 1363024 h 1363024"/>
+              <a:gd name="connsiteX0" fmla="*/ 8574527 w 8574527"/>
+              <a:gd name="connsiteY0" fmla="*/ 276971 h 1363024"/>
+              <a:gd name="connsiteX1" fmla="*/ 8365606 w 8574527"/>
+              <a:gd name="connsiteY1" fmla="*/ 0 h 1363024"/>
+              <a:gd name="connsiteX2" fmla="*/ 2481411 w 8574527"/>
+              <a:gd name="connsiteY2" fmla="*/ 55492 h 1363024"/>
+              <a:gd name="connsiteX3" fmla="*/ 0 w 8574527"/>
+              <a:gd name="connsiteY3" fmla="*/ 1363024 h 1363024"/>
+              <a:gd name="connsiteX0" fmla="*/ 8574527 w 8574527"/>
+              <a:gd name="connsiteY0" fmla="*/ 301451 h 1387504"/>
+              <a:gd name="connsiteX1" fmla="*/ 8365606 w 8574527"/>
+              <a:gd name="connsiteY1" fmla="*/ 24480 h 1387504"/>
+              <a:gd name="connsiteX2" fmla="*/ 2481411 w 8574527"/>
+              <a:gd name="connsiteY2" fmla="*/ 79972 h 1387504"/>
+              <a:gd name="connsiteX3" fmla="*/ 0 w 8574527"/>
+              <a:gd name="connsiteY3" fmla="*/ 1387504 h 1387504"/>
+              <a:gd name="connsiteX0" fmla="*/ 8574527 w 8574527"/>
+              <a:gd name="connsiteY0" fmla="*/ 276971 h 1363024"/>
+              <a:gd name="connsiteX1" fmla="*/ 8365606 w 8574527"/>
+              <a:gd name="connsiteY1" fmla="*/ 0 h 1363024"/>
+              <a:gd name="connsiteX2" fmla="*/ 2575540 w 8574527"/>
+              <a:gd name="connsiteY2" fmla="*/ 88903 h 1363024"/>
+              <a:gd name="connsiteX3" fmla="*/ 0 w 8574527"/>
+              <a:gd name="connsiteY3" fmla="*/ 1363024 h 1363024"/>
+              <a:gd name="connsiteX0" fmla="*/ 8574527 w 8574527"/>
+              <a:gd name="connsiteY0" fmla="*/ 296337 h 1382390"/>
+              <a:gd name="connsiteX1" fmla="*/ 8365606 w 8574527"/>
+              <a:gd name="connsiteY1" fmla="*/ 19366 h 1382390"/>
+              <a:gd name="connsiteX2" fmla="*/ 2575540 w 8574527"/>
+              <a:gd name="connsiteY2" fmla="*/ 108269 h 1382390"/>
+              <a:gd name="connsiteX3" fmla="*/ 0 w 8574527"/>
+              <a:gd name="connsiteY3" fmla="*/ 1382390 h 1382390"/>
+              <a:gd name="connsiteX0" fmla="*/ 8574527 w 8574527"/>
+              <a:gd name="connsiteY0" fmla="*/ 296337 h 1382390"/>
+              <a:gd name="connsiteX1" fmla="*/ 8365606 w 8574527"/>
+              <a:gd name="connsiteY1" fmla="*/ 19366 h 1382390"/>
+              <a:gd name="connsiteX2" fmla="*/ 2575540 w 8574527"/>
+              <a:gd name="connsiteY2" fmla="*/ 108269 h 1382390"/>
+              <a:gd name="connsiteX3" fmla="*/ 0 w 8574527"/>
+              <a:gd name="connsiteY3" fmla="*/ 1382390 h 1382390"/>
+              <a:gd name="connsiteX0" fmla="*/ 8574527 w 8574527"/>
+              <a:gd name="connsiteY0" fmla="*/ 296337 h 1382390"/>
+              <a:gd name="connsiteX1" fmla="*/ 8365606 w 8574527"/>
+              <a:gd name="connsiteY1" fmla="*/ 19366 h 1382390"/>
+              <a:gd name="connsiteX2" fmla="*/ 2575540 w 8574527"/>
+              <a:gd name="connsiteY2" fmla="*/ 108269 h 1382390"/>
+              <a:gd name="connsiteX3" fmla="*/ 0 w 8574527"/>
+              <a:gd name="connsiteY3" fmla="*/ 1382390 h 1382390"/>
+            </a:gdLst>
+            <a:ahLst/>
+            <a:cxnLst>
+              <a:cxn ang="0">
+                <a:pos x="connsiteX0" y="connsiteY0"/>
+              </a:cxn>
+              <a:cxn ang="0">
+                <a:pos x="connsiteX1" y="connsiteY1"/>
+              </a:cxn>
+              <a:cxn ang="0">
+                <a:pos x="connsiteX2" y="connsiteY2"/>
+              </a:cxn>
+              <a:cxn ang="0">
+                <a:pos x="connsiteX3" y="connsiteY3"/>
+              </a:cxn>
+            </a:cxnLst>
+            <a:rect l="l" t="t" r="r" b="b"/>
+            <a:pathLst>
+              <a:path w="8574527" h="1382390">
+                <a:moveTo>
+                  <a:pt x="8574527" y="296337"/>
+                </a:moveTo>
+                <a:cubicBezTo>
+                  <a:pt x="8504887" y="204013"/>
+                  <a:pt x="8694100" y="111690"/>
+                  <a:pt x="8365606" y="19366"/>
+                </a:cubicBezTo>
+                <a:cubicBezTo>
+                  <a:pt x="6435584" y="49000"/>
+                  <a:pt x="4340838" y="-88415"/>
+                  <a:pt x="2575540" y="108269"/>
+                </a:cubicBezTo>
+                <a:cubicBezTo>
+                  <a:pt x="1544457" y="495855"/>
+                  <a:pt x="607505" y="1362316"/>
+                  <a:pt x="0" y="1382390"/>
+                </a:cubicBezTo>
+              </a:path>
+            </a:pathLst>
+          </a:custGeom>
+          <a:noFill/>
+          <a:ln w="15875">
+            <a:solidFill>
+              <a:schemeClr val="accent1"/>
+            </a:solidFill>
+            <a:headEnd type="none"/>
+            <a:tailEnd type="triangle"/>
+          </a:ln>
+        </p:spPr>
+        <p:style>
+          <a:lnRef idx="2">
+            <a:schemeClr val="accent1">
+              <a:shade val="50000"/>
+            </a:schemeClr>
+          </a:lnRef>
+          <a:fillRef idx="1">
+            <a:schemeClr val="accent1"/>
+          </a:fillRef>
+          <a:effectRef idx="0">
+            <a:schemeClr val="accent1"/>
+          </a:effectRef>
+          <a:fontRef idx="minor">
+            <a:schemeClr val="lt1"/>
+          </a:fontRef>
+        </p:style>
+        <p:txBody>
+          <a:bodyPr rtlCol="0" anchor="ctr"/>
+          <a:lstStyle/>
+          <a:p>
+            <a:pPr algn="ctr"/>
+            <a:endParaRPr lang="en-SG" dirty="0"/>
+          </a:p>
+        </p:txBody>
+      </p:sp>
+      <p:sp>
+        <p:nvSpPr>
+          <p:cNvPr id="141" name="Rectangle 140"/>
+          <p:cNvSpPr/>
+          <p:nvPr/>
+        </p:nvSpPr>
+        <p:spPr>
+          <a:xfrm>
+            <a:off x="8005028" y="2879412"/>
+            <a:ext cx="1100680" cy="285649"/>
+          </a:xfrm>
+          <a:prstGeom prst="rect">
+            <a:avLst/>
+          </a:prstGeom>
+          <a:noFill/>
+          <a:ln w="19050">
+            <a:solidFill>
+              <a:schemeClr val="tx1"/>
+            </a:solidFill>
+          </a:ln>
+        </p:spPr>
+        <p:style>
+          <a:lnRef idx="2">
+            <a:schemeClr val="accent1">
+              <a:shade val="50000"/>
+            </a:schemeClr>
+          </a:lnRef>
+          <a:fillRef idx="1">
+            <a:schemeClr val="accent1"/>
+          </a:fillRef>
+          <a:effectRef idx="0">
+            <a:schemeClr val="accent1"/>
+          </a:effectRef>
+          <a:fontRef idx="minor">
+            <a:schemeClr val="lt1"/>
+          </a:fontRef>
+        </p:style>
+        <p:txBody>
+          <a:bodyPr rtlCol="0" anchor="ctr"/>
+          <a:lstStyle/>
+          <a:p>
+            <a:pPr algn="ctr"/>
+            <a:r>
+              <a:rPr lang="en-US" sz="1400" dirty="0">
+                <a:solidFill>
+                  <a:schemeClr val="tx1"/>
+                </a:solidFill>
+              </a:rPr>
+              <a:t>consumer_1</a:t>
+            </a:r>
+            <a:endParaRPr lang="en-SG" sz="1400" dirty="0">
+              <a:solidFill>
+                <a:schemeClr val="tx1"/>
+              </a:solidFill>
+            </a:endParaRPr>
+          </a:p>
+        </p:txBody>
+      </p:sp>
+      <p:sp>
+        <p:nvSpPr>
+          <p:cNvPr id="142" name="Rectangle 141"/>
+          <p:cNvSpPr/>
+          <p:nvPr/>
+        </p:nvSpPr>
+        <p:spPr>
+          <a:xfrm>
+            <a:off x="7663656" y="2716536"/>
+            <a:ext cx="1804966" cy="1125957"/>
+          </a:xfrm>
+          <a:prstGeom prst="rect">
+            <a:avLst/>
+          </a:prstGeom>
+          <a:noFill/>
+          <a:ln w="19050">
+            <a:solidFill>
+              <a:schemeClr val="tx1"/>
+            </a:solidFill>
+          </a:ln>
+        </p:spPr>
+        <p:style>
+          <a:lnRef idx="2">
+            <a:schemeClr val="accent1">
+              <a:shade val="50000"/>
+            </a:schemeClr>
+          </a:lnRef>
+          <a:fillRef idx="1">
+            <a:schemeClr val="accent1"/>
+          </a:fillRef>
+          <a:effectRef idx="0">
+            <a:schemeClr val="accent1"/>
+          </a:effectRef>
+          <a:fontRef idx="minor">
+            <a:schemeClr val="lt1"/>
+          </a:fontRef>
+        </p:style>
+        <p:txBody>
+          <a:bodyPr rtlCol="0" anchor="ctr"/>
+          <a:lstStyle/>
+          <a:p>
+            <a:pPr algn="ctr"/>
+            <a:endParaRPr lang="en-SG" dirty="0">
+              <a:solidFill>
+                <a:schemeClr val="tx1"/>
+              </a:solidFill>
+            </a:endParaRPr>
+          </a:p>
+        </p:txBody>
+      </p:sp>
+      <p:sp>
+        <p:nvSpPr>
+          <p:cNvPr id="143" name="TextBox 142"/>
+          <p:cNvSpPr txBox="1"/>
+          <p:nvPr/>
+        </p:nvSpPr>
+        <p:spPr>
+          <a:xfrm>
+            <a:off x="7618714" y="2381410"/>
+            <a:ext cx="1963486" cy="369332"/>
+          </a:xfrm>
+          <a:prstGeom prst="rect">
+            <a:avLst/>
+          </a:prstGeom>
+          <a:noFill/>
+        </p:spPr>
+        <p:txBody>
+          <a:bodyPr wrap="none" rtlCol="0">
+            <a:spAutoFit/>
+          </a:bodyPr>
+          <a:lstStyle/>
+          <a:p>
+            <a:r>
+              <a:rPr lang="en-US" dirty="0"/>
+              <a:t>consumerGroup_2</a:t>
+            </a:r>
+            <a:endParaRPr lang="en-SG" dirty="0"/>
+          </a:p>
+        </p:txBody>
+      </p:sp>
+      <p:cxnSp>
+        <p:nvCxnSpPr>
+          <p:cNvPr id="145" name="Straight Connector 144"/>
+          <p:cNvCxnSpPr/>
+          <p:nvPr/>
+        </p:nvCxnSpPr>
+        <p:spPr>
+          <a:xfrm flipV="1">
+            <a:off x="6882750" y="2871224"/>
+            <a:ext cx="0" cy="142180"/>
+          </a:xfrm>
+          <a:prstGeom prst="line">
+            <a:avLst/>
+          </a:prstGeom>
+          <a:ln w="15875">
+            <a:solidFill>
+              <a:schemeClr val="accent2"/>
+            </a:solidFill>
+          </a:ln>
+        </p:spPr>
+        <p:style>
+          <a:lnRef idx="1">
+            <a:schemeClr val="accent1"/>
+          </a:lnRef>
+          <a:fillRef idx="0">
+            <a:schemeClr val="accent1"/>
+          </a:fillRef>
+          <a:effectRef idx="0">
+            <a:schemeClr val="accent1"/>
+          </a:effectRef>
+          <a:fontRef idx="minor">
+            <a:schemeClr val="tx1"/>
+          </a:fontRef>
+        </p:style>
+      </p:cxnSp>
+      <p:cxnSp>
+        <p:nvCxnSpPr>
+          <p:cNvPr id="148" name="Straight Connector 147"/>
+          <p:cNvCxnSpPr/>
+          <p:nvPr/>
+        </p:nvCxnSpPr>
+        <p:spPr>
+          <a:xfrm flipH="1" flipV="1">
+            <a:off x="6878025" y="3011675"/>
+            <a:ext cx="526710" cy="4159"/>
+          </a:xfrm>
+          <a:prstGeom prst="line">
+            <a:avLst/>
+          </a:prstGeom>
+          <a:ln w="15875">
+            <a:solidFill>
+              <a:schemeClr val="accent2"/>
+            </a:solidFill>
+          </a:ln>
+        </p:spPr>
+        <p:style>
+          <a:lnRef idx="1">
+            <a:schemeClr val="accent1"/>
+          </a:lnRef>
+          <a:fillRef idx="0">
+            <a:schemeClr val="accent1"/>
+          </a:fillRef>
+          <a:effectRef idx="0">
+            <a:schemeClr val="accent1"/>
+          </a:effectRef>
+          <a:fontRef idx="minor">
+            <a:schemeClr val="tx1"/>
+          </a:fontRef>
+        </p:style>
+      </p:cxnSp>
+      <p:cxnSp>
+        <p:nvCxnSpPr>
+          <p:cNvPr id="155" name="Straight Connector 154"/>
+          <p:cNvCxnSpPr/>
+          <p:nvPr/>
+        </p:nvCxnSpPr>
+        <p:spPr>
+          <a:xfrm flipH="1">
+            <a:off x="7404735" y="2041760"/>
+            <a:ext cx="248150" cy="0"/>
+          </a:xfrm>
+          <a:prstGeom prst="line">
+            <a:avLst/>
+          </a:prstGeom>
+          <a:ln w="15875">
+            <a:solidFill>
+              <a:schemeClr val="accent2"/>
+            </a:solidFill>
+          </a:ln>
+        </p:spPr>
+        <p:style>
+          <a:lnRef idx="1">
+            <a:schemeClr val="accent1"/>
+          </a:lnRef>
+          <a:fillRef idx="0">
+            <a:schemeClr val="accent1"/>
+          </a:fillRef>
+          <a:effectRef idx="0">
+            <a:schemeClr val="accent1"/>
+          </a:effectRef>
+          <a:fontRef idx="minor">
+            <a:schemeClr val="tx1"/>
+          </a:fontRef>
+        </p:style>
+      </p:cxnSp>
+      <p:cxnSp>
+        <p:nvCxnSpPr>
+          <p:cNvPr id="158" name="Straight Connector 157"/>
+          <p:cNvCxnSpPr/>
+          <p:nvPr/>
+        </p:nvCxnSpPr>
+        <p:spPr>
+          <a:xfrm>
+            <a:off x="7404735" y="2032235"/>
+            <a:ext cx="0" cy="1607820"/>
+          </a:xfrm>
+          <a:prstGeom prst="line">
+            <a:avLst/>
+          </a:prstGeom>
+          <a:ln w="15875">
+            <a:solidFill>
+              <a:schemeClr val="accent2"/>
+            </a:solidFill>
+          </a:ln>
+        </p:spPr>
+        <p:style>
+          <a:lnRef idx="1">
+            <a:schemeClr val="accent1"/>
+          </a:lnRef>
+          <a:fillRef idx="0">
+            <a:schemeClr val="accent1"/>
+          </a:fillRef>
+          <a:effectRef idx="0">
+            <a:schemeClr val="accent1"/>
+          </a:effectRef>
+          <a:fontRef idx="minor">
+            <a:schemeClr val="tx1"/>
+          </a:fontRef>
+        </p:style>
+      </p:cxnSp>
+      <p:sp>
+        <p:nvSpPr>
+          <p:cNvPr id="138" name="Rectangle 137"/>
+          <p:cNvSpPr/>
+          <p:nvPr/>
+        </p:nvSpPr>
+        <p:spPr>
+          <a:xfrm>
+            <a:off x="7085707" y="2946201"/>
+            <a:ext cx="131419" cy="139267"/>
+          </a:xfrm>
+          <a:prstGeom prst="rect">
+            <a:avLst/>
+          </a:prstGeom>
+          <a:solidFill>
+            <a:srgbClr val="7030A0"/>
+          </a:solidFill>
+          <a:ln w="25400">
+            <a:solidFill>
+              <a:srgbClr val="7030A0"/>
+            </a:solidFill>
+          </a:ln>
+        </p:spPr>
+        <p:style>
+          <a:lnRef idx="2">
+            <a:schemeClr val="accent1">
+              <a:shade val="50000"/>
+            </a:schemeClr>
+          </a:lnRef>
+          <a:fillRef idx="1">
+            <a:schemeClr val="accent1"/>
+          </a:fillRef>
+          <a:effectRef idx="0">
+            <a:schemeClr val="accent1"/>
+          </a:effectRef>
+          <a:fontRef idx="minor">
+            <a:schemeClr val="lt1"/>
+          </a:fontRef>
+        </p:style>
+        <p:txBody>
+          <a:bodyPr rtlCol="0" anchor="ctr"/>
+          <a:lstStyle/>
+          <a:p>
+            <a:pPr algn="ctr"/>
+            <a:endParaRPr lang="en-SG" dirty="0">
+              <a:solidFill>
+                <a:schemeClr val="tx1"/>
+              </a:solidFill>
+            </a:endParaRPr>
+          </a:p>
+        </p:txBody>
+      </p:sp>
+      <p:cxnSp>
+        <p:nvCxnSpPr>
+          <p:cNvPr id="165" name="Straight Connector 164"/>
+          <p:cNvCxnSpPr/>
+          <p:nvPr/>
+        </p:nvCxnSpPr>
+        <p:spPr>
+          <a:xfrm flipH="1">
+            <a:off x="7393963" y="3649580"/>
+            <a:ext cx="265963" cy="0"/>
+          </a:xfrm>
+          <a:prstGeom prst="line">
+            <a:avLst/>
+          </a:prstGeom>
+          <a:ln w="15875">
+            <a:solidFill>
+              <a:schemeClr val="accent2"/>
+            </a:solidFill>
+          </a:ln>
+        </p:spPr>
+        <p:style>
+          <a:lnRef idx="1">
+            <a:schemeClr val="accent1"/>
+          </a:lnRef>
+          <a:fillRef idx="0">
+            <a:schemeClr val="accent1"/>
+          </a:fillRef>
+          <a:effectRef idx="0">
+            <a:schemeClr val="accent1"/>
+          </a:effectRef>
+          <a:fontRef idx="minor">
+            <a:schemeClr val="tx1"/>
+          </a:fontRef>
+        </p:style>
+      </p:cxnSp>
+      <p:sp>
+        <p:nvSpPr>
+          <p:cNvPr id="172" name="Rectangle 171"/>
+          <p:cNvSpPr/>
+          <p:nvPr/>
+        </p:nvSpPr>
+        <p:spPr>
+          <a:xfrm>
+            <a:off x="2768936" y="1244102"/>
+            <a:ext cx="1336192" cy="1612545"/>
+          </a:xfrm>
+          <a:prstGeom prst="rect">
+            <a:avLst/>
+          </a:prstGeom>
+          <a:noFill/>
+          <a:ln w="19050">
+            <a:solidFill>
+              <a:schemeClr val="tx1"/>
+            </a:solidFill>
+          </a:ln>
+        </p:spPr>
+        <p:style>
+          <a:lnRef idx="2">
+            <a:schemeClr val="accent1">
+              <a:shade val="50000"/>
+            </a:schemeClr>
+          </a:lnRef>
+          <a:fillRef idx="1">
+            <a:schemeClr val="accent1"/>
+          </a:fillRef>
+          <a:effectRef idx="0">
+            <a:schemeClr val="accent1"/>
+          </a:effectRef>
+          <a:fontRef idx="minor">
+            <a:schemeClr val="lt1"/>
+          </a:fontRef>
+        </p:style>
+        <p:txBody>
+          <a:bodyPr rtlCol="0" anchor="t" anchorCtr="0"/>
+          <a:lstStyle/>
+          <a:p>
+            <a:pPr algn="ctr"/>
+            <a:endParaRPr lang="en-SG" sz="1400" dirty="0">
+              <a:solidFill>
+                <a:schemeClr val="tx1"/>
+              </a:solidFill>
+            </a:endParaRPr>
+          </a:p>
+        </p:txBody>
+      </p:sp>
+      <p:sp>
+        <p:nvSpPr>
+          <p:cNvPr id="173" name="TextBox 172"/>
+          <p:cNvSpPr txBox="1"/>
+          <p:nvPr/>
+        </p:nvSpPr>
+        <p:spPr>
+          <a:xfrm>
+            <a:off x="2846041" y="912524"/>
+            <a:ext cx="1159613" cy="369332"/>
+          </a:xfrm>
+          <a:prstGeom prst="rect">
+            <a:avLst/>
+          </a:prstGeom>
+          <a:noFill/>
+        </p:spPr>
+        <p:txBody>
+          <a:bodyPr wrap="none" rtlCol="0">
+            <a:spAutoFit/>
+          </a:bodyPr>
+          <a:lstStyle/>
+          <a:p>
+            <a:r>
+              <a:rPr lang="en-US" dirty="0"/>
+              <a:t>zookeeper</a:t>
+            </a:r>
+            <a:endParaRPr lang="en-SG" dirty="0"/>
+          </a:p>
+        </p:txBody>
+      </p:sp>
+      <p:sp>
+        <p:nvSpPr>
+          <p:cNvPr id="174" name="Rectangle 173"/>
+          <p:cNvSpPr/>
+          <p:nvPr/>
+        </p:nvSpPr>
+        <p:spPr>
+          <a:xfrm>
+            <a:off x="2861351" y="2781388"/>
+            <a:ext cx="131419" cy="139267"/>
+          </a:xfrm>
+          <a:prstGeom prst="rect">
+            <a:avLst/>
+          </a:prstGeom>
+          <a:solidFill>
+            <a:srgbClr val="7030A0"/>
+          </a:solidFill>
+          <a:ln w="25400">
+            <a:solidFill>
+              <a:srgbClr val="7030A0"/>
+            </a:solidFill>
+          </a:ln>
+        </p:spPr>
+        <p:style>
+          <a:lnRef idx="2">
+            <a:schemeClr val="accent1">
+              <a:shade val="50000"/>
+            </a:schemeClr>
+          </a:lnRef>
+          <a:fillRef idx="1">
+            <a:schemeClr val="accent1"/>
+          </a:fillRef>
+          <a:effectRef idx="0">
+            <a:schemeClr val="accent1"/>
+          </a:effectRef>
+          <a:fontRef idx="minor">
+            <a:schemeClr val="lt1"/>
+          </a:fontRef>
+        </p:style>
+        <p:txBody>
+          <a:bodyPr rtlCol="0" anchor="ctr"/>
+          <a:lstStyle/>
+          <a:p>
+            <a:pPr algn="ctr"/>
+            <a:endParaRPr lang="en-SG" dirty="0">
+              <a:solidFill>
+                <a:schemeClr val="tx1"/>
+              </a:solidFill>
+            </a:endParaRPr>
+          </a:p>
+        </p:txBody>
+      </p:sp>
+      <p:sp>
+        <p:nvSpPr>
+          <p:cNvPr id="175" name="Rectangle 174"/>
+          <p:cNvSpPr/>
+          <p:nvPr/>
+        </p:nvSpPr>
+        <p:spPr>
+          <a:xfrm>
+            <a:off x="2850097" y="2934832"/>
+            <a:ext cx="1402216" cy="266901"/>
+          </a:xfrm>
+          <a:prstGeom prst="rect">
+            <a:avLst/>
+          </a:prstGeom>
+          <a:noFill/>
+          <a:ln w="25400">
+            <a:noFill/>
+          </a:ln>
+        </p:spPr>
+        <p:style>
+          <a:lnRef idx="2">
+            <a:schemeClr val="accent1">
+              <a:shade val="50000"/>
+            </a:schemeClr>
+          </a:lnRef>
+          <a:fillRef idx="1">
+            <a:schemeClr val="accent1"/>
+          </a:fillRef>
+          <a:effectRef idx="0">
+            <a:schemeClr val="accent1"/>
+          </a:effectRef>
+          <a:fontRef idx="minor">
+            <a:schemeClr val="lt1"/>
+          </a:fontRef>
+        </p:style>
+        <p:txBody>
+          <a:bodyPr rtlCol="0" anchor="ctr"/>
+          <a:lstStyle/>
+          <a:p>
+            <a:pPr algn="ctr"/>
+            <a:r>
+              <a:rPr lang="en-US" sz="1400" dirty="0">
+                <a:solidFill>
+                  <a:schemeClr val="tx1"/>
+                </a:solidFill>
+              </a:rPr>
+              <a:t>zookeeper:2181</a:t>
+            </a:r>
+            <a:endParaRPr lang="en-SG" sz="1400" dirty="0">
+              <a:solidFill>
+                <a:schemeClr val="tx1"/>
+              </a:solidFill>
+            </a:endParaRPr>
+          </a:p>
+        </p:txBody>
+      </p:sp>
+      <p:cxnSp>
+        <p:nvCxnSpPr>
+          <p:cNvPr id="176" name="Straight Connector 175"/>
+          <p:cNvCxnSpPr/>
+          <p:nvPr/>
+        </p:nvCxnSpPr>
+        <p:spPr>
+          <a:xfrm flipH="1">
+            <a:off x="2920007" y="2913827"/>
+            <a:ext cx="3708" cy="555990"/>
+          </a:xfrm>
+          <a:prstGeom prst="line">
+            <a:avLst/>
+          </a:prstGeom>
+          <a:ln w="15875">
+            <a:solidFill>
+              <a:schemeClr val="accent2"/>
+            </a:solidFill>
+            <a:headEnd type="triangle"/>
+            <a:tailEnd type="triangle"/>
+          </a:ln>
+        </p:spPr>
+        <p:style>
+          <a:lnRef idx="1">
+            <a:schemeClr val="accent1"/>
+          </a:lnRef>
+          <a:fillRef idx="0">
+            <a:schemeClr val="accent1"/>
+          </a:fillRef>
+          <a:effectRef idx="0">
+            <a:schemeClr val="accent1"/>
+          </a:effectRef>
+          <a:fontRef idx="minor">
+            <a:schemeClr val="tx1"/>
+          </a:fontRef>
+        </p:style>
+      </p:cxnSp>
+      <p:pic>
+        <p:nvPicPr>
+          <p:cNvPr id="184" name="Picture 183"/>
+          <p:cNvPicPr>
+            <a:picLocks noChangeAspect="1"/>
+          </p:cNvPicPr>
+          <p:nvPr/>
+        </p:nvPicPr>
+        <p:blipFill>
+          <a:blip r:embed="rId3">
+            <a:extLst>
+              <a:ext uri="{28A0092B-C50C-407E-A947-70E740481C1C}">
+                <a14:useLocalDpi xmlns:a14="http://schemas.microsoft.com/office/drawing/2010/main" val="0"/>
+              </a:ext>
+            </a:extLst>
+          </a:blip>
+          <a:stretch>
+            <a:fillRect/>
+          </a:stretch>
+        </p:blipFill>
+        <p:spPr>
+          <a:xfrm>
+            <a:off x="10104308" y="2951839"/>
+            <a:ext cx="1268028" cy="838087"/>
+          </a:xfrm>
+          <a:prstGeom prst="rect">
+            <a:avLst/>
+          </a:prstGeom>
+        </p:spPr>
+      </p:pic>
+      <p:pic>
+        <p:nvPicPr>
+          <p:cNvPr id="186" name="Picture 185"/>
+          <p:cNvPicPr>
+            <a:picLocks noChangeAspect="1"/>
+          </p:cNvPicPr>
+          <p:nvPr/>
+        </p:nvPicPr>
+        <p:blipFill>
+          <a:blip r:embed="rId4">
+            <a:extLst>
+              <a:ext uri="{28A0092B-C50C-407E-A947-70E740481C1C}">
+                <a14:useLocalDpi xmlns:a14="http://schemas.microsoft.com/office/drawing/2010/main" val="0"/>
+              </a:ext>
+            </a:extLst>
+          </a:blip>
+          <a:stretch>
+            <a:fillRect/>
+          </a:stretch>
+        </p:blipFill>
+        <p:spPr>
+          <a:xfrm>
+            <a:off x="969617" y="4763537"/>
+            <a:ext cx="2362382" cy="1576158"/>
+          </a:xfrm>
+          <a:prstGeom prst="rect">
+            <a:avLst/>
+          </a:prstGeom>
+        </p:spPr>
+      </p:pic>
+      <p:cxnSp>
+        <p:nvCxnSpPr>
+          <p:cNvPr id="187" name="Straight Arrow Connector 186"/>
+          <p:cNvCxnSpPr>
+            <a:endCxn id="128" idx="1"/>
+          </p:cNvCxnSpPr>
+          <p:nvPr/>
+        </p:nvCxnSpPr>
+        <p:spPr>
+          <a:xfrm>
+            <a:off x="9121864" y="2994432"/>
+            <a:ext cx="600370" cy="265218"/>
+          </a:xfrm>
+          <a:prstGeom prst="straightConnector1">
+            <a:avLst/>
+          </a:prstGeom>
+          <a:ln w="15875">
+            <a:solidFill>
+              <a:schemeClr val="accent1"/>
+            </a:solidFill>
+            <a:tailEnd type="triangle"/>
+          </a:ln>
+        </p:spPr>
+        <p:style>
+          <a:lnRef idx="1">
+            <a:schemeClr val="accent1"/>
+          </a:lnRef>
+          <a:fillRef idx="0">
+            <a:schemeClr val="accent1"/>
+          </a:fillRef>
+          <a:effectRef idx="0">
+            <a:schemeClr val="accent1"/>
+          </a:effectRef>
+          <a:fontRef idx="minor">
+            <a:schemeClr val="tx1"/>
+          </a:fontRef>
+        </p:style>
+      </p:cxnSp>
+      <p:cxnSp>
+        <p:nvCxnSpPr>
+          <p:cNvPr id="189" name="Straight Arrow Connector 188"/>
+          <p:cNvCxnSpPr/>
+          <p:nvPr/>
+        </p:nvCxnSpPr>
+        <p:spPr>
+          <a:xfrm>
+            <a:off x="9121864" y="1478074"/>
+            <a:ext cx="600370" cy="265218"/>
+          </a:xfrm>
+          <a:prstGeom prst="straightConnector1">
+            <a:avLst/>
+          </a:prstGeom>
+          <a:ln w="15875">
+            <a:solidFill>
+              <a:schemeClr val="accent1"/>
+            </a:solidFill>
+            <a:tailEnd type="triangle"/>
+          </a:ln>
+        </p:spPr>
+        <p:style>
+          <a:lnRef idx="1">
+            <a:schemeClr val="accent1"/>
+          </a:lnRef>
+          <a:fillRef idx="0">
+            <a:schemeClr val="accent1"/>
+          </a:fillRef>
+          <a:effectRef idx="0">
+            <a:schemeClr val="accent1"/>
+          </a:effectRef>
+          <a:fontRef idx="minor">
+            <a:schemeClr val="tx1"/>
+          </a:fontRef>
+        </p:style>
+      </p:cxnSp>
+      <p:cxnSp>
+        <p:nvCxnSpPr>
+          <p:cNvPr id="190" name="Straight Arrow Connector 189"/>
+          <p:cNvCxnSpPr/>
+          <p:nvPr/>
+        </p:nvCxnSpPr>
+        <p:spPr>
+          <a:xfrm>
+            <a:off x="7670188" y="5184987"/>
+            <a:ext cx="830758" cy="0"/>
+          </a:xfrm>
+          <a:prstGeom prst="straightConnector1">
+            <a:avLst/>
+          </a:prstGeom>
+          <a:ln w="15875">
+            <a:solidFill>
+              <a:schemeClr val="accent2"/>
+            </a:solidFill>
+            <a:tailEnd type="none"/>
+          </a:ln>
+        </p:spPr>
+        <p:style>
+          <a:lnRef idx="1">
+            <a:schemeClr val="accent1"/>
+          </a:lnRef>
+          <a:fillRef idx="0">
+            <a:schemeClr val="accent1"/>
+          </a:fillRef>
+          <a:effectRef idx="0">
+            <a:schemeClr val="accent1"/>
+          </a:effectRef>
+          <a:fontRef idx="minor">
+            <a:schemeClr val="tx1"/>
+          </a:fontRef>
+        </p:style>
+      </p:cxnSp>
+      <p:sp>
+        <p:nvSpPr>
+          <p:cNvPr id="191" name="TextBox 190"/>
+          <p:cNvSpPr txBox="1"/>
+          <p:nvPr/>
+        </p:nvSpPr>
+        <p:spPr>
+          <a:xfrm>
+            <a:off x="8652094" y="4988595"/>
+            <a:ext cx="2508059" cy="369332"/>
+          </a:xfrm>
+          <a:prstGeom prst="rect">
+            <a:avLst/>
+          </a:prstGeom>
+          <a:noFill/>
+        </p:spPr>
+        <p:txBody>
+          <a:bodyPr wrap="none" rtlCol="0">
+            <a:spAutoFit/>
+          </a:bodyPr>
+          <a:lstStyle/>
+          <a:p>
+            <a:r>
+              <a:rPr lang="en-US" dirty="0"/>
+              <a:t>Communication network</a:t>
+            </a:r>
+            <a:endParaRPr lang="en-SG" dirty="0"/>
+          </a:p>
+        </p:txBody>
+      </p:sp>
+      <p:pic>
+        <p:nvPicPr>
+          <p:cNvPr id="194" name="Picture 193"/>
+          <p:cNvPicPr>
+            <a:picLocks noChangeAspect="1"/>
+          </p:cNvPicPr>
+          <p:nvPr/>
+        </p:nvPicPr>
+        <p:blipFill>
+          <a:blip r:embed="rId5">
+            <a:extLst>
+              <a:ext uri="{28A0092B-C50C-407E-A947-70E740481C1C}">
+                <a14:useLocalDpi xmlns:a14="http://schemas.microsoft.com/office/drawing/2010/main" val="0"/>
+              </a:ext>
+            </a:extLst>
+          </a:blip>
+          <a:stretch>
+            <a:fillRect/>
+          </a:stretch>
+        </p:blipFill>
+        <p:spPr>
+          <a:xfrm>
+            <a:off x="10093517" y="1417101"/>
+            <a:ext cx="1275222" cy="847395"/>
+          </a:xfrm>
+          <a:prstGeom prst="rect">
+            <a:avLst/>
+          </a:prstGeom>
+        </p:spPr>
+      </p:pic>
+      <p:sp>
+        <p:nvSpPr>
+          <p:cNvPr id="195" name="TextBox 194"/>
+          <p:cNvSpPr txBox="1"/>
+          <p:nvPr/>
+        </p:nvSpPr>
+        <p:spPr>
+          <a:xfrm>
+            <a:off x="3285515" y="5370151"/>
+            <a:ext cx="1925335" cy="307777"/>
+          </a:xfrm>
+          <a:prstGeom prst="rect">
+            <a:avLst/>
+          </a:prstGeom>
+          <a:noFill/>
+        </p:spPr>
+        <p:txBody>
+          <a:bodyPr wrap="none" rtlCol="0">
+            <a:spAutoFit/>
+          </a:bodyPr>
+          <a:lstStyle/>
+          <a:p>
+            <a:r>
+              <a:rPr lang="en-US" sz="1400" dirty="0"/>
+              <a:t>playing video at t = 0.35</a:t>
+            </a:r>
+            <a:endParaRPr lang="en-SG" sz="1400" dirty="0"/>
+          </a:p>
+        </p:txBody>
+      </p:sp>
+      <p:sp>
+        <p:nvSpPr>
+          <p:cNvPr id="197" name="TextBox 196"/>
+          <p:cNvSpPr txBox="1"/>
+          <p:nvPr/>
+        </p:nvSpPr>
+        <p:spPr>
+          <a:xfrm>
+            <a:off x="8652094" y="4545462"/>
+            <a:ext cx="2126672" cy="369332"/>
+          </a:xfrm>
+          <a:prstGeom prst="rect">
+            <a:avLst/>
+          </a:prstGeom>
+          <a:noFill/>
+        </p:spPr>
+        <p:txBody>
+          <a:bodyPr wrap="none" rtlCol="0">
+            <a:spAutoFit/>
+          </a:bodyPr>
+          <a:lstStyle/>
+          <a:p>
+            <a:r>
+              <a:rPr lang="en-US" dirty="0"/>
+              <a:t>Communication port</a:t>
+            </a:r>
+            <a:endParaRPr lang="en-SG" dirty="0"/>
+          </a:p>
+        </p:txBody>
+      </p:sp>
+      <p:sp>
+        <p:nvSpPr>
+          <p:cNvPr id="198" name="Rectangle 197"/>
+          <p:cNvSpPr/>
+          <p:nvPr/>
+        </p:nvSpPr>
+        <p:spPr>
+          <a:xfrm>
+            <a:off x="8027264" y="4663851"/>
+            <a:ext cx="131419" cy="139267"/>
+          </a:xfrm>
+          <a:prstGeom prst="rect">
+            <a:avLst/>
+          </a:prstGeom>
+          <a:solidFill>
+            <a:srgbClr val="7030A0"/>
+          </a:solidFill>
+          <a:ln w="25400">
+            <a:solidFill>
+              <a:srgbClr val="7030A0"/>
+            </a:solidFill>
+          </a:ln>
+        </p:spPr>
+        <p:style>
+          <a:lnRef idx="2">
+            <a:schemeClr val="accent1">
+              <a:shade val="50000"/>
+            </a:schemeClr>
+          </a:lnRef>
+          <a:fillRef idx="1">
+            <a:schemeClr val="accent1"/>
+          </a:fillRef>
+          <a:effectRef idx="0">
+            <a:schemeClr val="accent1"/>
+          </a:effectRef>
+          <a:fontRef idx="minor">
+            <a:schemeClr val="lt1"/>
+          </a:fontRef>
+        </p:style>
+        <p:txBody>
+          <a:bodyPr rtlCol="0" anchor="ctr"/>
+          <a:lstStyle/>
+          <a:p>
+            <a:pPr algn="ctr"/>
+            <a:endParaRPr lang="en-SG" dirty="0">
+              <a:solidFill>
+                <a:schemeClr val="tx1"/>
+              </a:solidFill>
+            </a:endParaRPr>
+          </a:p>
+        </p:txBody>
+      </p:sp>
+    </p:spTree>
+    <p:extLst>
+      <p:ext uri="{BB962C8B-B14F-4D97-AF65-F5344CB8AC3E}">
+        <p14:creationId xmlns:p14="http://schemas.microsoft.com/office/powerpoint/2010/main" val="3017416859"/>
+      </p:ext>
+    </p:extLst>
+  </p:cSld>
+  <p:clrMapOvr>
+    <a:masterClrMapping/>
+  </p:clrMapOvr>
+</p:sld>
+</file>
+
 <file path=ppt/theme/theme1.xml><?xml version="1.0" encoding="utf-8"?>
 <a:theme xmlns:a="http://schemas.openxmlformats.org/drawingml/2006/main" name="Office Theme">
   <a:themeElements>
